--- a/presentations/avionic selector.pptx
+++ b/presentations/avionic selector.pptx
@@ -5987,6 +5987,28 @@
               <a:t>Türkiye ve yurt dışında bastırılabilir. Seçenekler çoktur.</a:t>
             </a:r>
           </a:p>
+          <a:p>
+            <a:r>
+              <a:rPr lang="tr-TR" dirty="0"/>
+              <a:t>Çift katmanlı tek katmanlı olayları var. Çift katman </a:t>
+            </a:r>
+            <a:r>
+              <a:rPr lang="tr-TR" dirty="0" err="1"/>
+              <a:t>pcb</a:t>
+            </a:r>
+            <a:r>
+              <a:rPr lang="tr-TR" dirty="0"/>
+              <a:t> ‘ </a:t>
+            </a:r>
+            <a:r>
+              <a:rPr lang="tr-TR" dirty="0" err="1"/>
+              <a:t>lerde</a:t>
+            </a:r>
+            <a:r>
+              <a:rPr lang="tr-TR" dirty="0"/>
+              <a:t> hem ön taraf lehim yolları hem de arka tarafta lehim yolları bulunmakta. Tek katmanlıda ise sadece bir tarafta lehim yolları bulunmakta.</a:t>
+            </a:r>
+          </a:p>
         </p:txBody>
       </p:sp>
     </p:spTree>
@@ -6655,6 +6677,42 @@
           </a:p>
           <a:p>
             <a:r>
+              <a:rPr lang="tr-TR" dirty="0">
+                <a:hlinkClick r:id="rId3"/>
+              </a:rPr>
+              <a:t>https://www.youtube.com/watch?v=1ZzhPwVj_ew</a:t>
+            </a:r>
+            <a:endParaRPr lang="tr-TR" dirty="0"/>
+          </a:p>
+          <a:p>
+            <a:r>
+              <a:rPr lang="tr-TR" dirty="0">
+                <a:hlinkClick r:id="rId4"/>
+              </a:rPr>
+              <a:t>https://www.youtube.com/watch?v=OCLpG3T-SM8</a:t>
+            </a:r>
+            <a:endParaRPr lang="tr-TR" dirty="0"/>
+          </a:p>
+          <a:p>
+            <a:r>
+              <a:rPr lang="tr-TR" dirty="0">
+                <a:hlinkClick r:id="rId5"/>
+              </a:rPr>
+              <a:t>https://www.youtube.com/watch?v=XZY6OnRts8w</a:t>
+            </a:r>
+            <a:endParaRPr lang="tr-TR" dirty="0"/>
+          </a:p>
+          <a:p>
+            <a:r>
+              <a:rPr lang="tr-TR" dirty="0">
+                <a:hlinkClick r:id="rId6"/>
+              </a:rPr>
+              <a:t>https://www.youtube.com/watch?v=RklXUdNIr6k(izlenmedi)</a:t>
+            </a:r>
+            <a:endParaRPr lang="tr-TR" dirty="0"/>
+          </a:p>
+          <a:p>
+            <a:r>
               <a:rPr lang="tr-TR" dirty="0" err="1"/>
               <a:t>https</a:t>
             </a:r>
@@ -6676,7 +6734,7 @@
             </a:r>
             <a:r>
               <a:rPr lang="tr-TR" dirty="0"/>
-              <a:t>=1ZzhPwVj_ew</a:t>
+              <a:t>=gzjU1Gud0QQ(izlenmedi)</a:t>
             </a:r>
           </a:p>
           <a:p>

--- a/presentations/avionic selector.pptx
+++ b/presentations/avionic selector.pptx
@@ -13,8 +13,10 @@
     <p:sldId id="263" r:id="rId7"/>
     <p:sldId id="264" r:id="rId8"/>
     <p:sldId id="265" r:id="rId9"/>
-    <p:sldId id="260" r:id="rId10"/>
-    <p:sldId id="257" r:id="rId11"/>
+    <p:sldId id="267" r:id="rId10"/>
+    <p:sldId id="266" r:id="rId11"/>
+    <p:sldId id="260" r:id="rId12"/>
+    <p:sldId id="257" r:id="rId13"/>
   </p:sldIdLst>
   <p:sldSz cx="12192000" cy="6858000"/>
   <p:notesSz cx="6858000" cy="9144000"/>
@@ -113,6 +115,11 @@
       </a:defRPr>
     </a:lvl9pPr>
   </p:defaultTextStyle>
+  <p:extLst>
+    <p:ext uri="{EFAFB233-063F-42B5-8137-9DF3F51BA10A}">
+      <p15:sldGuideLst xmlns:p15="http://schemas.microsoft.com/office/powerpoint/2012/main"/>
+    </p:ext>
+  </p:extLst>
 </p:presentation>
 </file>
 
@@ -330,7 +337,7 @@
             <a:fld id="{B61BEF0D-F0BB-DE4B-95CE-6DB70DBA9567}" type="datetimeFigureOut">
               <a:rPr lang="en-US" dirty="0"/>
               <a:pPr/>
-              <a:t>9/11/21</a:t>
+              <a:t>9/12/21</a:t>
             </a:fld>
             <a:endParaRPr lang="en-US" dirty="0"/>
           </a:p>
@@ -618,7 +625,7 @@
             <a:fld id="{B61BEF0D-F0BB-DE4B-95CE-6DB70DBA9567}" type="datetimeFigureOut">
               <a:rPr lang="en-US" dirty="0"/>
               <a:pPr/>
-              <a:t>9/11/21</a:t>
+              <a:t>9/12/21</a:t>
             </a:fld>
             <a:endParaRPr lang="en-US" dirty="0"/>
           </a:p>
@@ -874,7 +881,7 @@
             <a:fld id="{B61BEF0D-F0BB-DE4B-95CE-6DB70DBA9567}" type="datetimeFigureOut">
               <a:rPr lang="en-US" dirty="0"/>
               <a:pPr/>
-              <a:t>9/11/21</a:t>
+              <a:t>9/12/21</a:t>
             </a:fld>
             <a:endParaRPr lang="en-US" dirty="0"/>
           </a:p>
@@ -1340,7 +1347,7 @@
             <a:fld id="{B61BEF0D-F0BB-DE4B-95CE-6DB70DBA9567}" type="datetimeFigureOut">
               <a:rPr lang="en-US" dirty="0"/>
               <a:pPr/>
-              <a:t>9/11/21</a:t>
+              <a:t>9/12/21</a:t>
             </a:fld>
             <a:endParaRPr lang="en-US" dirty="0"/>
           </a:p>
@@ -1517,7 +1524,7 @@
             <a:fld id="{B61BEF0D-F0BB-DE4B-95CE-6DB70DBA9567}" type="datetimeFigureOut">
               <a:rPr lang="en-US" dirty="0"/>
               <a:pPr/>
-              <a:t>9/11/21</a:t>
+              <a:t>9/12/21</a:t>
             </a:fld>
             <a:endParaRPr lang="en-US" dirty="0"/>
           </a:p>
@@ -2090,7 +2097,7 @@
             <a:fld id="{B61BEF0D-F0BB-DE4B-95CE-6DB70DBA9567}" type="datetimeFigureOut">
               <a:rPr lang="en-US" dirty="0"/>
               <a:pPr/>
-              <a:t>9/11/21</a:t>
+              <a:t>9/12/21</a:t>
             </a:fld>
             <a:endParaRPr lang="en-US" dirty="0"/>
           </a:p>
@@ -2419,7 +2426,7 @@
             <a:fld id="{B61BEF0D-F0BB-DE4B-95CE-6DB70DBA9567}" type="datetimeFigureOut">
               <a:rPr lang="en-US" dirty="0"/>
               <a:pPr/>
-              <a:t>9/11/21</a:t>
+              <a:t>9/12/21</a:t>
             </a:fld>
             <a:endParaRPr lang="en-US" dirty="0"/>
           </a:p>
@@ -2591,7 +2598,7 @@
             <a:fld id="{B61BEF0D-F0BB-DE4B-95CE-6DB70DBA9567}" type="datetimeFigureOut">
               <a:rPr lang="en-US" dirty="0"/>
               <a:pPr/>
-              <a:t>9/11/21</a:t>
+              <a:t>9/12/21</a:t>
             </a:fld>
             <a:endParaRPr lang="en-US" dirty="0"/>
           </a:p>
@@ -2768,7 +2775,7 @@
             <a:fld id="{B61BEF0D-F0BB-DE4B-95CE-6DB70DBA9567}" type="datetimeFigureOut">
               <a:rPr lang="en-US" dirty="0"/>
               <a:pPr/>
-              <a:t>9/11/21</a:t>
+              <a:t>9/12/21</a:t>
             </a:fld>
             <a:endParaRPr lang="en-US" dirty="0"/>
           </a:p>
@@ -2935,7 +2942,7 @@
             <a:fld id="{B61BEF0D-F0BB-DE4B-95CE-6DB70DBA9567}" type="datetimeFigureOut">
               <a:rPr lang="en-US" dirty="0"/>
               <a:pPr/>
-              <a:t>9/11/21</a:t>
+              <a:t>9/12/21</a:t>
             </a:fld>
             <a:endParaRPr lang="en-US" dirty="0"/>
           </a:p>
@@ -3189,7 +3196,7 @@
             <a:fld id="{B61BEF0D-F0BB-DE4B-95CE-6DB70DBA9567}" type="datetimeFigureOut">
               <a:rPr lang="en-US" dirty="0"/>
               <a:pPr/>
-              <a:t>9/11/21</a:t>
+              <a:t>9/12/21</a:t>
             </a:fld>
             <a:endParaRPr lang="en-US" dirty="0"/>
           </a:p>
@@ -3478,7 +3485,7 @@
             <a:fld id="{B61BEF0D-F0BB-DE4B-95CE-6DB70DBA9567}" type="datetimeFigureOut">
               <a:rPr lang="en-US" dirty="0"/>
               <a:pPr/>
-              <a:t>9/11/21</a:t>
+              <a:t>9/12/21</a:t>
             </a:fld>
             <a:endParaRPr lang="en-US" dirty="0"/>
           </a:p>
@@ -3905,7 +3912,7 @@
             <a:fld id="{B61BEF0D-F0BB-DE4B-95CE-6DB70DBA9567}" type="datetimeFigureOut">
               <a:rPr lang="en-US" dirty="0"/>
               <a:pPr/>
-              <a:t>9/11/21</a:t>
+              <a:t>9/12/21</a:t>
             </a:fld>
             <a:endParaRPr lang="en-US" dirty="0"/>
           </a:p>
@@ -4020,7 +4027,7 @@
             <a:fld id="{B61BEF0D-F0BB-DE4B-95CE-6DB70DBA9567}" type="datetimeFigureOut">
               <a:rPr lang="en-US" dirty="0"/>
               <a:pPr/>
-              <a:t>9/11/21</a:t>
+              <a:t>9/12/21</a:t>
             </a:fld>
             <a:endParaRPr lang="en-US" dirty="0"/>
           </a:p>
@@ -4112,7 +4119,7 @@
             <a:fld id="{B61BEF0D-F0BB-DE4B-95CE-6DB70DBA9567}" type="datetimeFigureOut">
               <a:rPr lang="en-US" dirty="0"/>
               <a:pPr/>
-              <a:t>9/11/21</a:t>
+              <a:t>9/12/21</a:t>
             </a:fld>
             <a:endParaRPr lang="en-US" dirty="0"/>
           </a:p>
@@ -4392,7 +4399,7 @@
             <a:fld id="{B61BEF0D-F0BB-DE4B-95CE-6DB70DBA9567}" type="datetimeFigureOut">
               <a:rPr lang="en-US" dirty="0"/>
               <a:pPr/>
-              <a:t>9/11/21</a:t>
+              <a:t>9/12/21</a:t>
             </a:fld>
             <a:endParaRPr lang="en-US" dirty="0"/>
           </a:p>
@@ -4680,7 +4687,7 @@
             <a:fld id="{B61BEF0D-F0BB-DE4B-95CE-6DB70DBA9567}" type="datetimeFigureOut">
               <a:rPr lang="en-US" dirty="0"/>
               <a:pPr/>
-              <a:t>9/11/21</a:t>
+              <a:t>9/12/21</a:t>
             </a:fld>
             <a:endParaRPr lang="en-US" dirty="0"/>
           </a:p>
@@ -4908,7 +4915,7 @@
             <a:fld id="{B61BEF0D-F0BB-DE4B-95CE-6DB70DBA9567}" type="datetimeFigureOut">
               <a:rPr lang="en-US" dirty="0"/>
               <a:pPr/>
-              <a:t>9/11/21</a:t>
+              <a:t>9/12/21</a:t>
             </a:fld>
             <a:endParaRPr lang="en-US" dirty="0"/>
           </a:p>
@@ -5790,6 +5797,263 @@
           <p:cNvPr id="2" name="Başlık 1">
             <a:extLst>
               <a:ext uri="{FF2B5EF4-FFF2-40B4-BE49-F238E27FC236}">
+                <a16:creationId xmlns:a16="http://schemas.microsoft.com/office/drawing/2014/main" id="{491E33C0-A165-FD48-851D-1A8B5132A0BA}"/>
+              </a:ext>
+            </a:extLst>
+          </p:cNvPr>
+          <p:cNvSpPr>
+            <a:spLocks noGrp="1"/>
+          </p:cNvSpPr>
+          <p:nvPr>
+            <p:ph type="title"/>
+          </p:nvPr>
+        </p:nvSpPr>
+        <p:spPr/>
+        <p:txBody>
+          <a:bodyPr/>
+          <a:lstStyle/>
+          <a:p>
+            <a:r>
+              <a:rPr lang="tr-TR" dirty="0"/>
+              <a:t>ÜRETTİREBİLECEĞİN SİTELER</a:t>
+            </a:r>
+          </a:p>
+        </p:txBody>
+      </p:sp>
+      <p:sp>
+        <p:nvSpPr>
+          <p:cNvPr id="3" name="İçerik Yer Tutucusu 2">
+            <a:extLst>
+              <a:ext uri="{FF2B5EF4-FFF2-40B4-BE49-F238E27FC236}">
+                <a16:creationId xmlns:a16="http://schemas.microsoft.com/office/drawing/2014/main" id="{B412CFA4-E0F1-2F4D-9167-BB8B377BD64E}"/>
+              </a:ext>
+            </a:extLst>
+          </p:cNvPr>
+          <p:cNvSpPr>
+            <a:spLocks noGrp="1"/>
+          </p:cNvSpPr>
+          <p:nvPr>
+            <p:ph idx="1"/>
+          </p:nvPr>
+        </p:nvSpPr>
+        <p:spPr/>
+        <p:txBody>
+          <a:bodyPr/>
+          <a:lstStyle/>
+          <a:p>
+            <a:r>
+              <a:rPr lang="tr-TR" dirty="0" err="1"/>
+              <a:t>https</a:t>
+            </a:r>
+            <a:r>
+              <a:rPr lang="tr-TR" dirty="0"/>
+              <a:t>://</a:t>
+            </a:r>
+            <a:r>
+              <a:rPr lang="tr-TR" dirty="0" err="1"/>
+              <a:t>www.pcbway.com</a:t>
+            </a:r>
+            <a:endParaRPr lang="tr-TR" dirty="0"/>
+          </a:p>
+          <a:p>
+            <a:r>
+              <a:rPr lang="tr-TR" dirty="0"/>
+              <a:t>http://</a:t>
+            </a:r>
+            <a:r>
+              <a:rPr lang="tr-TR" dirty="0" err="1"/>
+              <a:t>www.izmirnumunepcb.com</a:t>
+            </a:r>
+            <a:endParaRPr lang="tr-TR" dirty="0"/>
+          </a:p>
+        </p:txBody>
+      </p:sp>
+    </p:spTree>
+    <p:extLst>
+      <p:ext uri="{BB962C8B-B14F-4D97-AF65-F5344CB8AC3E}">
+        <p14:creationId xmlns:p14="http://schemas.microsoft.com/office/powerpoint/2010/main" val="4283079792"/>
+      </p:ext>
+    </p:extLst>
+  </p:cSld>
+  <p:clrMapOvr>
+    <a:masterClrMapping/>
+  </p:clrMapOvr>
+</p:sld>
+</file>
+
+<file path=ppt/slides/slide11.xml><?xml version="1.0" encoding="utf-8"?>
+<p:sld xmlns:a="http://schemas.openxmlformats.org/drawingml/2006/main" xmlns:r="http://schemas.openxmlformats.org/officeDocument/2006/relationships" xmlns:p="http://schemas.openxmlformats.org/presentationml/2006/main">
+  <p:cSld>
+    <p:spTree>
+      <p:nvGrpSpPr>
+        <p:cNvPr id="1" name=""/>
+        <p:cNvGrpSpPr/>
+        <p:nvPr/>
+      </p:nvGrpSpPr>
+      <p:grpSpPr>
+        <a:xfrm>
+          <a:off x="0" y="0"/>
+          <a:ext cx="0" cy="0"/>
+          <a:chOff x="0" y="0"/>
+          <a:chExt cx="0" cy="0"/>
+        </a:xfrm>
+      </p:grpSpPr>
+      <p:sp>
+        <p:nvSpPr>
+          <p:cNvPr id="2" name="Başlık 1">
+            <a:extLst>
+              <a:ext uri="{FF2B5EF4-FFF2-40B4-BE49-F238E27FC236}">
+                <a16:creationId xmlns:a16="http://schemas.microsoft.com/office/drawing/2014/main" id="{0DCA5A95-45A0-AB40-A7A9-3DF77142F41C}"/>
+              </a:ext>
+            </a:extLst>
+          </p:cNvPr>
+          <p:cNvSpPr>
+            <a:spLocks noGrp="1"/>
+          </p:cNvSpPr>
+          <p:nvPr>
+            <p:ph type="title"/>
+          </p:nvPr>
+        </p:nvSpPr>
+        <p:spPr/>
+        <p:txBody>
+          <a:bodyPr/>
+          <a:lstStyle/>
+          <a:p>
+            <a:r>
+              <a:rPr lang="tr-TR" dirty="0"/>
+              <a:t>Video linkleri:</a:t>
+            </a:r>
+          </a:p>
+        </p:txBody>
+      </p:sp>
+      <p:sp>
+        <p:nvSpPr>
+          <p:cNvPr id="3" name="İçerik Yer Tutucusu 2">
+            <a:extLst>
+              <a:ext uri="{FF2B5EF4-FFF2-40B4-BE49-F238E27FC236}">
+                <a16:creationId xmlns:a16="http://schemas.microsoft.com/office/drawing/2014/main" id="{8504F1D2-B9B0-3648-B6BE-EE754E637081}"/>
+              </a:ext>
+            </a:extLst>
+          </p:cNvPr>
+          <p:cNvSpPr>
+            <a:spLocks noGrp="1"/>
+          </p:cNvSpPr>
+          <p:nvPr>
+            <p:ph idx="1"/>
+          </p:nvPr>
+        </p:nvSpPr>
+        <p:spPr/>
+        <p:txBody>
+          <a:bodyPr/>
+          <a:lstStyle/>
+          <a:p>
+            <a:r>
+              <a:rPr lang="tr-TR" dirty="0">
+                <a:hlinkClick r:id="rId2"/>
+              </a:rPr>
+              <a:t>https://www.youtube.com/watch?v=S2mwCplC_VU</a:t>
+            </a:r>
+            <a:endParaRPr lang="tr-TR" dirty="0"/>
+          </a:p>
+          <a:p>
+            <a:r>
+              <a:rPr lang="tr-TR" dirty="0">
+                <a:hlinkClick r:id="rId3"/>
+              </a:rPr>
+              <a:t>https://www.youtube.com/watch?v=1ZzhPwVj_ew</a:t>
+            </a:r>
+            <a:endParaRPr lang="tr-TR" dirty="0"/>
+          </a:p>
+          <a:p>
+            <a:r>
+              <a:rPr lang="tr-TR" dirty="0">
+                <a:hlinkClick r:id="rId4"/>
+              </a:rPr>
+              <a:t>https://www.youtube.com/watch?v=OCLpG3T-SM8</a:t>
+            </a:r>
+            <a:endParaRPr lang="tr-TR" dirty="0"/>
+          </a:p>
+          <a:p>
+            <a:r>
+              <a:rPr lang="tr-TR" dirty="0">
+                <a:hlinkClick r:id="rId5"/>
+              </a:rPr>
+              <a:t>https://www.youtube.com/watch?v=XZY6OnRts8w</a:t>
+            </a:r>
+            <a:endParaRPr lang="tr-TR" dirty="0"/>
+          </a:p>
+          <a:p>
+            <a:r>
+              <a:rPr lang="tr-TR" dirty="0">
+                <a:hlinkClick r:id="rId6"/>
+              </a:rPr>
+              <a:t>https://www.youtube.com/watch?v=RklXUdNIr6k</a:t>
+            </a:r>
+            <a:endParaRPr lang="tr-TR" dirty="0"/>
+          </a:p>
+          <a:p>
+            <a:r>
+              <a:rPr lang="tr-TR" dirty="0" err="1"/>
+              <a:t>https</a:t>
+            </a:r>
+            <a:r>
+              <a:rPr lang="tr-TR" dirty="0"/>
+              <a:t>://</a:t>
+            </a:r>
+            <a:r>
+              <a:rPr lang="tr-TR" dirty="0" err="1"/>
+              <a:t>www.youtube.com</a:t>
+            </a:r>
+            <a:r>
+              <a:rPr lang="tr-TR" dirty="0"/>
+              <a:t>/</a:t>
+            </a:r>
+            <a:r>
+              <a:rPr lang="tr-TR" dirty="0" err="1"/>
+              <a:t>watch?v</a:t>
+            </a:r>
+            <a:r>
+              <a:rPr lang="tr-TR" dirty="0"/>
+              <a:t>=gzjU1Gud0QQ</a:t>
+            </a:r>
+          </a:p>
+        </p:txBody>
+      </p:sp>
+    </p:spTree>
+    <p:extLst>
+      <p:ext uri="{BB962C8B-B14F-4D97-AF65-F5344CB8AC3E}">
+        <p14:creationId xmlns:p14="http://schemas.microsoft.com/office/powerpoint/2010/main" val="1824356070"/>
+      </p:ext>
+    </p:extLst>
+  </p:cSld>
+  <p:clrMapOvr>
+    <a:masterClrMapping/>
+  </p:clrMapOvr>
+</p:sld>
+</file>
+
+<file path=ppt/slides/slide12.xml><?xml version="1.0" encoding="utf-8"?>
+<p:sld xmlns:a="http://schemas.openxmlformats.org/drawingml/2006/main" xmlns:r="http://schemas.openxmlformats.org/officeDocument/2006/relationships" xmlns:p="http://schemas.openxmlformats.org/presentationml/2006/main">
+  <p:cSld>
+    <p:spTree>
+      <p:nvGrpSpPr>
+        <p:cNvPr id="1" name=""/>
+        <p:cNvGrpSpPr/>
+        <p:nvPr/>
+      </p:nvGrpSpPr>
+      <p:grpSpPr>
+        <a:xfrm>
+          <a:off x="0" y="0"/>
+          <a:ext cx="0" cy="0"/>
+          <a:chOff x="0" y="0"/>
+          <a:chExt cx="0" cy="0"/>
+        </a:xfrm>
+      </p:grpSpPr>
+      <p:sp>
+        <p:nvSpPr>
+          <p:cNvPr id="2" name="Başlık 1">
+            <a:extLst>
+              <a:ext uri="{FF2B5EF4-FFF2-40B4-BE49-F238E27FC236}">
                 <a16:creationId xmlns:a16="http://schemas.microsoft.com/office/drawing/2014/main" id="{376F6EAE-0826-5746-BC9B-2E498E33202D}"/>
               </a:ext>
             </a:extLst>
@@ -5803,7 +6067,7 @@
         </p:nvSpPr>
         <p:spPr>
           <a:xfrm>
-            <a:off x="1143001" y="2226526"/>
+            <a:off x="1143001" y="408877"/>
             <a:ext cx="9905998" cy="1905000"/>
           </a:xfrm>
         </p:spPr>
@@ -5821,6 +6085,36 @@
           </a:p>
         </p:txBody>
       </p:sp>
+      <p:pic>
+        <p:nvPicPr>
+          <p:cNvPr id="4" name="Resim 3">
+            <a:extLst>
+              <a:ext uri="{FF2B5EF4-FFF2-40B4-BE49-F238E27FC236}">
+                <a16:creationId xmlns:a16="http://schemas.microsoft.com/office/drawing/2014/main" id="{E574DF47-0BFE-D644-958C-5CE81F1E2009}"/>
+              </a:ext>
+            </a:extLst>
+          </p:cNvPr>
+          <p:cNvPicPr>
+            <a:picLocks noChangeAspect="1"/>
+          </p:cNvPicPr>
+          <p:nvPr/>
+        </p:nvPicPr>
+        <p:blipFill>
+          <a:blip r:embed="rId2"/>
+          <a:stretch>
+            <a:fillRect/>
+          </a:stretch>
+        </p:blipFill>
+        <p:spPr>
+          <a:xfrm>
+            <a:off x="645532" y="2171080"/>
+            <a:ext cx="5546632" cy="3683310"/>
+          </a:xfrm>
+          <a:prstGeom prst="rect">
+            <a:avLst/>
+          </a:prstGeom>
+        </p:spPr>
+      </p:pic>
     </p:spTree>
     <p:extLst>
       <p:ext uri="{BB962C8B-B14F-4D97-AF65-F5344CB8AC3E}">
@@ -6623,7 +6917,7 @@
           <p:cNvPr id="2" name="Başlık 1">
             <a:extLst>
               <a:ext uri="{FF2B5EF4-FFF2-40B4-BE49-F238E27FC236}">
-                <a16:creationId xmlns:a16="http://schemas.microsoft.com/office/drawing/2014/main" id="{0DCA5A95-45A0-AB40-A7A9-3DF77142F41C}"/>
+                <a16:creationId xmlns:a16="http://schemas.microsoft.com/office/drawing/2014/main" id="{D661A340-05E9-C24F-8AAA-33B910E1C34C}"/>
               </a:ext>
             </a:extLst>
           </p:cNvPr>
@@ -6640,8 +6934,12 @@
           <a:lstStyle/>
           <a:p>
             <a:r>
+              <a:rPr lang="tr-TR" dirty="0" err="1"/>
+              <a:t>nASIL</a:t>
+            </a:r>
+            <a:r>
               <a:rPr lang="tr-TR" dirty="0"/>
-              <a:t>Video linkleri:</a:t>
+              <a:t> ÜRETTİRİLİYOR ?</a:t>
             </a:r>
           </a:p>
         </p:txBody>
@@ -6651,7 +6949,7 @@
           <p:cNvPr id="3" name="İçerik Yer Tutucusu 2">
             <a:extLst>
               <a:ext uri="{FF2B5EF4-FFF2-40B4-BE49-F238E27FC236}">
-                <a16:creationId xmlns:a16="http://schemas.microsoft.com/office/drawing/2014/main" id="{8504F1D2-B9B0-3648-B6BE-EE754E637081}"/>
+                <a16:creationId xmlns:a16="http://schemas.microsoft.com/office/drawing/2014/main" id="{5CFE4F94-3FA1-AE49-8161-31F261A53BA0}"/>
               </a:ext>
             </a:extLst>
           </p:cNvPr>
@@ -6664,88 +6962,90 @@
         </p:nvSpPr>
         <p:spPr/>
         <p:txBody>
-          <a:bodyPr/>
+          <a:bodyPr>
+            <a:normAutofit fontScale="70000" lnSpcReduction="20000"/>
+          </a:bodyPr>
           <a:lstStyle/>
           <a:p>
             <a:r>
               <a:rPr lang="tr-TR" dirty="0">
+                <a:effectLst/>
+              </a:rPr>
+              <a:t> </a:t>
+            </a:r>
+            <a:r>
+              <a:rPr lang="tr-TR" b="1" dirty="0">
+                <a:effectLst/>
+              </a:rPr>
+              <a:t>RS274X </a:t>
+            </a:r>
+            <a:r>
+              <a:rPr lang="tr-TR" dirty="0"/>
+              <a:t>GERBER DOSYASI HALİNDE GÖNDERİYORUZ VE ÜRETİYORLAR.BU GERBER DOSYASI PROTEUS KİCAD VB YERLERDEN ÇIKTI OLARAK ÇIKAN TASARIMINIZ.</a:t>
+            </a:r>
+          </a:p>
+          <a:p>
+            <a:r>
+              <a:rPr lang="tr-TR" dirty="0"/>
+              <a:t>BU ÇIKAN DOSYA BİR TANE DEĞİL BİRKAÇ TANE OLABİLİR. BUNLARI ZİP VEYA RAR HALİNDE GÖNDERİLMESİ GEREKMEKTEDİR.</a:t>
+            </a:r>
+          </a:p>
+          <a:p>
+            <a:r>
+              <a:rPr lang="tr-TR" dirty="0"/>
+              <a:t>BU ÇIKAN DOSYALARI BAZI PROTEUS GİBİ UYGULAMALAR OTOMATİK SENİN YAPTIĞIN PROJELERİ ALARAK HAZIR BİR ŞEKİLDE VERİYOR.BAZILARINDA İSE SEN SEÇMEN GEREKİYOR.ÖRNEĞİN ÜST KATMAN,ALT KATMAN GİBİ.</a:t>
+            </a:r>
+          </a:p>
+          <a:p>
+            <a:r>
+              <a:rPr lang="tr-TR" dirty="0"/>
+              <a:t>RS274X FORMATINDA ÇIKTI ALMAK GEREK UNUTMA.</a:t>
+            </a:r>
+          </a:p>
+          <a:p>
+            <a:r>
+              <a:rPr lang="tr-TR" dirty="0"/>
+              <a:t>TÜM UYGULAMALAR(PROTEUS,KİCAD…) ÜZERİNDEN GERBER ALMA ÖRNEĞİ İSTERSEN </a:t>
+            </a:r>
+            <a:r>
+              <a:rPr lang="tr-TR" dirty="0">
+                <a:sym typeface="Wingdings" pitchFamily="2" charset="2"/>
+              </a:rPr>
+              <a:t>(</a:t>
+            </a:r>
+            <a:r>
+              <a:rPr lang="tr-TR" dirty="0">
+                <a:sym typeface="Wingdings" pitchFamily="2" charset="2"/>
                 <a:hlinkClick r:id="rId2"/>
               </a:rPr>
-              <a:t>https://www.youtube.com/watch?v=S2mwCplC_VU</a:t>
-            </a:r>
-            <a:endParaRPr lang="tr-TR" dirty="0"/>
-          </a:p>
-          <a:p>
+              <a:t>http://www.izmirnumunepcb.com/gerber-ciktisi-nasil-alinir.html</a:t>
+            </a:r>
             <a:r>
               <a:rPr lang="tr-TR" dirty="0">
-                <a:hlinkClick r:id="rId3"/>
+                <a:sym typeface="Wingdings" pitchFamily="2" charset="2"/>
               </a:rPr>
-              <a:t>https://www.youtube.com/watch?v=1ZzhPwVj_ew</a:t>
-            </a:r>
-            <a:endParaRPr lang="tr-TR" dirty="0"/>
+              <a:t>)</a:t>
+            </a:r>
           </a:p>
           <a:p>
             <a:r>
               <a:rPr lang="tr-TR" dirty="0">
-                <a:hlinkClick r:id="rId4"/>
+                <a:sym typeface="Wingdings" pitchFamily="2" charset="2"/>
               </a:rPr>
-              <a:t>https://www.youtube.com/watch?v=OCLpG3T-SM8</a:t>
-            </a:r>
-            <a:endParaRPr lang="tr-TR" dirty="0"/>
-          </a:p>
-          <a:p>
-            <a:r>
-              <a:rPr lang="tr-TR" dirty="0">
-                <a:hlinkClick r:id="rId5"/>
-              </a:rPr>
-              <a:t>https://www.youtube.com/watch?v=XZY6OnRts8w</a:t>
-            </a:r>
-            <a:endParaRPr lang="tr-TR" dirty="0"/>
-          </a:p>
-          <a:p>
-            <a:r>
-              <a:rPr lang="tr-TR" dirty="0">
-                <a:hlinkClick r:id="rId6"/>
-              </a:rPr>
-              <a:t>https://www.youtube.com/watch?v=RklXUdNIr6k(izlenmedi)</a:t>
-            </a:r>
-            <a:endParaRPr lang="tr-TR" dirty="0"/>
-          </a:p>
-          <a:p>
-            <a:r>
-              <a:rPr lang="tr-TR" dirty="0" err="1"/>
-              <a:t>https</a:t>
-            </a:r>
-            <a:r>
-              <a:rPr lang="tr-TR" dirty="0"/>
-              <a:t>://</a:t>
-            </a:r>
-            <a:r>
-              <a:rPr lang="tr-TR" dirty="0" err="1"/>
-              <a:t>www.youtube.com</a:t>
-            </a:r>
-            <a:r>
-              <a:rPr lang="tr-TR" dirty="0"/>
-              <a:t>/</a:t>
-            </a:r>
-            <a:r>
-              <a:rPr lang="tr-TR" dirty="0" err="1"/>
-              <a:t>watch?v</a:t>
-            </a:r>
-            <a:r>
-              <a:rPr lang="tr-TR" dirty="0"/>
-              <a:t>=gzjU1Gud0QQ(izlenmedi)</a:t>
-            </a:r>
-          </a:p>
-          <a:p>
-            <a:endParaRPr lang="tr-TR" dirty="0"/>
+              <a:t>DOSYALARDA VEYA TASARIMDA BİR HATA VARSA ONLAR BİZE ULAŞIP BU HATAYI DÜZELTMEMİZİ İSTİYORLAR.BU DÜZELTMELER SADECE DELİK VE LEHİM HATALARI GİBİ.YANİ SEN BURADA 5V VERMİŞSİN YAKARSIN DEVREYİ GİBİ DEĞİL.</a:t>
+            </a:r>
+          </a:p>
+          <a:p>
+            <a:endParaRPr lang="tr-TR" dirty="0">
+              <a:sym typeface="Wingdings" pitchFamily="2" charset="2"/>
+            </a:endParaRPr>
           </a:p>
         </p:txBody>
       </p:sp>
     </p:spTree>
     <p:extLst>
       <p:ext uri="{BB962C8B-B14F-4D97-AF65-F5344CB8AC3E}">
-        <p14:creationId xmlns:p14="http://schemas.microsoft.com/office/powerpoint/2010/main" val="1824356070"/>
+        <p14:creationId xmlns:p14="http://schemas.microsoft.com/office/powerpoint/2010/main" val="2174818955"/>
       </p:ext>
     </p:extLst>
   </p:cSld>

--- a/presentations/avionic selector.pptx
+++ b/presentations/avionic selector.pptx
@@ -17,6 +17,18 @@
     <p:sldId id="266" r:id="rId11"/>
     <p:sldId id="260" r:id="rId12"/>
     <p:sldId id="257" r:id="rId13"/>
+    <p:sldId id="273" r:id="rId14"/>
+    <p:sldId id="274" r:id="rId15"/>
+    <p:sldId id="276" r:id="rId16"/>
+    <p:sldId id="268" r:id="rId17"/>
+    <p:sldId id="269" r:id="rId18"/>
+    <p:sldId id="271" r:id="rId19"/>
+    <p:sldId id="277" r:id="rId20"/>
+    <p:sldId id="275" r:id="rId21"/>
+    <p:sldId id="278" r:id="rId22"/>
+    <p:sldId id="279" r:id="rId23"/>
+    <p:sldId id="270" r:id="rId24"/>
+    <p:sldId id="272" r:id="rId25"/>
   </p:sldIdLst>
   <p:sldSz cx="12192000" cy="6858000"/>
   <p:notesSz cx="6858000" cy="9144000"/>
@@ -337,7 +349,7 @@
             <a:fld id="{B61BEF0D-F0BB-DE4B-95CE-6DB70DBA9567}" type="datetimeFigureOut">
               <a:rPr lang="en-US" dirty="0"/>
               <a:pPr/>
-              <a:t>9/12/21</a:t>
+              <a:t>9/15/21</a:t>
             </a:fld>
             <a:endParaRPr lang="en-US" dirty="0"/>
           </a:p>
@@ -625,7 +637,7 @@
             <a:fld id="{B61BEF0D-F0BB-DE4B-95CE-6DB70DBA9567}" type="datetimeFigureOut">
               <a:rPr lang="en-US" dirty="0"/>
               <a:pPr/>
-              <a:t>9/12/21</a:t>
+              <a:t>9/15/21</a:t>
             </a:fld>
             <a:endParaRPr lang="en-US" dirty="0"/>
           </a:p>
@@ -881,7 +893,7 @@
             <a:fld id="{B61BEF0D-F0BB-DE4B-95CE-6DB70DBA9567}" type="datetimeFigureOut">
               <a:rPr lang="en-US" dirty="0"/>
               <a:pPr/>
-              <a:t>9/12/21</a:t>
+              <a:t>9/15/21</a:t>
             </a:fld>
             <a:endParaRPr lang="en-US" dirty="0"/>
           </a:p>
@@ -1347,7 +1359,7 @@
             <a:fld id="{B61BEF0D-F0BB-DE4B-95CE-6DB70DBA9567}" type="datetimeFigureOut">
               <a:rPr lang="en-US" dirty="0"/>
               <a:pPr/>
-              <a:t>9/12/21</a:t>
+              <a:t>9/15/21</a:t>
             </a:fld>
             <a:endParaRPr lang="en-US" dirty="0"/>
           </a:p>
@@ -1524,7 +1536,7 @@
             <a:fld id="{B61BEF0D-F0BB-DE4B-95CE-6DB70DBA9567}" type="datetimeFigureOut">
               <a:rPr lang="en-US" dirty="0"/>
               <a:pPr/>
-              <a:t>9/12/21</a:t>
+              <a:t>9/15/21</a:t>
             </a:fld>
             <a:endParaRPr lang="en-US" dirty="0"/>
           </a:p>
@@ -2097,7 +2109,7 @@
             <a:fld id="{B61BEF0D-F0BB-DE4B-95CE-6DB70DBA9567}" type="datetimeFigureOut">
               <a:rPr lang="en-US" dirty="0"/>
               <a:pPr/>
-              <a:t>9/12/21</a:t>
+              <a:t>9/15/21</a:t>
             </a:fld>
             <a:endParaRPr lang="en-US" dirty="0"/>
           </a:p>
@@ -2426,7 +2438,7 @@
             <a:fld id="{B61BEF0D-F0BB-DE4B-95CE-6DB70DBA9567}" type="datetimeFigureOut">
               <a:rPr lang="en-US" dirty="0"/>
               <a:pPr/>
-              <a:t>9/12/21</a:t>
+              <a:t>9/15/21</a:t>
             </a:fld>
             <a:endParaRPr lang="en-US" dirty="0"/>
           </a:p>
@@ -2598,7 +2610,7 @@
             <a:fld id="{B61BEF0D-F0BB-DE4B-95CE-6DB70DBA9567}" type="datetimeFigureOut">
               <a:rPr lang="en-US" dirty="0"/>
               <a:pPr/>
-              <a:t>9/12/21</a:t>
+              <a:t>9/15/21</a:t>
             </a:fld>
             <a:endParaRPr lang="en-US" dirty="0"/>
           </a:p>
@@ -2775,7 +2787,7 @@
             <a:fld id="{B61BEF0D-F0BB-DE4B-95CE-6DB70DBA9567}" type="datetimeFigureOut">
               <a:rPr lang="en-US" dirty="0"/>
               <a:pPr/>
-              <a:t>9/12/21</a:t>
+              <a:t>9/15/21</a:t>
             </a:fld>
             <a:endParaRPr lang="en-US" dirty="0"/>
           </a:p>
@@ -2942,7 +2954,7 @@
             <a:fld id="{B61BEF0D-F0BB-DE4B-95CE-6DB70DBA9567}" type="datetimeFigureOut">
               <a:rPr lang="en-US" dirty="0"/>
               <a:pPr/>
-              <a:t>9/12/21</a:t>
+              <a:t>9/15/21</a:t>
             </a:fld>
             <a:endParaRPr lang="en-US" dirty="0"/>
           </a:p>
@@ -3196,7 +3208,7 @@
             <a:fld id="{B61BEF0D-F0BB-DE4B-95CE-6DB70DBA9567}" type="datetimeFigureOut">
               <a:rPr lang="en-US" dirty="0"/>
               <a:pPr/>
-              <a:t>9/12/21</a:t>
+              <a:t>9/15/21</a:t>
             </a:fld>
             <a:endParaRPr lang="en-US" dirty="0"/>
           </a:p>
@@ -3485,7 +3497,7 @@
             <a:fld id="{B61BEF0D-F0BB-DE4B-95CE-6DB70DBA9567}" type="datetimeFigureOut">
               <a:rPr lang="en-US" dirty="0"/>
               <a:pPr/>
-              <a:t>9/12/21</a:t>
+              <a:t>9/15/21</a:t>
             </a:fld>
             <a:endParaRPr lang="en-US" dirty="0"/>
           </a:p>
@@ -3912,7 +3924,7 @@
             <a:fld id="{B61BEF0D-F0BB-DE4B-95CE-6DB70DBA9567}" type="datetimeFigureOut">
               <a:rPr lang="en-US" dirty="0"/>
               <a:pPr/>
-              <a:t>9/12/21</a:t>
+              <a:t>9/15/21</a:t>
             </a:fld>
             <a:endParaRPr lang="en-US" dirty="0"/>
           </a:p>
@@ -4027,7 +4039,7 @@
             <a:fld id="{B61BEF0D-F0BB-DE4B-95CE-6DB70DBA9567}" type="datetimeFigureOut">
               <a:rPr lang="en-US" dirty="0"/>
               <a:pPr/>
-              <a:t>9/12/21</a:t>
+              <a:t>9/15/21</a:t>
             </a:fld>
             <a:endParaRPr lang="en-US" dirty="0"/>
           </a:p>
@@ -4119,7 +4131,7 @@
             <a:fld id="{B61BEF0D-F0BB-DE4B-95CE-6DB70DBA9567}" type="datetimeFigureOut">
               <a:rPr lang="en-US" dirty="0"/>
               <a:pPr/>
-              <a:t>9/12/21</a:t>
+              <a:t>9/15/21</a:t>
             </a:fld>
             <a:endParaRPr lang="en-US" dirty="0"/>
           </a:p>
@@ -4399,7 +4411,7 @@
             <a:fld id="{B61BEF0D-F0BB-DE4B-95CE-6DB70DBA9567}" type="datetimeFigureOut">
               <a:rPr lang="en-US" dirty="0"/>
               <a:pPr/>
-              <a:t>9/12/21</a:t>
+              <a:t>9/15/21</a:t>
             </a:fld>
             <a:endParaRPr lang="en-US" dirty="0"/>
           </a:p>
@@ -4687,7 +4699,7 @@
             <a:fld id="{B61BEF0D-F0BB-DE4B-95CE-6DB70DBA9567}" type="datetimeFigureOut">
               <a:rPr lang="en-US" dirty="0"/>
               <a:pPr/>
-              <a:t>9/12/21</a:t>
+              <a:t>9/15/21</a:t>
             </a:fld>
             <a:endParaRPr lang="en-US" dirty="0"/>
           </a:p>
@@ -4915,7 +4927,7 @@
             <a:fld id="{B61BEF0D-F0BB-DE4B-95CE-6DB70DBA9567}" type="datetimeFigureOut">
               <a:rPr lang="en-US" dirty="0"/>
               <a:pPr/>
-              <a:t>9/12/21</a:t>
+              <a:t>9/15/21</a:t>
             </a:fld>
             <a:endParaRPr lang="en-US" dirty="0"/>
           </a:p>
@@ -5708,7 +5720,7 @@
           <a:p>
             <a:r>
               <a:rPr lang="tr-TR" b="1" dirty="0"/>
-              <a:t>KULLANILAN SENSÖRLER</a:t>
+              <a:t>AVİYONİK</a:t>
             </a:r>
           </a:p>
         </p:txBody>
@@ -5731,7 +5743,7 @@
         </p:nvSpPr>
         <p:spPr>
           <a:xfrm>
-            <a:off x="1583186" y="3196683"/>
+            <a:off x="1572035" y="2862147"/>
             <a:ext cx="8676222" cy="1905000"/>
           </a:xfrm>
         </p:spPr>
@@ -5741,23 +5753,7 @@
           <a:p>
             <a:r>
               <a:rPr lang="tr-TR" dirty="0"/>
-              <a:t>Bu slaytta kullanılan </a:t>
-            </a:r>
-            <a:r>
-              <a:rPr lang="tr-TR" dirty="0" err="1"/>
-              <a:t>sensörlerin</a:t>
-            </a:r>
-            <a:r>
-              <a:rPr lang="tr-TR" dirty="0"/>
-              <a:t> özellikleri ve çektiği güç </a:t>
-            </a:r>
-            <a:r>
-              <a:rPr lang="tr-TR" dirty="0" err="1"/>
-              <a:t>hesaplamları</a:t>
-            </a:r>
-            <a:r>
-              <a:rPr lang="tr-TR" dirty="0"/>
-              <a:t> bulunmaktadır.</a:t>
+              <a:t>ŞAHİN ROKET TAKIMI 2021.V2</a:t>
             </a:r>
           </a:p>
         </p:txBody>
@@ -5842,29 +5838,27 @@
           <a:lstStyle/>
           <a:p>
             <a:r>
-              <a:rPr lang="tr-TR" dirty="0" err="1"/>
-              <a:t>https</a:t>
-            </a:r>
-            <a:r>
-              <a:rPr lang="tr-TR" dirty="0"/>
-              <a:t>://</a:t>
-            </a:r>
-            <a:r>
-              <a:rPr lang="tr-TR" dirty="0" err="1"/>
-              <a:t>www.pcbway.com</a:t>
-            </a:r>
-            <a:endParaRPr lang="tr-TR" dirty="0"/>
-          </a:p>
-          <a:p>
-            <a:r>
-              <a:rPr lang="tr-TR" dirty="0"/>
-              <a:t>http://</a:t>
-            </a:r>
-            <a:r>
-              <a:rPr lang="tr-TR" dirty="0" err="1"/>
-              <a:t>www.izmirnumunepcb.com</a:t>
-            </a:r>
-            <a:endParaRPr lang="tr-TR" dirty="0"/>
+              <a:rPr lang="tr-TR" dirty="0">
+                <a:hlinkClick r:id="rId2"/>
+              </a:rPr>
+              <a:t>https://www.pcbway.com</a:t>
+            </a:r>
+            <a:r>
+              <a:rPr lang="tr-TR" dirty="0"/>
+              <a:t> (yurt dışı)</a:t>
+            </a:r>
+          </a:p>
+          <a:p>
+            <a:r>
+              <a:rPr lang="tr-TR" dirty="0">
+                <a:hlinkClick r:id="rId3"/>
+              </a:rPr>
+              <a:t>http://www.izmirnumunepcb.com (yurt</a:t>
+            </a:r>
+            <a:r>
+              <a:rPr lang="tr-TR" dirty="0"/>
+              <a:t> içi)</a:t>
+            </a:r>
           </a:p>
         </p:txBody>
       </p:sp>
@@ -5914,14 +5908,23 @@
             <p:ph type="title"/>
           </p:nvPr>
         </p:nvSpPr>
-        <p:spPr/>
+        <p:spPr>
+          <a:xfrm>
+            <a:off x="907237" y="-483219"/>
+            <a:ext cx="9905998" cy="1905000"/>
+          </a:xfrm>
+        </p:spPr>
         <p:txBody>
           <a:bodyPr/>
           <a:lstStyle/>
           <a:p>
             <a:r>
-              <a:rPr lang="tr-TR" dirty="0"/>
-              <a:t>Video linkleri:</a:t>
+              <a:rPr lang="tr-TR" dirty="0" err="1"/>
+              <a:t>Pcb</a:t>
+            </a:r>
+            <a:r>
+              <a:rPr lang="tr-TR" dirty="0"/>
+              <a:t> için araştırılan kaynaklar:</a:t>
             </a:r>
           </a:p>
         </p:txBody>
@@ -5942,7 +5945,12 @@
             <p:ph idx="1"/>
           </p:nvPr>
         </p:nvSpPr>
-        <p:spPr/>
+        <p:spPr>
+          <a:xfrm>
+            <a:off x="1143001" y="710891"/>
+            <a:ext cx="9905998" cy="3124201"/>
+          </a:xfrm>
+        </p:spPr>
         <p:txBody>
           <a:bodyPr/>
           <a:lstStyle/>
@@ -6015,6 +6023,619 @@
             <a:r>
               <a:rPr lang="tr-TR" dirty="0"/>
               <a:t>=gzjU1Gud0QQ</a:t>
+            </a:r>
+          </a:p>
+        </p:txBody>
+      </p:sp>
+      <p:sp>
+        <p:nvSpPr>
+          <p:cNvPr id="4" name="Başlık 1">
+            <a:extLst>
+              <a:ext uri="{FF2B5EF4-FFF2-40B4-BE49-F238E27FC236}">
+                <a16:creationId xmlns:a16="http://schemas.microsoft.com/office/drawing/2014/main" id="{C15D56EE-F87C-BF45-91D7-5ED548D22846}"/>
+              </a:ext>
+            </a:extLst>
+          </p:cNvPr>
+          <p:cNvSpPr txBox="1">
+            <a:spLocks/>
+          </p:cNvSpPr>
+          <p:nvPr/>
+        </p:nvSpPr>
+        <p:spPr>
+          <a:xfrm>
+            <a:off x="911225" y="3492189"/>
+            <a:ext cx="9905998" cy="1905000"/>
+          </a:xfrm>
+          <a:prstGeom prst="rect">
+            <a:avLst/>
+          </a:prstGeom>
+        </p:spPr>
+        <p:txBody>
+          <a:bodyPr vert="horz" lIns="91440" tIns="45720" rIns="91440" bIns="45720" rtlCol="0" anchor="ctr">
+            <a:normAutofit/>
+          </a:bodyPr>
+          <a:lstStyle>
+            <a:lvl1pPr algn="l" defTabSz="457200" rtl="0" eaLnBrk="1" latinLnBrk="0" hangingPunct="1">
+              <a:spcBef>
+                <a:spcPct val="0"/>
+              </a:spcBef>
+              <a:buNone/>
+              <a:defRPr sz="3200" kern="1200" cap="all">
+                <a:ln w="3175" cmpd="sng">
+                  <a:noFill/>
+                </a:ln>
+                <a:gradFill flip="none" rotWithShape="1">
+                  <a:gsLst>
+                    <a:gs pos="0">
+                      <a:schemeClr val="tx1"/>
+                    </a:gs>
+                    <a:gs pos="100000">
+                      <a:schemeClr val="tx1">
+                        <a:lumMod val="65000"/>
+                      </a:schemeClr>
+                    </a:gs>
+                  </a:gsLst>
+                  <a:lin ang="5580000" scaled="0"/>
+                  <a:tileRect/>
+                </a:gradFill>
+                <a:effectLst>
+                  <a:glow rad="38100">
+                    <a:schemeClr val="bg1">
+                      <a:lumMod val="65000"/>
+                      <a:lumOff val="35000"/>
+                      <a:alpha val="40000"/>
+                    </a:schemeClr>
+                  </a:glow>
+                  <a:outerShdw blurRad="28575" dist="38100" dir="14040000" algn="tl" rotWithShape="0">
+                    <a:srgbClr val="000000">
+                      <a:alpha val="25000"/>
+                    </a:srgbClr>
+                  </a:outerShdw>
+                </a:effectLst>
+                <a:latin typeface="+mj-lt"/>
+                <a:ea typeface="+mj-ea"/>
+                <a:cs typeface="+mj-cs"/>
+              </a:defRPr>
+            </a:lvl1pPr>
+            <a:lvl2pPr eaLnBrk="1" hangingPunct="1">
+              <a:defRPr>
+                <a:solidFill>
+                  <a:schemeClr val="tx2"/>
+                </a:solidFill>
+              </a:defRPr>
+            </a:lvl2pPr>
+            <a:lvl3pPr eaLnBrk="1" hangingPunct="1">
+              <a:defRPr>
+                <a:solidFill>
+                  <a:schemeClr val="tx2"/>
+                </a:solidFill>
+              </a:defRPr>
+            </a:lvl3pPr>
+            <a:lvl4pPr eaLnBrk="1" hangingPunct="1">
+              <a:defRPr>
+                <a:solidFill>
+                  <a:schemeClr val="tx2"/>
+                </a:solidFill>
+              </a:defRPr>
+            </a:lvl4pPr>
+            <a:lvl5pPr eaLnBrk="1" hangingPunct="1">
+              <a:defRPr>
+                <a:solidFill>
+                  <a:schemeClr val="tx2"/>
+                </a:solidFill>
+              </a:defRPr>
+            </a:lvl5pPr>
+            <a:lvl6pPr eaLnBrk="1" hangingPunct="1">
+              <a:defRPr>
+                <a:solidFill>
+                  <a:schemeClr val="tx2"/>
+                </a:solidFill>
+              </a:defRPr>
+            </a:lvl6pPr>
+            <a:lvl7pPr eaLnBrk="1" hangingPunct="1">
+              <a:defRPr>
+                <a:solidFill>
+                  <a:schemeClr val="tx2"/>
+                </a:solidFill>
+              </a:defRPr>
+            </a:lvl7pPr>
+            <a:lvl8pPr eaLnBrk="1" hangingPunct="1">
+              <a:defRPr>
+                <a:solidFill>
+                  <a:schemeClr val="tx2"/>
+                </a:solidFill>
+              </a:defRPr>
+            </a:lvl8pPr>
+            <a:lvl9pPr eaLnBrk="1" hangingPunct="1">
+              <a:defRPr>
+                <a:solidFill>
+                  <a:schemeClr val="tx2"/>
+                </a:solidFill>
+              </a:defRPr>
+            </a:lvl9pPr>
+          </a:lstStyle>
+          <a:p>
+            <a:r>
+              <a:rPr lang="tr-TR" dirty="0"/>
+              <a:t>ÜRETTİREBİLECEĞİN SİTELER</a:t>
+            </a:r>
+          </a:p>
+        </p:txBody>
+      </p:sp>
+      <p:sp>
+        <p:nvSpPr>
+          <p:cNvPr id="5" name="İçerik Yer Tutucusu 2">
+            <a:extLst>
+              <a:ext uri="{FF2B5EF4-FFF2-40B4-BE49-F238E27FC236}">
+                <a16:creationId xmlns:a16="http://schemas.microsoft.com/office/drawing/2014/main" id="{BB52A6F2-2BC3-2F4B-B0AF-91F062C8BEB9}"/>
+              </a:ext>
+            </a:extLst>
+          </p:cNvPr>
+          <p:cNvSpPr txBox="1">
+            <a:spLocks/>
+          </p:cNvSpPr>
+          <p:nvPr/>
+        </p:nvSpPr>
+        <p:spPr>
+          <a:xfrm>
+            <a:off x="1143001" y="3733799"/>
+            <a:ext cx="9905998" cy="3124201"/>
+          </a:xfrm>
+          <a:prstGeom prst="rect">
+            <a:avLst/>
+          </a:prstGeom>
+        </p:spPr>
+        <p:txBody>
+          <a:bodyPr vert="horz" lIns="91440" tIns="45720" rIns="91440" bIns="45720" rtlCol="0" anchor="ctr">
+            <a:normAutofit/>
+          </a:bodyPr>
+          <a:lstStyle>
+            <a:lvl1pPr marL="285750" indent="-285750" algn="l" defTabSz="457200" rtl="0" eaLnBrk="1" latinLnBrk="0" hangingPunct="1">
+              <a:spcBef>
+                <a:spcPct val="20000"/>
+              </a:spcBef>
+              <a:spcAft>
+                <a:spcPts val="600"/>
+              </a:spcAft>
+              <a:buClr>
+                <a:schemeClr val="tx1"/>
+              </a:buClr>
+              <a:buSzPct val="100000"/>
+              <a:buFont typeface="Arial"/>
+              <a:buChar char="•"/>
+              <a:defRPr sz="2000" kern="1200" cap="small">
+                <a:gradFill flip="none" rotWithShape="1">
+                  <a:gsLst>
+                    <a:gs pos="0">
+                      <a:schemeClr val="tx1"/>
+                    </a:gs>
+                    <a:gs pos="100000">
+                      <a:schemeClr val="tx1">
+                        <a:lumMod val="75000"/>
+                      </a:schemeClr>
+                    </a:gs>
+                  </a:gsLst>
+                  <a:lin ang="5580000" scaled="0"/>
+                  <a:tileRect/>
+                </a:gradFill>
+                <a:effectLst>
+                  <a:glow rad="38100">
+                    <a:schemeClr val="bg1">
+                      <a:lumMod val="50000"/>
+                      <a:lumOff val="50000"/>
+                      <a:alpha val="20000"/>
+                    </a:schemeClr>
+                  </a:glow>
+                  <a:outerShdw blurRad="44450" dist="12700" dir="13860000" algn="tl" rotWithShape="0">
+                    <a:srgbClr val="000000">
+                      <a:alpha val="20000"/>
+                    </a:srgbClr>
+                  </a:outerShdw>
+                </a:effectLst>
+                <a:latin typeface="+mn-lt"/>
+                <a:ea typeface="+mn-ea"/>
+                <a:cs typeface="+mn-cs"/>
+              </a:defRPr>
+            </a:lvl1pPr>
+            <a:lvl2pPr marL="742950" indent="-285750" algn="l" defTabSz="457200" rtl="0" eaLnBrk="1" latinLnBrk="0" hangingPunct="1">
+              <a:spcBef>
+                <a:spcPct val="20000"/>
+              </a:spcBef>
+              <a:spcAft>
+                <a:spcPts val="600"/>
+              </a:spcAft>
+              <a:buClr>
+                <a:schemeClr val="tx1"/>
+              </a:buClr>
+              <a:buSzPct val="100000"/>
+              <a:buFont typeface="Arial"/>
+              <a:buChar char="•"/>
+              <a:defRPr sz="1800" kern="1200" cap="small">
+                <a:gradFill flip="none" rotWithShape="1">
+                  <a:gsLst>
+                    <a:gs pos="0">
+                      <a:schemeClr val="tx1"/>
+                    </a:gs>
+                    <a:gs pos="100000">
+                      <a:schemeClr val="tx1">
+                        <a:lumMod val="75000"/>
+                      </a:schemeClr>
+                    </a:gs>
+                  </a:gsLst>
+                  <a:lin ang="5580000" scaled="0"/>
+                  <a:tileRect/>
+                </a:gradFill>
+                <a:effectLst>
+                  <a:glow rad="38100">
+                    <a:schemeClr val="bg1">
+                      <a:lumMod val="50000"/>
+                      <a:lumOff val="50000"/>
+                      <a:alpha val="20000"/>
+                    </a:schemeClr>
+                  </a:glow>
+                  <a:outerShdw blurRad="44450" dist="12700" dir="13860000" algn="tl" rotWithShape="0">
+                    <a:srgbClr val="000000">
+                      <a:alpha val="20000"/>
+                    </a:srgbClr>
+                  </a:outerShdw>
+                </a:effectLst>
+                <a:latin typeface="+mn-lt"/>
+                <a:ea typeface="+mn-ea"/>
+                <a:cs typeface="+mn-cs"/>
+              </a:defRPr>
+            </a:lvl2pPr>
+            <a:lvl3pPr marL="1200150" indent="-285750" algn="l" defTabSz="457200" rtl="0" eaLnBrk="1" latinLnBrk="0" hangingPunct="1">
+              <a:spcBef>
+                <a:spcPct val="20000"/>
+              </a:spcBef>
+              <a:spcAft>
+                <a:spcPts val="600"/>
+              </a:spcAft>
+              <a:buClr>
+                <a:schemeClr val="tx1"/>
+              </a:buClr>
+              <a:buSzPct val="100000"/>
+              <a:buFont typeface="Arial"/>
+              <a:buChar char="•"/>
+              <a:defRPr sz="1600" kern="1200" cap="small">
+                <a:gradFill flip="none" rotWithShape="1">
+                  <a:gsLst>
+                    <a:gs pos="0">
+                      <a:schemeClr val="tx1"/>
+                    </a:gs>
+                    <a:gs pos="100000">
+                      <a:schemeClr val="tx1">
+                        <a:lumMod val="75000"/>
+                      </a:schemeClr>
+                    </a:gs>
+                  </a:gsLst>
+                  <a:lin ang="5580000" scaled="0"/>
+                  <a:tileRect/>
+                </a:gradFill>
+                <a:effectLst>
+                  <a:glow rad="38100">
+                    <a:schemeClr val="bg1">
+                      <a:lumMod val="50000"/>
+                      <a:lumOff val="50000"/>
+                      <a:alpha val="20000"/>
+                    </a:schemeClr>
+                  </a:glow>
+                  <a:outerShdw blurRad="44450" dist="12700" dir="13860000" algn="tl" rotWithShape="0">
+                    <a:srgbClr val="000000">
+                      <a:alpha val="20000"/>
+                    </a:srgbClr>
+                  </a:outerShdw>
+                </a:effectLst>
+                <a:latin typeface="+mn-lt"/>
+                <a:ea typeface="+mn-ea"/>
+                <a:cs typeface="+mn-cs"/>
+              </a:defRPr>
+            </a:lvl3pPr>
+            <a:lvl4pPr marL="1543050" indent="-171450" algn="l" defTabSz="457200" rtl="0" eaLnBrk="1" latinLnBrk="0" hangingPunct="1">
+              <a:spcBef>
+                <a:spcPct val="20000"/>
+              </a:spcBef>
+              <a:spcAft>
+                <a:spcPts val="600"/>
+              </a:spcAft>
+              <a:buClr>
+                <a:schemeClr val="tx1"/>
+              </a:buClr>
+              <a:buSzPct val="100000"/>
+              <a:buFont typeface="Arial"/>
+              <a:buChar char="•"/>
+              <a:defRPr sz="1400" kern="1200" cap="small">
+                <a:gradFill flip="none" rotWithShape="1">
+                  <a:gsLst>
+                    <a:gs pos="0">
+                      <a:schemeClr val="tx1"/>
+                    </a:gs>
+                    <a:gs pos="100000">
+                      <a:schemeClr val="tx1">
+                        <a:lumMod val="75000"/>
+                      </a:schemeClr>
+                    </a:gs>
+                  </a:gsLst>
+                  <a:lin ang="5580000" scaled="0"/>
+                  <a:tileRect/>
+                </a:gradFill>
+                <a:effectLst>
+                  <a:glow rad="38100">
+                    <a:schemeClr val="bg1">
+                      <a:lumMod val="50000"/>
+                      <a:lumOff val="50000"/>
+                      <a:alpha val="20000"/>
+                    </a:schemeClr>
+                  </a:glow>
+                  <a:outerShdw blurRad="44450" dist="12700" dir="13860000" algn="tl" rotWithShape="0">
+                    <a:srgbClr val="000000">
+                      <a:alpha val="20000"/>
+                    </a:srgbClr>
+                  </a:outerShdw>
+                </a:effectLst>
+                <a:latin typeface="+mn-lt"/>
+                <a:ea typeface="+mn-ea"/>
+                <a:cs typeface="+mn-cs"/>
+              </a:defRPr>
+            </a:lvl4pPr>
+            <a:lvl5pPr marL="2000250" indent="-171450" algn="l" defTabSz="457200" rtl="0" eaLnBrk="1" latinLnBrk="0" hangingPunct="1">
+              <a:spcBef>
+                <a:spcPct val="20000"/>
+              </a:spcBef>
+              <a:spcAft>
+                <a:spcPts val="600"/>
+              </a:spcAft>
+              <a:buClr>
+                <a:schemeClr val="tx1"/>
+              </a:buClr>
+              <a:buSzPct val="100000"/>
+              <a:buFont typeface="Arial"/>
+              <a:buChar char="•"/>
+              <a:defRPr sz="1400" kern="1200" cap="small">
+                <a:gradFill flip="none" rotWithShape="1">
+                  <a:gsLst>
+                    <a:gs pos="0">
+                      <a:schemeClr val="tx1"/>
+                    </a:gs>
+                    <a:gs pos="100000">
+                      <a:schemeClr val="tx1">
+                        <a:lumMod val="75000"/>
+                      </a:schemeClr>
+                    </a:gs>
+                  </a:gsLst>
+                  <a:lin ang="5580000" scaled="0"/>
+                  <a:tileRect/>
+                </a:gradFill>
+                <a:effectLst>
+                  <a:glow rad="38100">
+                    <a:schemeClr val="bg1">
+                      <a:lumMod val="50000"/>
+                      <a:lumOff val="50000"/>
+                      <a:alpha val="20000"/>
+                    </a:schemeClr>
+                  </a:glow>
+                  <a:outerShdw blurRad="44450" dist="12700" dir="13860000" algn="tl" rotWithShape="0">
+                    <a:srgbClr val="000000">
+                      <a:alpha val="20000"/>
+                    </a:srgbClr>
+                  </a:outerShdw>
+                </a:effectLst>
+                <a:latin typeface="+mn-lt"/>
+                <a:ea typeface="+mn-ea"/>
+                <a:cs typeface="+mn-cs"/>
+              </a:defRPr>
+            </a:lvl5pPr>
+            <a:lvl6pPr marL="2514600" indent="-228600" algn="l" defTabSz="457200" rtl="0" eaLnBrk="1" latinLnBrk="0" hangingPunct="1">
+              <a:spcBef>
+                <a:spcPct val="20000"/>
+              </a:spcBef>
+              <a:spcAft>
+                <a:spcPts val="600"/>
+              </a:spcAft>
+              <a:buClr>
+                <a:schemeClr val="tx1"/>
+              </a:buClr>
+              <a:buSzPct val="100000"/>
+              <a:buFont typeface="Arial"/>
+              <a:buChar char="•"/>
+              <a:defRPr sz="1200" kern="1200" cap="small">
+                <a:gradFill flip="none" rotWithShape="1">
+                  <a:gsLst>
+                    <a:gs pos="0">
+                      <a:schemeClr val="tx1"/>
+                    </a:gs>
+                    <a:gs pos="100000">
+                      <a:schemeClr val="tx1">
+                        <a:lumMod val="75000"/>
+                      </a:schemeClr>
+                    </a:gs>
+                  </a:gsLst>
+                  <a:lin ang="5580000" scaled="0"/>
+                  <a:tileRect/>
+                </a:gradFill>
+                <a:effectLst>
+                  <a:glow rad="38100">
+                    <a:schemeClr val="bg1">
+                      <a:lumMod val="50000"/>
+                      <a:lumOff val="50000"/>
+                      <a:alpha val="20000"/>
+                    </a:schemeClr>
+                  </a:glow>
+                  <a:outerShdw blurRad="44450" dist="12700" dir="13860000" algn="tl" rotWithShape="0">
+                    <a:srgbClr val="000000">
+                      <a:alpha val="20000"/>
+                    </a:srgbClr>
+                  </a:outerShdw>
+                </a:effectLst>
+                <a:latin typeface="+mn-lt"/>
+                <a:ea typeface="+mn-ea"/>
+                <a:cs typeface="+mn-cs"/>
+              </a:defRPr>
+            </a:lvl6pPr>
+            <a:lvl7pPr marL="2971800" indent="-228600" algn="l" defTabSz="457200" rtl="0" eaLnBrk="1" latinLnBrk="0" hangingPunct="1">
+              <a:spcBef>
+                <a:spcPct val="20000"/>
+              </a:spcBef>
+              <a:spcAft>
+                <a:spcPts val="600"/>
+              </a:spcAft>
+              <a:buClr>
+                <a:schemeClr val="tx1"/>
+              </a:buClr>
+              <a:buSzPct val="100000"/>
+              <a:buFont typeface="Arial"/>
+              <a:buChar char="•"/>
+              <a:defRPr sz="1200" kern="1200" cap="small">
+                <a:gradFill flip="none" rotWithShape="1">
+                  <a:gsLst>
+                    <a:gs pos="0">
+                      <a:schemeClr val="tx1"/>
+                    </a:gs>
+                    <a:gs pos="100000">
+                      <a:schemeClr val="tx1">
+                        <a:lumMod val="75000"/>
+                      </a:schemeClr>
+                    </a:gs>
+                  </a:gsLst>
+                  <a:lin ang="5580000" scaled="0"/>
+                  <a:tileRect/>
+                </a:gradFill>
+                <a:effectLst>
+                  <a:glow rad="38100">
+                    <a:schemeClr val="bg1">
+                      <a:lumMod val="50000"/>
+                      <a:lumOff val="50000"/>
+                      <a:alpha val="20000"/>
+                    </a:schemeClr>
+                  </a:glow>
+                  <a:outerShdw blurRad="44450" dist="12700" dir="13860000" algn="tl" rotWithShape="0">
+                    <a:srgbClr val="000000">
+                      <a:alpha val="20000"/>
+                    </a:srgbClr>
+                  </a:outerShdw>
+                </a:effectLst>
+                <a:latin typeface="+mn-lt"/>
+                <a:ea typeface="+mn-ea"/>
+                <a:cs typeface="+mn-cs"/>
+              </a:defRPr>
+            </a:lvl7pPr>
+            <a:lvl8pPr marL="3429000" indent="-228600" algn="l" defTabSz="457200" rtl="0" eaLnBrk="1" latinLnBrk="0" hangingPunct="1">
+              <a:spcBef>
+                <a:spcPct val="20000"/>
+              </a:spcBef>
+              <a:spcAft>
+                <a:spcPts val="600"/>
+              </a:spcAft>
+              <a:buClr>
+                <a:schemeClr val="tx1"/>
+              </a:buClr>
+              <a:buSzPct val="100000"/>
+              <a:buFont typeface="Arial"/>
+              <a:buChar char="•"/>
+              <a:defRPr sz="1200" kern="1200" cap="small">
+                <a:gradFill flip="none" rotWithShape="1">
+                  <a:gsLst>
+                    <a:gs pos="0">
+                      <a:schemeClr val="tx1"/>
+                    </a:gs>
+                    <a:gs pos="100000">
+                      <a:schemeClr val="tx1">
+                        <a:lumMod val="75000"/>
+                      </a:schemeClr>
+                    </a:gs>
+                  </a:gsLst>
+                  <a:lin ang="5580000" scaled="0"/>
+                  <a:tileRect/>
+                </a:gradFill>
+                <a:effectLst>
+                  <a:glow rad="38100">
+                    <a:schemeClr val="bg1">
+                      <a:lumMod val="50000"/>
+                      <a:lumOff val="50000"/>
+                      <a:alpha val="20000"/>
+                    </a:schemeClr>
+                  </a:glow>
+                  <a:outerShdw blurRad="44450" dist="12700" dir="13860000" algn="tl" rotWithShape="0">
+                    <a:srgbClr val="000000">
+                      <a:alpha val="20000"/>
+                    </a:srgbClr>
+                  </a:outerShdw>
+                </a:effectLst>
+                <a:latin typeface="+mn-lt"/>
+                <a:ea typeface="+mn-ea"/>
+                <a:cs typeface="+mn-cs"/>
+              </a:defRPr>
+            </a:lvl8pPr>
+            <a:lvl9pPr marL="3886200" indent="-228600" algn="l" defTabSz="457200" rtl="0" eaLnBrk="1" latinLnBrk="0" hangingPunct="1">
+              <a:spcBef>
+                <a:spcPct val="20000"/>
+              </a:spcBef>
+              <a:spcAft>
+                <a:spcPts val="600"/>
+              </a:spcAft>
+              <a:buClr>
+                <a:schemeClr val="tx1"/>
+              </a:buClr>
+              <a:buSzPct val="100000"/>
+              <a:buFont typeface="Arial"/>
+              <a:buChar char="•"/>
+              <a:defRPr sz="1200" kern="1200" cap="small">
+                <a:gradFill flip="none" rotWithShape="1">
+                  <a:gsLst>
+                    <a:gs pos="0">
+                      <a:schemeClr val="tx1"/>
+                    </a:gs>
+                    <a:gs pos="100000">
+                      <a:schemeClr val="tx1">
+                        <a:lumMod val="75000"/>
+                      </a:schemeClr>
+                    </a:gs>
+                  </a:gsLst>
+                  <a:lin ang="5580000" scaled="0"/>
+                  <a:tileRect/>
+                </a:gradFill>
+                <a:effectLst>
+                  <a:glow rad="38100">
+                    <a:schemeClr val="bg1">
+                      <a:lumMod val="50000"/>
+                      <a:lumOff val="50000"/>
+                      <a:alpha val="20000"/>
+                    </a:schemeClr>
+                  </a:glow>
+                  <a:outerShdw blurRad="44450" dist="12700" dir="13860000" algn="tl" rotWithShape="0">
+                    <a:srgbClr val="000000">
+                      <a:alpha val="20000"/>
+                    </a:srgbClr>
+                  </a:outerShdw>
+                </a:effectLst>
+                <a:latin typeface="+mn-lt"/>
+                <a:ea typeface="+mn-ea"/>
+                <a:cs typeface="+mn-cs"/>
+              </a:defRPr>
+            </a:lvl9pPr>
+          </a:lstStyle>
+          <a:p>
+            <a:r>
+              <a:rPr lang="tr-TR" dirty="0">
+                <a:hlinkClick r:id="rId7"/>
+              </a:rPr>
+              <a:t>https://www.pcbway.com</a:t>
+            </a:r>
+            <a:r>
+              <a:rPr lang="tr-TR" dirty="0"/>
+              <a:t> (yurt dışı)</a:t>
+            </a:r>
+          </a:p>
+          <a:p>
+            <a:r>
+              <a:rPr lang="tr-TR" dirty="0">
+                <a:hlinkClick r:id="rId8"/>
+              </a:rPr>
+              <a:t>http://www.izmirnumunepcb.com (yurt</a:t>
+            </a:r>
+            <a:r>
+              <a:rPr lang="tr-TR" dirty="0"/>
+              <a:t> içi)</a:t>
             </a:r>
           </a:p>
         </p:txBody>
@@ -6087,10 +6708,10 @@
       </p:sp>
       <p:pic>
         <p:nvPicPr>
-          <p:cNvPr id="4" name="Resim 3">
+          <p:cNvPr id="5" name="Resim 4">
             <a:extLst>
               <a:ext uri="{FF2B5EF4-FFF2-40B4-BE49-F238E27FC236}">
-                <a16:creationId xmlns:a16="http://schemas.microsoft.com/office/drawing/2014/main" id="{E574DF47-0BFE-D644-958C-5CE81F1E2009}"/>
+                <a16:creationId xmlns:a16="http://schemas.microsoft.com/office/drawing/2014/main" id="{58D7ADF1-D00B-6247-95A9-12D737B8A55B}"/>
               </a:ext>
             </a:extLst>
           </p:cNvPr>
@@ -6107,8 +6728,38 @@
         </p:blipFill>
         <p:spPr>
           <a:xfrm>
-            <a:off x="645532" y="2171080"/>
-            <a:ext cx="5546632" cy="3683310"/>
+            <a:off x="7204000" y="2453269"/>
+            <a:ext cx="2090855" cy="2090855"/>
+          </a:xfrm>
+          <a:prstGeom prst="rect">
+            <a:avLst/>
+          </a:prstGeom>
+        </p:spPr>
+      </p:pic>
+      <p:pic>
+        <p:nvPicPr>
+          <p:cNvPr id="7" name="Resim 6">
+            <a:extLst>
+              <a:ext uri="{FF2B5EF4-FFF2-40B4-BE49-F238E27FC236}">
+                <a16:creationId xmlns:a16="http://schemas.microsoft.com/office/drawing/2014/main" id="{61280EBA-2C07-7B49-A3F3-09EC55196F2D}"/>
+              </a:ext>
+            </a:extLst>
+          </p:cNvPr>
+          <p:cNvPicPr>
+            <a:picLocks noChangeAspect="1"/>
+          </p:cNvPicPr>
+          <p:nvPr/>
+        </p:nvPicPr>
+        <p:blipFill>
+          <a:blip r:embed="rId3"/>
+          <a:stretch>
+            <a:fillRect/>
+          </a:stretch>
+        </p:blipFill>
+        <p:spPr>
+          <a:xfrm>
+            <a:off x="3082424" y="2453269"/>
+            <a:ext cx="2780622" cy="2090855"/>
           </a:xfrm>
           <a:prstGeom prst="rect">
             <a:avLst/>
@@ -6119,6 +6770,1264 @@
     <p:extLst>
       <p:ext uri="{BB962C8B-B14F-4D97-AF65-F5344CB8AC3E}">
         <p14:creationId xmlns:p14="http://schemas.microsoft.com/office/powerpoint/2010/main" val="2431374119"/>
+      </p:ext>
+    </p:extLst>
+  </p:cSld>
+  <p:clrMapOvr>
+    <a:masterClrMapping/>
+  </p:clrMapOvr>
+</p:sld>
+</file>
+
+<file path=ppt/slides/slide13.xml><?xml version="1.0" encoding="utf-8"?>
+<p:sld xmlns:a="http://schemas.openxmlformats.org/drawingml/2006/main" xmlns:r="http://schemas.openxmlformats.org/officeDocument/2006/relationships" xmlns:p="http://schemas.openxmlformats.org/presentationml/2006/main">
+  <p:cSld>
+    <p:spTree>
+      <p:nvGrpSpPr>
+        <p:cNvPr id="1" name=""/>
+        <p:cNvGrpSpPr/>
+        <p:nvPr/>
+      </p:nvGrpSpPr>
+      <p:grpSpPr>
+        <a:xfrm>
+          <a:off x="0" y="0"/>
+          <a:ext cx="0" cy="0"/>
+          <a:chOff x="0" y="0"/>
+          <a:chExt cx="0" cy="0"/>
+        </a:xfrm>
+      </p:grpSpPr>
+      <p:sp>
+        <p:nvSpPr>
+          <p:cNvPr id="2" name="Başlık 1">
+            <a:extLst>
+              <a:ext uri="{FF2B5EF4-FFF2-40B4-BE49-F238E27FC236}">
+                <a16:creationId xmlns:a16="http://schemas.microsoft.com/office/drawing/2014/main" id="{D603DEA5-A2FF-754A-BFB1-053754748629}"/>
+              </a:ext>
+            </a:extLst>
+          </p:cNvPr>
+          <p:cNvSpPr>
+            <a:spLocks noGrp="1"/>
+          </p:cNvSpPr>
+          <p:nvPr>
+            <p:ph type="title"/>
+          </p:nvPr>
+        </p:nvSpPr>
+        <p:spPr>
+          <a:xfrm>
+            <a:off x="0" y="4953000"/>
+            <a:ext cx="9905998" cy="1905000"/>
+          </a:xfrm>
+        </p:spPr>
+        <p:txBody>
+          <a:bodyPr/>
+          <a:lstStyle/>
+          <a:p>
+            <a:r>
+              <a:rPr lang="tr-TR" dirty="0"/>
+              <a:t>-Bilgisayarlara geçmeden önce bilmemiz gereken bazı kavramlar</a:t>
+            </a:r>
+          </a:p>
+        </p:txBody>
+      </p:sp>
+    </p:spTree>
+    <p:extLst>
+      <p:ext uri="{BB962C8B-B14F-4D97-AF65-F5344CB8AC3E}">
+        <p14:creationId xmlns:p14="http://schemas.microsoft.com/office/powerpoint/2010/main" val="701520841"/>
+      </p:ext>
+    </p:extLst>
+  </p:cSld>
+  <p:clrMapOvr>
+    <a:masterClrMapping/>
+  </p:clrMapOvr>
+</p:sld>
+</file>
+
+<file path=ppt/slides/slide14.xml><?xml version="1.0" encoding="utf-8"?>
+<p:sld xmlns:a="http://schemas.openxmlformats.org/drawingml/2006/main" xmlns:r="http://schemas.openxmlformats.org/officeDocument/2006/relationships" xmlns:p="http://schemas.openxmlformats.org/presentationml/2006/main">
+  <p:cSld>
+    <p:spTree>
+      <p:nvGrpSpPr>
+        <p:cNvPr id="1" name=""/>
+        <p:cNvGrpSpPr/>
+        <p:nvPr/>
+      </p:nvGrpSpPr>
+      <p:grpSpPr>
+        <a:xfrm>
+          <a:off x="0" y="0"/>
+          <a:ext cx="0" cy="0"/>
+          <a:chOff x="0" y="0"/>
+          <a:chExt cx="0" cy="0"/>
+        </a:xfrm>
+      </p:grpSpPr>
+      <p:sp>
+        <p:nvSpPr>
+          <p:cNvPr id="4" name="Başlık 3">
+            <a:extLst>
+              <a:ext uri="{FF2B5EF4-FFF2-40B4-BE49-F238E27FC236}">
+                <a16:creationId xmlns:a16="http://schemas.microsoft.com/office/drawing/2014/main" id="{B8731B0C-9AAC-2340-9AA6-9DFB9524DFB4}"/>
+              </a:ext>
+            </a:extLst>
+          </p:cNvPr>
+          <p:cNvSpPr>
+            <a:spLocks noGrp="1"/>
+          </p:cNvSpPr>
+          <p:nvPr>
+            <p:ph type="title"/>
+          </p:nvPr>
+        </p:nvSpPr>
+        <p:spPr/>
+        <p:txBody>
+          <a:bodyPr/>
+          <a:lstStyle/>
+          <a:p>
+            <a:endParaRPr lang="tr-TR" dirty="0"/>
+          </a:p>
+        </p:txBody>
+      </p:sp>
+      <p:pic>
+        <p:nvPicPr>
+          <p:cNvPr id="6" name="Resim 5">
+            <a:extLst>
+              <a:ext uri="{FF2B5EF4-FFF2-40B4-BE49-F238E27FC236}">
+                <a16:creationId xmlns:a16="http://schemas.microsoft.com/office/drawing/2014/main" id="{86CE9B9A-5169-4547-9E77-F17EDF73BC29}"/>
+              </a:ext>
+            </a:extLst>
+          </p:cNvPr>
+          <p:cNvPicPr>
+            <a:picLocks noChangeAspect="1"/>
+          </p:cNvPicPr>
+          <p:nvPr/>
+        </p:nvPicPr>
+        <p:blipFill>
+          <a:blip r:embed="rId2"/>
+          <a:stretch>
+            <a:fillRect/>
+          </a:stretch>
+        </p:blipFill>
+        <p:spPr>
+          <a:xfrm>
+            <a:off x="0" y="367990"/>
+            <a:ext cx="12192000" cy="6055112"/>
+          </a:xfrm>
+          <a:prstGeom prst="rect">
+            <a:avLst/>
+          </a:prstGeom>
+        </p:spPr>
+      </p:pic>
+    </p:spTree>
+    <p:extLst>
+      <p:ext uri="{BB962C8B-B14F-4D97-AF65-F5344CB8AC3E}">
+        <p14:creationId xmlns:p14="http://schemas.microsoft.com/office/powerpoint/2010/main" val="909060017"/>
+      </p:ext>
+    </p:extLst>
+  </p:cSld>
+  <p:clrMapOvr>
+    <a:masterClrMapping/>
+  </p:clrMapOvr>
+</p:sld>
+</file>
+
+<file path=ppt/slides/slide15.xml><?xml version="1.0" encoding="utf-8"?>
+<p:sld xmlns:a="http://schemas.openxmlformats.org/drawingml/2006/main" xmlns:r="http://schemas.openxmlformats.org/officeDocument/2006/relationships" xmlns:p="http://schemas.openxmlformats.org/presentationml/2006/main">
+  <p:cSld>
+    <p:spTree>
+      <p:nvGrpSpPr>
+        <p:cNvPr id="1" name=""/>
+        <p:cNvGrpSpPr/>
+        <p:nvPr/>
+      </p:nvGrpSpPr>
+      <p:grpSpPr>
+        <a:xfrm>
+          <a:off x="0" y="0"/>
+          <a:ext cx="0" cy="0"/>
+          <a:chOff x="0" y="0"/>
+          <a:chExt cx="0" cy="0"/>
+        </a:xfrm>
+      </p:grpSpPr>
+      <p:sp>
+        <p:nvSpPr>
+          <p:cNvPr id="2" name="Başlık 1">
+            <a:extLst>
+              <a:ext uri="{FF2B5EF4-FFF2-40B4-BE49-F238E27FC236}">
+                <a16:creationId xmlns:a16="http://schemas.microsoft.com/office/drawing/2014/main" id="{AD813A59-B528-3249-9189-7242A8FBE7DF}"/>
+              </a:ext>
+            </a:extLst>
+          </p:cNvPr>
+          <p:cNvSpPr>
+            <a:spLocks noGrp="1"/>
+          </p:cNvSpPr>
+          <p:nvPr>
+            <p:ph type="title"/>
+          </p:nvPr>
+        </p:nvSpPr>
+        <p:spPr/>
+        <p:txBody>
+          <a:bodyPr/>
+          <a:lstStyle/>
+          <a:p>
+            <a:r>
+              <a:rPr lang="tr-TR" dirty="0" err="1"/>
+              <a:t>yAZILIM</a:t>
+            </a:r>
+            <a:r>
+              <a:rPr lang="tr-TR" dirty="0"/>
+              <a:t> </a:t>
+            </a:r>
+            <a:r>
+              <a:rPr lang="tr-TR" dirty="0" err="1"/>
+              <a:t>uYUMLULUK</a:t>
+            </a:r>
+            <a:r>
+              <a:rPr lang="tr-TR" dirty="0"/>
+              <a:t> NEDİR ?</a:t>
+            </a:r>
+          </a:p>
+        </p:txBody>
+      </p:sp>
+      <p:sp>
+        <p:nvSpPr>
+          <p:cNvPr id="3" name="İçerik Yer Tutucusu 2">
+            <a:extLst>
+              <a:ext uri="{FF2B5EF4-FFF2-40B4-BE49-F238E27FC236}">
+                <a16:creationId xmlns:a16="http://schemas.microsoft.com/office/drawing/2014/main" id="{AA3A6FA2-C448-6F46-B573-6C965FD8D228}"/>
+              </a:ext>
+            </a:extLst>
+          </p:cNvPr>
+          <p:cNvSpPr>
+            <a:spLocks noGrp="1"/>
+          </p:cNvSpPr>
+          <p:nvPr>
+            <p:ph idx="1"/>
+          </p:nvPr>
+        </p:nvSpPr>
+        <p:spPr/>
+        <p:txBody>
+          <a:bodyPr/>
+          <a:lstStyle/>
+          <a:p>
+            <a:r>
+              <a:rPr lang="tr-TR" dirty="0">
+                <a:effectLst/>
+              </a:rPr>
+              <a:t>Uyumluluk, müşteri memnuniyetini sağlamak için işlevsel olmayan bir testtir. Yazılım uygulamanızın veya ürününüzün farklı tarayıcılarda, </a:t>
+            </a:r>
+            <a:r>
+              <a:rPr lang="tr-TR" dirty="0" err="1">
+                <a:effectLst/>
+              </a:rPr>
+              <a:t>veritabanında</a:t>
+            </a:r>
+            <a:r>
+              <a:rPr lang="tr-TR" dirty="0">
+                <a:effectLst/>
+              </a:rPr>
+              <a:t>, donanımda, işletim sisteminde, mobil cihazlarda ve ağlarda çalışacak kadar yetkin olup olmadığını belirlemektir.</a:t>
+            </a:r>
+            <a:endParaRPr lang="tr-TR" dirty="0"/>
+          </a:p>
+        </p:txBody>
+      </p:sp>
+    </p:spTree>
+    <p:extLst>
+      <p:ext uri="{BB962C8B-B14F-4D97-AF65-F5344CB8AC3E}">
+        <p14:creationId xmlns:p14="http://schemas.microsoft.com/office/powerpoint/2010/main" val="1078790787"/>
+      </p:ext>
+    </p:extLst>
+  </p:cSld>
+  <p:clrMapOvr>
+    <a:masterClrMapping/>
+  </p:clrMapOvr>
+</p:sld>
+</file>
+
+<file path=ppt/slides/slide16.xml><?xml version="1.0" encoding="utf-8"?>
+<p:sld xmlns:a="http://schemas.openxmlformats.org/drawingml/2006/main" xmlns:r="http://schemas.openxmlformats.org/officeDocument/2006/relationships" xmlns:p="http://schemas.openxmlformats.org/presentationml/2006/main">
+  <p:cSld>
+    <p:spTree>
+      <p:nvGrpSpPr>
+        <p:cNvPr id="1" name=""/>
+        <p:cNvGrpSpPr/>
+        <p:nvPr/>
+      </p:nvGrpSpPr>
+      <p:grpSpPr>
+        <a:xfrm>
+          <a:off x="0" y="0"/>
+          <a:ext cx="0" cy="0"/>
+          <a:chOff x="0" y="0"/>
+          <a:chExt cx="0" cy="0"/>
+        </a:xfrm>
+      </p:grpSpPr>
+      <p:sp>
+        <p:nvSpPr>
+          <p:cNvPr id="2" name="Başlık 1">
+            <a:extLst>
+              <a:ext uri="{FF2B5EF4-FFF2-40B4-BE49-F238E27FC236}">
+                <a16:creationId xmlns:a16="http://schemas.microsoft.com/office/drawing/2014/main" id="{4526E937-CBD4-294E-A60A-337A00A9FB87}"/>
+              </a:ext>
+            </a:extLst>
+          </p:cNvPr>
+          <p:cNvSpPr>
+            <a:spLocks noGrp="1"/>
+          </p:cNvSpPr>
+          <p:nvPr>
+            <p:ph type="title"/>
+          </p:nvPr>
+        </p:nvSpPr>
+        <p:spPr/>
+        <p:txBody>
+          <a:bodyPr/>
+          <a:lstStyle/>
+          <a:p>
+            <a:r>
+              <a:rPr lang="tr-TR" dirty="0" err="1"/>
+              <a:t>ARDUino</a:t>
+            </a:r>
+            <a:endParaRPr lang="tr-TR" dirty="0"/>
+          </a:p>
+        </p:txBody>
+      </p:sp>
+      <p:sp>
+        <p:nvSpPr>
+          <p:cNvPr id="3" name="İçerik Yer Tutucusu 2">
+            <a:extLst>
+              <a:ext uri="{FF2B5EF4-FFF2-40B4-BE49-F238E27FC236}">
+                <a16:creationId xmlns:a16="http://schemas.microsoft.com/office/drawing/2014/main" id="{088E8048-A0E5-3D4E-A355-D93A6319DA49}"/>
+              </a:ext>
+            </a:extLst>
+          </p:cNvPr>
+          <p:cNvSpPr>
+            <a:spLocks noGrp="1"/>
+          </p:cNvSpPr>
+          <p:nvPr>
+            <p:ph idx="1"/>
+          </p:nvPr>
+        </p:nvSpPr>
+        <p:spPr/>
+        <p:txBody>
+          <a:bodyPr/>
+          <a:lstStyle/>
+          <a:p>
+            <a:r>
+              <a:rPr lang="tr-TR" dirty="0" err="1"/>
+              <a:t>Arduino</a:t>
+            </a:r>
+            <a:r>
+              <a:rPr lang="tr-TR" dirty="0"/>
+              <a:t> programı üzerinden kodlanabilen bir bilgisayardır.</a:t>
+            </a:r>
+          </a:p>
+          <a:p>
+            <a:r>
+              <a:rPr lang="tr-TR" dirty="0"/>
+              <a:t>Araştırmalarıma göre işlemci bazlı bizim yaptığımız işlerde ön yargılar olsa bile sıkıntı yaşamamaktadır.</a:t>
+            </a:r>
+          </a:p>
+          <a:p>
+            <a:r>
+              <a:rPr lang="tr-TR" dirty="0" err="1"/>
+              <a:t>Mega,uno,nano</a:t>
+            </a:r>
+            <a:r>
+              <a:rPr lang="tr-TR" dirty="0"/>
+              <a:t> olmak üzere 3 </a:t>
+            </a:r>
+            <a:r>
+              <a:rPr lang="tr-TR" dirty="0" err="1"/>
+              <a:t>çeşiti</a:t>
+            </a:r>
+            <a:r>
+              <a:rPr lang="tr-TR" dirty="0"/>
+              <a:t> bulunmaktadır.</a:t>
+            </a:r>
+          </a:p>
+          <a:p>
+            <a:r>
+              <a:rPr lang="tr-TR" dirty="0"/>
+              <a:t>Bazı modellerinde işlemcileri tak-çıkar şeklindedir ve bozulduğu zaman sadece işlemci değişeceğinden maliyet azalmaktadır.</a:t>
+            </a:r>
+          </a:p>
+          <a:p>
+            <a:r>
+              <a:rPr lang="tr-TR" dirty="0"/>
+              <a:t>Önceden kullandığımız için risksizdir. kodları ve </a:t>
+            </a:r>
+            <a:r>
+              <a:rPr lang="tr-TR" dirty="0" err="1"/>
+              <a:t>arayüzü</a:t>
+            </a:r>
+            <a:r>
+              <a:rPr lang="tr-TR" dirty="0"/>
+              <a:t> hazırdır.</a:t>
+            </a:r>
+          </a:p>
+        </p:txBody>
+      </p:sp>
+    </p:spTree>
+    <p:extLst>
+      <p:ext uri="{BB962C8B-B14F-4D97-AF65-F5344CB8AC3E}">
+        <p14:creationId xmlns:p14="http://schemas.microsoft.com/office/powerpoint/2010/main" val="2638044514"/>
+      </p:ext>
+    </p:extLst>
+  </p:cSld>
+  <p:clrMapOvr>
+    <a:masterClrMapping/>
+  </p:clrMapOvr>
+</p:sld>
+</file>
+
+<file path=ppt/slides/slide17.xml><?xml version="1.0" encoding="utf-8"?>
+<p:sld xmlns:a="http://schemas.openxmlformats.org/drawingml/2006/main" xmlns:r="http://schemas.openxmlformats.org/officeDocument/2006/relationships" xmlns:p="http://schemas.openxmlformats.org/presentationml/2006/main">
+  <p:cSld>
+    <p:spTree>
+      <p:nvGrpSpPr>
+        <p:cNvPr id="1" name=""/>
+        <p:cNvGrpSpPr/>
+        <p:nvPr/>
+      </p:nvGrpSpPr>
+      <p:grpSpPr>
+        <a:xfrm>
+          <a:off x="0" y="0"/>
+          <a:ext cx="0" cy="0"/>
+          <a:chOff x="0" y="0"/>
+          <a:chExt cx="0" cy="0"/>
+        </a:xfrm>
+      </p:grpSpPr>
+      <p:sp>
+        <p:nvSpPr>
+          <p:cNvPr id="2" name="Başlık 1">
+            <a:extLst>
+              <a:ext uri="{FF2B5EF4-FFF2-40B4-BE49-F238E27FC236}">
+                <a16:creationId xmlns:a16="http://schemas.microsoft.com/office/drawing/2014/main" id="{3C958CFC-3B60-B948-AA79-F849A4A2CF58}"/>
+              </a:ext>
+            </a:extLst>
+          </p:cNvPr>
+          <p:cNvSpPr>
+            <a:spLocks noGrp="1"/>
+          </p:cNvSpPr>
+          <p:nvPr>
+            <p:ph type="title"/>
+          </p:nvPr>
+        </p:nvSpPr>
+        <p:spPr/>
+        <p:txBody>
+          <a:bodyPr/>
+          <a:lstStyle/>
+          <a:p>
+            <a:r>
+              <a:rPr lang="tr-TR" dirty="0" err="1"/>
+              <a:t>Arduino</a:t>
+            </a:r>
+            <a:r>
+              <a:rPr lang="tr-TR" dirty="0"/>
+              <a:t> </a:t>
+            </a:r>
+            <a:r>
+              <a:rPr lang="tr-TR" dirty="0" err="1"/>
+              <a:t>uno</a:t>
+            </a:r>
+            <a:endParaRPr lang="tr-TR" dirty="0"/>
+          </a:p>
+        </p:txBody>
+      </p:sp>
+      <p:sp>
+        <p:nvSpPr>
+          <p:cNvPr id="3" name="İçerik Yer Tutucusu 2">
+            <a:extLst>
+              <a:ext uri="{FF2B5EF4-FFF2-40B4-BE49-F238E27FC236}">
+                <a16:creationId xmlns:a16="http://schemas.microsoft.com/office/drawing/2014/main" id="{622F953F-3189-5449-8B7F-635208D80E7D}"/>
+              </a:ext>
+            </a:extLst>
+          </p:cNvPr>
+          <p:cNvSpPr>
+            <a:spLocks noGrp="1"/>
+          </p:cNvSpPr>
+          <p:nvPr>
+            <p:ph idx="1"/>
+          </p:nvPr>
+        </p:nvSpPr>
+        <p:spPr/>
+        <p:txBody>
+          <a:bodyPr>
+            <a:normAutofit fontScale="85000" lnSpcReduction="20000"/>
+          </a:bodyPr>
+          <a:lstStyle/>
+          <a:p>
+            <a:r>
+              <a:rPr lang="tr-TR" dirty="0"/>
+              <a:t>UNO tartışmasız en popüler </a:t>
+            </a:r>
+            <a:r>
+              <a:rPr lang="tr-TR" dirty="0" err="1"/>
+              <a:t>Arduino'dur</a:t>
+            </a:r>
+            <a:r>
+              <a:rPr lang="tr-TR" dirty="0"/>
+              <a:t>. 16MHz'de çalışan bir Atmega328 işlemci tarafından desteklenmektedir, 32KB program belleği, 1KB EEPROM, 2KB RAM, 14 dijital I/O, 6 analog giriş ve hem 5V hem de 3.3V güç raylarına sahiptir. </a:t>
+            </a:r>
+          </a:p>
+          <a:p>
+            <a:r>
+              <a:rPr lang="tr-TR" dirty="0">
+                <a:effectLst/>
+              </a:rPr>
+              <a:t>UNO'da harici bir duvar siğilinden güç almasına izin veren bir güç girişi bulunur. UNO'yu akülere bağlamak için bir VIN seçeneği de mevcuttur.</a:t>
+            </a:r>
+          </a:p>
+          <a:p>
+            <a:r>
+              <a:rPr lang="tr-TR" dirty="0">
+                <a:effectLst/>
+              </a:rPr>
+              <a:t>UNO'nun (69 mm x 54 mm) fiziksel boyutları, onu birçok projeye kolayca sığabilecek küçük bir geliştirme kartı yapar ve dört vida deliği, tasarımcıların bunları güvenli bir şekilde yerine oturtmasına olanak tanır.</a:t>
+            </a:r>
+          </a:p>
+          <a:p>
+            <a:r>
+              <a:rPr lang="tr-TR" dirty="0">
+                <a:effectLst/>
+              </a:rPr>
+              <a:t>Klon(</a:t>
+            </a:r>
+            <a:r>
+              <a:rPr lang="tr-TR" dirty="0" err="1">
+                <a:effectLst/>
+              </a:rPr>
+              <a:t>smd</a:t>
+            </a:r>
+            <a:r>
+              <a:rPr lang="tr-TR" dirty="0">
+                <a:effectLst/>
+              </a:rPr>
+              <a:t>) = 30-40 TL</a:t>
+            </a:r>
+          </a:p>
+          <a:p>
+            <a:r>
+              <a:rPr lang="tr-TR" dirty="0">
+                <a:effectLst/>
+              </a:rPr>
+              <a:t>Orijinal(</a:t>
+            </a:r>
+            <a:r>
+              <a:rPr lang="tr-TR" dirty="0" err="1">
+                <a:effectLst/>
+              </a:rPr>
+              <a:t>smd</a:t>
+            </a:r>
+            <a:r>
+              <a:rPr lang="tr-TR" dirty="0">
+                <a:effectLst/>
+              </a:rPr>
+              <a:t>) = 100-110 TL</a:t>
+            </a:r>
+          </a:p>
+          <a:p>
+            <a:r>
+              <a:rPr lang="tr-TR" dirty="0">
+                <a:effectLst/>
+              </a:rPr>
+              <a:t>Klon(</a:t>
+            </a:r>
+            <a:r>
+              <a:rPr lang="tr-TR" dirty="0" err="1">
+                <a:effectLst/>
+              </a:rPr>
+              <a:t>dıp</a:t>
+            </a:r>
+            <a:r>
+              <a:rPr lang="tr-TR" dirty="0">
+                <a:effectLst/>
+              </a:rPr>
+              <a:t>) = 60-70 TL</a:t>
+            </a:r>
+          </a:p>
+          <a:p>
+            <a:endParaRPr lang="tr-TR" dirty="0">
+              <a:effectLst/>
+            </a:endParaRPr>
+          </a:p>
+          <a:p>
+            <a:endParaRPr lang="tr-TR" dirty="0"/>
+          </a:p>
+        </p:txBody>
+      </p:sp>
+      <p:pic>
+        <p:nvPicPr>
+          <p:cNvPr id="4" name="Resim 3">
+            <a:extLst>
+              <a:ext uri="{FF2B5EF4-FFF2-40B4-BE49-F238E27FC236}">
+                <a16:creationId xmlns:a16="http://schemas.microsoft.com/office/drawing/2014/main" id="{ED7E6765-15BD-354B-91E2-BF0DA3125313}"/>
+              </a:ext>
+            </a:extLst>
+          </p:cNvPr>
+          <p:cNvPicPr>
+            <a:picLocks noChangeAspect="1"/>
+          </p:cNvPicPr>
+          <p:nvPr/>
+        </p:nvPicPr>
+        <p:blipFill>
+          <a:blip r:embed="rId2"/>
+          <a:stretch>
+            <a:fillRect/>
+          </a:stretch>
+        </p:blipFill>
+        <p:spPr>
+          <a:xfrm>
+            <a:off x="8266789" y="21372"/>
+            <a:ext cx="2780622" cy="2090855"/>
+          </a:xfrm>
+          <a:prstGeom prst="rect">
+            <a:avLst/>
+          </a:prstGeom>
+        </p:spPr>
+      </p:pic>
+    </p:spTree>
+    <p:extLst>
+      <p:ext uri="{BB962C8B-B14F-4D97-AF65-F5344CB8AC3E}">
+        <p14:creationId xmlns:p14="http://schemas.microsoft.com/office/powerpoint/2010/main" val="3938621325"/>
+      </p:ext>
+    </p:extLst>
+  </p:cSld>
+  <p:clrMapOvr>
+    <a:masterClrMapping/>
+  </p:clrMapOvr>
+</p:sld>
+</file>
+
+<file path=ppt/slides/slide18.xml><?xml version="1.0" encoding="utf-8"?>
+<p:sld xmlns:a="http://schemas.openxmlformats.org/drawingml/2006/main" xmlns:r="http://schemas.openxmlformats.org/officeDocument/2006/relationships" xmlns:p="http://schemas.openxmlformats.org/presentationml/2006/main">
+  <p:cSld>
+    <p:spTree>
+      <p:nvGrpSpPr>
+        <p:cNvPr id="1" name=""/>
+        <p:cNvGrpSpPr/>
+        <p:nvPr/>
+      </p:nvGrpSpPr>
+      <p:grpSpPr>
+        <a:xfrm>
+          <a:off x="0" y="0"/>
+          <a:ext cx="0" cy="0"/>
+          <a:chOff x="0" y="0"/>
+          <a:chExt cx="0" cy="0"/>
+        </a:xfrm>
+      </p:grpSpPr>
+      <p:sp>
+        <p:nvSpPr>
+          <p:cNvPr id="2" name="Başlık 1">
+            <a:extLst>
+              <a:ext uri="{FF2B5EF4-FFF2-40B4-BE49-F238E27FC236}">
+                <a16:creationId xmlns:a16="http://schemas.microsoft.com/office/drawing/2014/main" id="{689C6F26-9335-684F-85C6-5A8A78D84E77}"/>
+              </a:ext>
+            </a:extLst>
+          </p:cNvPr>
+          <p:cNvSpPr>
+            <a:spLocks noGrp="1"/>
+          </p:cNvSpPr>
+          <p:nvPr>
+            <p:ph type="title"/>
+          </p:nvPr>
+        </p:nvSpPr>
+        <p:spPr/>
+        <p:txBody>
+          <a:bodyPr/>
+          <a:lstStyle/>
+          <a:p>
+            <a:r>
+              <a:rPr lang="tr-TR" dirty="0"/>
+              <a:t>ARDUİNO NANO</a:t>
+            </a:r>
+          </a:p>
+        </p:txBody>
+      </p:sp>
+      <p:sp>
+        <p:nvSpPr>
+          <p:cNvPr id="3" name="İçerik Yer Tutucusu 2">
+            <a:extLst>
+              <a:ext uri="{FF2B5EF4-FFF2-40B4-BE49-F238E27FC236}">
+                <a16:creationId xmlns:a16="http://schemas.microsoft.com/office/drawing/2014/main" id="{F29ED5B3-CBFC-2B40-A187-5ECD39A1E32D}"/>
+              </a:ext>
+            </a:extLst>
+          </p:cNvPr>
+          <p:cNvSpPr>
+            <a:spLocks noGrp="1"/>
+          </p:cNvSpPr>
+          <p:nvPr>
+            <p:ph idx="1"/>
+          </p:nvPr>
+        </p:nvSpPr>
+        <p:spPr/>
+        <p:txBody>
+          <a:bodyPr>
+            <a:normAutofit fontScale="85000" lnSpcReduction="20000"/>
+          </a:bodyPr>
+          <a:lstStyle/>
+          <a:p>
+            <a:r>
+              <a:rPr lang="tr-TR" dirty="0" err="1">
+                <a:effectLst/>
+              </a:rPr>
+              <a:t>Arduino</a:t>
+            </a:r>
+            <a:r>
+              <a:rPr lang="tr-TR" dirty="0">
+                <a:effectLst/>
+              </a:rPr>
+              <a:t> </a:t>
+            </a:r>
+            <a:r>
+              <a:rPr lang="tr-TR" dirty="0" err="1">
+                <a:effectLst/>
+              </a:rPr>
+              <a:t>Nano</a:t>
+            </a:r>
+            <a:r>
+              <a:rPr lang="tr-TR" dirty="0">
+                <a:effectLst/>
+              </a:rPr>
+              <a:t> esasen çok küçük bir profile küçültülmüş bir </a:t>
+            </a:r>
+            <a:r>
+              <a:rPr lang="tr-TR" dirty="0" err="1">
+                <a:effectLst/>
+              </a:rPr>
+              <a:t>Arduino</a:t>
+            </a:r>
+            <a:r>
+              <a:rPr lang="tr-TR" dirty="0">
+                <a:effectLst/>
+              </a:rPr>
+              <a:t> UNO'dur, bu da onu dar alanlar ve mümkün olan her yerde ağırlığı azaltması gerekebilecek projeler için çok uygun hale getirir.</a:t>
+            </a:r>
+          </a:p>
+          <a:p>
+            <a:r>
+              <a:rPr lang="tr-TR" dirty="0">
+                <a:effectLst/>
+              </a:rPr>
+              <a:t>UNO gibi, </a:t>
+            </a:r>
+            <a:r>
+              <a:rPr lang="tr-TR" dirty="0" err="1">
+                <a:effectLst/>
+              </a:rPr>
+              <a:t>Nano</a:t>
+            </a:r>
+            <a:r>
+              <a:rPr lang="tr-TR" dirty="0">
+                <a:effectLst/>
+              </a:rPr>
+              <a:t> da 16MHz'de çalışan bir Atmega328 işlemci tarafından destekleniyor, 32KB program belleği, 1KB EEPROM, 2KB RAM, 14 dijital I/O, 6 analog giriş ve hem 5V hem de 3.3V güç raylarına sahip.</a:t>
+            </a:r>
+          </a:p>
+          <a:p>
+            <a:r>
+              <a:rPr lang="tr-TR" dirty="0">
+                <a:effectLst/>
+              </a:rPr>
+              <a:t>(Not - V3.0'dan önceki </a:t>
+            </a:r>
+            <a:r>
+              <a:rPr lang="tr-TR" dirty="0" err="1">
+                <a:effectLst/>
+              </a:rPr>
+              <a:t>Arduino</a:t>
+            </a:r>
+            <a:r>
+              <a:rPr lang="tr-TR" dirty="0">
+                <a:effectLst/>
+              </a:rPr>
+              <a:t> </a:t>
+            </a:r>
+            <a:r>
+              <a:rPr lang="tr-TR" dirty="0" err="1">
+                <a:effectLst/>
+              </a:rPr>
+              <a:t>Nano</a:t>
+            </a:r>
+            <a:r>
+              <a:rPr lang="tr-TR" dirty="0">
+                <a:effectLst/>
+              </a:rPr>
+              <a:t> kartları, esasen özelliklerin yarısına sahip olan ATmega168'i kullandı.)</a:t>
+            </a:r>
+          </a:p>
+          <a:p>
+            <a:r>
+              <a:rPr lang="tr-TR" dirty="0">
+                <a:effectLst/>
+              </a:rPr>
+              <a:t>Klon(</a:t>
+            </a:r>
+            <a:r>
+              <a:rPr lang="tr-TR" dirty="0" err="1">
+                <a:effectLst/>
+              </a:rPr>
+              <a:t>smd</a:t>
+            </a:r>
+            <a:r>
+              <a:rPr lang="tr-TR" dirty="0">
+                <a:effectLst/>
+              </a:rPr>
+              <a:t>) = 30-40 TL</a:t>
+            </a:r>
+          </a:p>
+          <a:p>
+            <a:r>
+              <a:rPr lang="tr-TR" dirty="0">
+                <a:effectLst/>
+              </a:rPr>
+              <a:t>Orijinal(</a:t>
+            </a:r>
+            <a:r>
+              <a:rPr lang="tr-TR" dirty="0" err="1">
+                <a:effectLst/>
+              </a:rPr>
+              <a:t>smd</a:t>
+            </a:r>
+            <a:r>
+              <a:rPr lang="tr-TR" dirty="0">
+                <a:effectLst/>
+              </a:rPr>
+              <a:t>) = 130-200 TL</a:t>
+            </a:r>
+          </a:p>
+          <a:p>
+            <a:r>
+              <a:rPr lang="tr-TR" dirty="0">
+                <a:effectLst/>
+              </a:rPr>
+              <a:t>*</a:t>
+            </a:r>
+            <a:r>
+              <a:rPr lang="tr-TR" dirty="0" err="1">
+                <a:effectLst/>
+              </a:rPr>
+              <a:t>dıp</a:t>
+            </a:r>
+            <a:r>
+              <a:rPr lang="tr-TR" dirty="0">
+                <a:effectLst/>
+              </a:rPr>
+              <a:t> yani işlemcisi tak çıkar şeklinde olanlardan yok.</a:t>
+            </a:r>
+          </a:p>
+          <a:p>
+            <a:pPr marL="0" indent="0">
+              <a:buNone/>
+            </a:pPr>
+            <a:endParaRPr lang="tr-TR" dirty="0">
+              <a:effectLst/>
+            </a:endParaRPr>
+          </a:p>
+          <a:p>
+            <a:endParaRPr lang="tr-TR" dirty="0">
+              <a:effectLst/>
+            </a:endParaRPr>
+          </a:p>
+          <a:p>
+            <a:endParaRPr lang="tr-TR" dirty="0">
+              <a:effectLst/>
+            </a:endParaRPr>
+          </a:p>
+          <a:p>
+            <a:endParaRPr lang="tr-TR" dirty="0"/>
+          </a:p>
+        </p:txBody>
+      </p:sp>
+      <p:pic>
+        <p:nvPicPr>
+          <p:cNvPr id="4" name="İçerik Yer Tutucusu 3">
+            <a:extLst>
+              <a:ext uri="{FF2B5EF4-FFF2-40B4-BE49-F238E27FC236}">
+                <a16:creationId xmlns:a16="http://schemas.microsoft.com/office/drawing/2014/main" id="{D939DB5F-AE89-F24C-A8AE-68A1FAF3EC87}"/>
+              </a:ext>
+            </a:extLst>
+          </p:cNvPr>
+          <p:cNvPicPr>
+            <a:picLocks noChangeAspect="1"/>
+          </p:cNvPicPr>
+          <p:nvPr/>
+        </p:nvPicPr>
+        <p:blipFill rotWithShape="1">
+          <a:blip r:embed="rId2"/>
+          <a:srcRect l="59279" t="47415" r="21383" b="6317"/>
+          <a:stretch/>
+        </p:blipFill>
+        <p:spPr>
+          <a:xfrm>
+            <a:off x="9854230" y="118946"/>
+            <a:ext cx="1193181" cy="1895708"/>
+          </a:xfrm>
+          <a:prstGeom prst="rect">
+            <a:avLst/>
+          </a:prstGeom>
+        </p:spPr>
+      </p:pic>
+    </p:spTree>
+    <p:extLst>
+      <p:ext uri="{BB962C8B-B14F-4D97-AF65-F5344CB8AC3E}">
+        <p14:creationId xmlns:p14="http://schemas.microsoft.com/office/powerpoint/2010/main" val="1624559626"/>
+      </p:ext>
+    </p:extLst>
+  </p:cSld>
+  <p:clrMapOvr>
+    <a:masterClrMapping/>
+  </p:clrMapOvr>
+</p:sld>
+</file>
+
+<file path=ppt/slides/slide19.xml><?xml version="1.0" encoding="utf-8"?>
+<p:sld xmlns:a="http://schemas.openxmlformats.org/drawingml/2006/main" xmlns:r="http://schemas.openxmlformats.org/officeDocument/2006/relationships" xmlns:p="http://schemas.openxmlformats.org/presentationml/2006/main">
+  <p:cSld>
+    <p:spTree>
+      <p:nvGrpSpPr>
+        <p:cNvPr id="1" name=""/>
+        <p:cNvGrpSpPr/>
+        <p:nvPr/>
+      </p:nvGrpSpPr>
+      <p:grpSpPr>
+        <a:xfrm>
+          <a:off x="0" y="0"/>
+          <a:ext cx="0" cy="0"/>
+          <a:chOff x="0" y="0"/>
+          <a:chExt cx="0" cy="0"/>
+        </a:xfrm>
+      </p:grpSpPr>
+      <p:sp>
+        <p:nvSpPr>
+          <p:cNvPr id="2" name="Başlık 1">
+            <a:extLst>
+              <a:ext uri="{FF2B5EF4-FFF2-40B4-BE49-F238E27FC236}">
+                <a16:creationId xmlns:a16="http://schemas.microsoft.com/office/drawing/2014/main" id="{3AD266B6-ED86-C440-8DD1-28878F005EDE}"/>
+              </a:ext>
+            </a:extLst>
+          </p:cNvPr>
+          <p:cNvSpPr>
+            <a:spLocks noGrp="1"/>
+          </p:cNvSpPr>
+          <p:nvPr>
+            <p:ph type="title"/>
+          </p:nvPr>
+        </p:nvSpPr>
+        <p:spPr>
+          <a:xfrm>
+            <a:off x="316222" y="173120"/>
+            <a:ext cx="9905998" cy="1171874"/>
+          </a:xfrm>
+        </p:spPr>
+        <p:txBody>
+          <a:bodyPr/>
+          <a:lstStyle/>
+          <a:p>
+            <a:r>
+              <a:rPr lang="tr-TR" dirty="0" err="1"/>
+              <a:t>Arduino</a:t>
+            </a:r>
+            <a:r>
+              <a:rPr lang="tr-TR" dirty="0"/>
+              <a:t> </a:t>
+            </a:r>
+            <a:r>
+              <a:rPr lang="tr-TR" dirty="0" err="1"/>
+              <a:t>dUE</a:t>
+            </a:r>
+            <a:endParaRPr lang="tr-TR" dirty="0"/>
+          </a:p>
+        </p:txBody>
+      </p:sp>
+      <p:sp>
+        <p:nvSpPr>
+          <p:cNvPr id="7" name="Metin kutusu 6">
+            <a:extLst>
+              <a:ext uri="{FF2B5EF4-FFF2-40B4-BE49-F238E27FC236}">
+                <a16:creationId xmlns:a16="http://schemas.microsoft.com/office/drawing/2014/main" id="{C82C8EA7-FCC0-154F-82A1-2DDD1FCCCEAF}"/>
+              </a:ext>
+            </a:extLst>
+          </p:cNvPr>
+          <p:cNvSpPr txBox="1"/>
+          <p:nvPr/>
+        </p:nvSpPr>
+        <p:spPr>
+          <a:xfrm>
+            <a:off x="316222" y="1081170"/>
+            <a:ext cx="10210528" cy="6186309"/>
+          </a:xfrm>
+          <a:prstGeom prst="rect">
+            <a:avLst/>
+          </a:prstGeom>
+          <a:noFill/>
+        </p:spPr>
+        <p:txBody>
+          <a:bodyPr wrap="square" rtlCol="0">
+            <a:spAutoFit/>
+          </a:bodyPr>
+          <a:lstStyle/>
+          <a:p>
+            <a:endParaRPr lang="tr-TR" dirty="0"/>
+          </a:p>
+          <a:p>
+            <a:endParaRPr lang="tr-TR" dirty="0"/>
+          </a:p>
+          <a:p>
+            <a:r>
+              <a:rPr lang="tr-TR" dirty="0"/>
+              <a:t>*</a:t>
+            </a:r>
+            <a:r>
+              <a:rPr lang="tr-TR" dirty="0" err="1"/>
+              <a:t>Arduino</a:t>
+            </a:r>
+            <a:r>
+              <a:rPr lang="tr-TR" dirty="0"/>
+              <a:t> </a:t>
+            </a:r>
+            <a:r>
+              <a:rPr lang="tr-TR" dirty="0" err="1"/>
+              <a:t>Due</a:t>
+            </a:r>
+            <a:r>
+              <a:rPr lang="tr-TR" dirty="0"/>
+              <a:t>, daha büyük kartlardan biridir ve aynı zamanda bir ARM işlemci tarafından desteklenen ilk </a:t>
+            </a:r>
+            <a:r>
+              <a:rPr lang="tr-TR" dirty="0" err="1"/>
+              <a:t>Arduino</a:t>
+            </a:r>
+            <a:r>
+              <a:rPr lang="tr-TR" dirty="0"/>
+              <a:t> kartıdır.</a:t>
+            </a:r>
+          </a:p>
+          <a:p>
+            <a:endParaRPr lang="tr-TR" dirty="0"/>
+          </a:p>
+          <a:p>
+            <a:endParaRPr lang="tr-TR" dirty="0"/>
+          </a:p>
+          <a:p>
+            <a:r>
+              <a:rPr lang="tr-TR" dirty="0"/>
+              <a:t>*UNO ve </a:t>
+            </a:r>
+            <a:r>
+              <a:rPr lang="tr-TR" dirty="0" err="1"/>
+              <a:t>Nano</a:t>
+            </a:r>
+            <a:r>
+              <a:rPr lang="tr-TR" dirty="0"/>
+              <a:t> 5V'da çalışırken, </a:t>
+            </a:r>
+            <a:r>
+              <a:rPr lang="tr-TR" dirty="0" err="1"/>
+              <a:t>Due</a:t>
+            </a:r>
+            <a:r>
+              <a:rPr lang="tr-TR" dirty="0"/>
+              <a:t> 3,3V'da çalışır—bunun dikkate alınması önemlidir, çünkü aşırı voltaj karta onarılamaz bir şekilde zarar verir. 84MHz'de çalışan bir ATSAM3X8E Cortex-M3 ile güçlendirilen </a:t>
+            </a:r>
+            <a:r>
+              <a:rPr lang="tr-TR" dirty="0" err="1"/>
+              <a:t>Due</a:t>
+            </a:r>
+            <a:r>
+              <a:rPr lang="tr-TR" dirty="0"/>
+              <a:t>, 512KB ROM ve 96KB RAM, 54 dijital I/O </a:t>
+            </a:r>
+            <a:r>
+              <a:rPr lang="tr-TR" dirty="0" err="1"/>
+              <a:t>pini</a:t>
+            </a:r>
+            <a:r>
+              <a:rPr lang="tr-TR" dirty="0"/>
+              <a:t>, 12 PWM kanalı, 12 analog giriş ve 2 analog çıkışa sahiptir. </a:t>
+            </a:r>
+          </a:p>
+          <a:p>
+            <a:endParaRPr lang="tr-TR" dirty="0"/>
+          </a:p>
+          <a:p>
+            <a:endParaRPr lang="tr-TR" dirty="0"/>
+          </a:p>
+          <a:p>
+            <a:r>
+              <a:rPr lang="tr-TR" dirty="0"/>
+              <a:t>*</a:t>
+            </a:r>
+            <a:r>
+              <a:rPr lang="tr-TR" dirty="0" err="1"/>
+              <a:t>Due</a:t>
+            </a:r>
+            <a:r>
+              <a:rPr lang="tr-TR" dirty="0"/>
+              <a:t>, yerleşik </a:t>
+            </a:r>
+            <a:r>
+              <a:rPr lang="tr-TR" dirty="0" err="1"/>
+              <a:t>EEPROM'a</a:t>
+            </a:r>
+            <a:r>
+              <a:rPr lang="tr-TR" dirty="0"/>
+              <a:t> sahip değildir ve daha pahalı </a:t>
+            </a:r>
+            <a:r>
+              <a:rPr lang="tr-TR" dirty="0" err="1"/>
+              <a:t>Arduino</a:t>
+            </a:r>
+            <a:r>
+              <a:rPr lang="tr-TR" dirty="0"/>
+              <a:t> kartlarından biridir. </a:t>
+            </a:r>
+            <a:r>
+              <a:rPr lang="tr-TR" dirty="0" err="1"/>
+              <a:t>Due</a:t>
+            </a:r>
+            <a:r>
+              <a:rPr lang="tr-TR" dirty="0"/>
+              <a:t>, birçok dijital I/O'ya bağlanmak için çok sayıda </a:t>
+            </a:r>
+            <a:r>
+              <a:rPr lang="tr-TR" dirty="0" err="1"/>
+              <a:t>pin</a:t>
+            </a:r>
+            <a:r>
+              <a:rPr lang="tr-TR" dirty="0"/>
+              <a:t> başlığına sahip olsa da, standart </a:t>
+            </a:r>
+            <a:r>
+              <a:rPr lang="tr-TR" dirty="0" err="1"/>
+              <a:t>Arduino</a:t>
+            </a:r>
+            <a:r>
+              <a:rPr lang="tr-TR" dirty="0"/>
+              <a:t> kalkanlarıyla </a:t>
+            </a:r>
+            <a:r>
+              <a:rPr lang="tr-TR" dirty="0" err="1"/>
+              <a:t>pin</a:t>
+            </a:r>
+            <a:r>
+              <a:rPr lang="tr-TR" dirty="0"/>
+              <a:t> uyumludur. </a:t>
+            </a:r>
+            <a:r>
+              <a:rPr lang="tr-TR" dirty="0" err="1">
+                <a:solidFill>
+                  <a:srgbClr val="FF0000"/>
+                </a:solidFill>
+              </a:rPr>
+              <a:t>Due</a:t>
+            </a:r>
+            <a:r>
+              <a:rPr lang="tr-TR" dirty="0">
+                <a:solidFill>
+                  <a:srgbClr val="FF0000"/>
+                </a:solidFill>
+              </a:rPr>
+              <a:t> ile yazılım uyumluluğu garanti edilemez.</a:t>
+            </a:r>
+          </a:p>
+          <a:p>
+            <a:endParaRPr lang="tr-TR" dirty="0">
+              <a:solidFill>
+                <a:srgbClr val="FF0000"/>
+              </a:solidFill>
+            </a:endParaRPr>
+          </a:p>
+          <a:p>
+            <a:r>
+              <a:rPr lang="tr-TR" dirty="0"/>
+              <a:t>Klon(</a:t>
+            </a:r>
+            <a:r>
+              <a:rPr lang="tr-TR" dirty="0" err="1"/>
+              <a:t>smd</a:t>
+            </a:r>
+            <a:r>
+              <a:rPr lang="tr-TR" dirty="0"/>
+              <a:t>) = 200-250 TL</a:t>
+            </a:r>
+          </a:p>
+          <a:p>
+            <a:r>
+              <a:rPr lang="tr-TR" dirty="0"/>
+              <a:t>Orijinal(</a:t>
+            </a:r>
+            <a:r>
+              <a:rPr lang="tr-TR" dirty="0" err="1"/>
+              <a:t>smd</a:t>
+            </a:r>
+            <a:r>
+              <a:rPr lang="tr-TR" dirty="0"/>
+              <a:t>) = 450-550 TL</a:t>
+            </a:r>
+          </a:p>
+          <a:p>
+            <a:r>
+              <a:rPr lang="tr-TR" dirty="0"/>
+              <a:t>*</a:t>
+            </a:r>
+            <a:r>
+              <a:rPr lang="tr-TR" dirty="0" err="1"/>
+              <a:t>Dıp</a:t>
+            </a:r>
+            <a:r>
+              <a:rPr lang="tr-TR" dirty="0"/>
+              <a:t> versiyonu internette bulunmuyor.</a:t>
+            </a:r>
+          </a:p>
+          <a:p>
+            <a:endParaRPr lang="tr-TR" dirty="0">
+              <a:solidFill>
+                <a:srgbClr val="FF0000"/>
+              </a:solidFill>
+            </a:endParaRPr>
+          </a:p>
+          <a:p>
+            <a:endParaRPr lang="tr-TR" dirty="0">
+              <a:solidFill>
+                <a:srgbClr val="FF0000"/>
+              </a:solidFill>
+            </a:endParaRPr>
+          </a:p>
+          <a:p>
+            <a:endParaRPr lang="tr-TR" dirty="0"/>
+          </a:p>
+        </p:txBody>
+      </p:sp>
+      <p:pic>
+        <p:nvPicPr>
+          <p:cNvPr id="11" name="Resim 10">
+            <a:extLst>
+              <a:ext uri="{FF2B5EF4-FFF2-40B4-BE49-F238E27FC236}">
+                <a16:creationId xmlns:a16="http://schemas.microsoft.com/office/drawing/2014/main" id="{10C9074F-479F-EC42-8EF7-E6527621DDE2}"/>
+              </a:ext>
+            </a:extLst>
+          </p:cNvPr>
+          <p:cNvPicPr>
+            <a:picLocks noChangeAspect="1"/>
+          </p:cNvPicPr>
+          <p:nvPr/>
+        </p:nvPicPr>
+        <p:blipFill>
+          <a:blip r:embed="rId2"/>
+          <a:stretch>
+            <a:fillRect/>
+          </a:stretch>
+        </p:blipFill>
+        <p:spPr>
+          <a:xfrm>
+            <a:off x="9119740" y="173120"/>
+            <a:ext cx="2509490" cy="1476778"/>
+          </a:xfrm>
+          <a:prstGeom prst="rect">
+            <a:avLst/>
+          </a:prstGeom>
+        </p:spPr>
+      </p:pic>
+    </p:spTree>
+    <p:extLst>
+      <p:ext uri="{BB962C8B-B14F-4D97-AF65-F5344CB8AC3E}">
+        <p14:creationId xmlns:p14="http://schemas.microsoft.com/office/powerpoint/2010/main" val="3973838415"/>
       </p:ext>
     </p:extLst>
   </p:cSld>
@@ -6176,7 +8085,7 @@
             <a:r>
               <a:rPr lang="tr-TR" sz="4800" dirty="0">
                 <a:solidFill>
-                  <a:srgbClr val="FF0000"/>
+                  <a:schemeClr val="tx1"/>
                 </a:solidFill>
               </a:rPr>
               <a:t>-PCB</a:t>
@@ -6227,6 +8136,1078 @@
 </p:sld>
 </file>
 
+<file path=ppt/slides/slide20.xml><?xml version="1.0" encoding="utf-8"?>
+<p:sld xmlns:a="http://schemas.openxmlformats.org/drawingml/2006/main" xmlns:r="http://schemas.openxmlformats.org/officeDocument/2006/relationships" xmlns:p="http://schemas.openxmlformats.org/presentationml/2006/main">
+  <p:cSld>
+    <p:spTree>
+      <p:nvGrpSpPr>
+        <p:cNvPr id="1" name=""/>
+        <p:cNvGrpSpPr/>
+        <p:nvPr/>
+      </p:nvGrpSpPr>
+      <p:grpSpPr>
+        <a:xfrm>
+          <a:off x="0" y="0"/>
+          <a:ext cx="0" cy="0"/>
+          <a:chOff x="0" y="0"/>
+          <a:chExt cx="0" cy="0"/>
+        </a:xfrm>
+      </p:grpSpPr>
+      <p:sp>
+        <p:nvSpPr>
+          <p:cNvPr id="2" name="Başlık 1">
+            <a:extLst>
+              <a:ext uri="{FF2B5EF4-FFF2-40B4-BE49-F238E27FC236}">
+                <a16:creationId xmlns:a16="http://schemas.microsoft.com/office/drawing/2014/main" id="{3AD266B6-ED86-C440-8DD1-28878F005EDE}"/>
+              </a:ext>
+            </a:extLst>
+          </p:cNvPr>
+          <p:cNvSpPr>
+            <a:spLocks noGrp="1"/>
+          </p:cNvSpPr>
+          <p:nvPr>
+            <p:ph type="title"/>
+          </p:nvPr>
+        </p:nvSpPr>
+        <p:spPr>
+          <a:xfrm>
+            <a:off x="1144589" y="-257474"/>
+            <a:ext cx="9905998" cy="1905000"/>
+          </a:xfrm>
+        </p:spPr>
+        <p:txBody>
+          <a:bodyPr/>
+          <a:lstStyle/>
+          <a:p>
+            <a:r>
+              <a:rPr lang="tr-TR" dirty="0" err="1"/>
+              <a:t>Arduino</a:t>
+            </a:r>
+            <a:r>
+              <a:rPr lang="tr-TR" dirty="0"/>
+              <a:t> mega</a:t>
+            </a:r>
+          </a:p>
+        </p:txBody>
+      </p:sp>
+      <p:pic>
+        <p:nvPicPr>
+          <p:cNvPr id="5" name="İçerik Yer Tutucusu 4">
+            <a:extLst>
+              <a:ext uri="{FF2B5EF4-FFF2-40B4-BE49-F238E27FC236}">
+                <a16:creationId xmlns:a16="http://schemas.microsoft.com/office/drawing/2014/main" id="{F916D71A-360A-544F-AC95-7ECB01D6D28F}"/>
+              </a:ext>
+            </a:extLst>
+          </p:cNvPr>
+          <p:cNvPicPr>
+            <a:picLocks noGrp="1" noChangeAspect="1"/>
+          </p:cNvPicPr>
+          <p:nvPr>
+            <p:ph idx="1"/>
+          </p:nvPr>
+        </p:nvPicPr>
+        <p:blipFill>
+          <a:blip r:embed="rId2"/>
+          <a:stretch>
+            <a:fillRect/>
+          </a:stretch>
+        </p:blipFill>
+        <p:spPr>
+          <a:xfrm rot="5400000">
+            <a:off x="8910478" y="2879545"/>
+            <a:ext cx="3698106" cy="1791629"/>
+          </a:xfrm>
+        </p:spPr>
+      </p:pic>
+      <p:sp>
+        <p:nvSpPr>
+          <p:cNvPr id="7" name="Metin kutusu 6">
+            <a:extLst>
+              <a:ext uri="{FF2B5EF4-FFF2-40B4-BE49-F238E27FC236}">
+                <a16:creationId xmlns:a16="http://schemas.microsoft.com/office/drawing/2014/main" id="{C82C8EA7-FCC0-154F-82A1-2DDD1FCCCEAF}"/>
+              </a:ext>
+            </a:extLst>
+          </p:cNvPr>
+          <p:cNvSpPr txBox="1"/>
+          <p:nvPr/>
+        </p:nvSpPr>
+        <p:spPr>
+          <a:xfrm>
+            <a:off x="1141413" y="1386745"/>
+            <a:ext cx="7694342" cy="5909310"/>
+          </a:xfrm>
+          <a:prstGeom prst="rect">
+            <a:avLst/>
+          </a:prstGeom>
+          <a:noFill/>
+        </p:spPr>
+        <p:txBody>
+          <a:bodyPr wrap="square" rtlCol="0">
+            <a:spAutoFit/>
+          </a:bodyPr>
+          <a:lstStyle/>
+          <a:p>
+            <a:r>
+              <a:rPr lang="tr-TR" dirty="0"/>
+              <a:t>*</a:t>
+            </a:r>
+            <a:r>
+              <a:rPr lang="tr-TR" dirty="0" err="1"/>
+              <a:t>Arduino</a:t>
+            </a:r>
+            <a:r>
+              <a:rPr lang="tr-TR" dirty="0"/>
+              <a:t> Mega, 54 I/O'ya sahip olması nedeniyle </a:t>
+            </a:r>
+            <a:r>
+              <a:rPr lang="tr-TR" dirty="0" err="1"/>
+              <a:t>Due'a</a:t>
+            </a:r>
+            <a:r>
+              <a:rPr lang="tr-TR" dirty="0"/>
+              <a:t> biraz benzer. Bununla birlikte, bir ARM çekirdeği tarafından desteklenmek yerine, bunun yerine bir ATmega2560 kullanır.</a:t>
+            </a:r>
+          </a:p>
+          <a:p>
+            <a:endParaRPr lang="tr-TR" dirty="0"/>
+          </a:p>
+          <a:p>
+            <a:endParaRPr lang="tr-TR" dirty="0"/>
+          </a:p>
+          <a:p>
+            <a:r>
+              <a:rPr lang="tr-TR" dirty="0"/>
+              <a:t>*CPU 16MHz'de saat hızına sahiptir ve 256KB ROM, 8KB RAM, 4KB EEPROM içerir ve 5V'ta çalışır ve bu sayede hobi dostu elektroniklerin çoğuyla kullanımı kolaylaştırır. </a:t>
+            </a:r>
+          </a:p>
+          <a:p>
+            <a:endParaRPr lang="tr-TR" dirty="0"/>
+          </a:p>
+          <a:p>
+            <a:endParaRPr lang="tr-TR" dirty="0"/>
+          </a:p>
+          <a:p>
+            <a:r>
+              <a:rPr lang="tr-TR" dirty="0"/>
+              <a:t>*</a:t>
+            </a:r>
+            <a:r>
+              <a:rPr lang="tr-TR" dirty="0" err="1"/>
+              <a:t>Arduino</a:t>
+            </a:r>
+            <a:r>
+              <a:rPr lang="tr-TR" dirty="0"/>
+              <a:t> Mega, 16 analog girişe, 15 PWM kanalına, </a:t>
+            </a:r>
+            <a:r>
+              <a:rPr lang="tr-TR" dirty="0" err="1"/>
+              <a:t>Due'a</a:t>
+            </a:r>
+            <a:r>
+              <a:rPr lang="tr-TR" dirty="0"/>
+              <a:t> benzer bir </a:t>
+            </a:r>
+            <a:r>
+              <a:rPr lang="tr-TR" dirty="0" err="1"/>
+              <a:t>pin</a:t>
+            </a:r>
+            <a:r>
+              <a:rPr lang="tr-TR" dirty="0"/>
+              <a:t> çıkışına sahiptir ve </a:t>
+            </a:r>
+            <a:r>
+              <a:rPr lang="tr-TR" dirty="0" err="1"/>
+              <a:t>Arduino</a:t>
+            </a:r>
+            <a:r>
+              <a:rPr lang="tr-TR" dirty="0"/>
+              <a:t> kalkanları ile donanım uyumludur. </a:t>
+            </a:r>
+            <a:r>
+              <a:rPr lang="tr-TR" dirty="0" err="1">
+                <a:solidFill>
+                  <a:srgbClr val="FF0000"/>
+                </a:solidFill>
+              </a:rPr>
+              <a:t>Due</a:t>
+            </a:r>
+            <a:r>
+              <a:rPr lang="tr-TR" dirty="0">
+                <a:solidFill>
+                  <a:srgbClr val="FF0000"/>
+                </a:solidFill>
+              </a:rPr>
+              <a:t> gibi, Mega ile yazılım uyumluluğu her zaman garanti edilemez.</a:t>
+            </a:r>
+          </a:p>
+          <a:p>
+            <a:endParaRPr lang="tr-TR" dirty="0">
+              <a:solidFill>
+                <a:srgbClr val="FF0000"/>
+              </a:solidFill>
+            </a:endParaRPr>
+          </a:p>
+          <a:p>
+            <a:r>
+              <a:rPr lang="tr-TR" dirty="0"/>
+              <a:t>Klon(</a:t>
+            </a:r>
+            <a:r>
+              <a:rPr lang="tr-TR" dirty="0" err="1"/>
+              <a:t>smd</a:t>
+            </a:r>
+            <a:r>
+              <a:rPr lang="tr-TR" dirty="0"/>
+              <a:t>) = 80-100 TL</a:t>
+            </a:r>
+          </a:p>
+          <a:p>
+            <a:r>
+              <a:rPr lang="tr-TR" dirty="0"/>
+              <a:t>Orijinal(</a:t>
+            </a:r>
+            <a:r>
+              <a:rPr lang="tr-TR" dirty="0" err="1"/>
+              <a:t>smd</a:t>
+            </a:r>
+            <a:r>
+              <a:rPr lang="tr-TR" dirty="0"/>
+              <a:t>) = 350-450 TL</a:t>
+            </a:r>
+          </a:p>
+          <a:p>
+            <a:r>
+              <a:rPr lang="tr-TR" dirty="0"/>
+              <a:t>*</a:t>
+            </a:r>
+            <a:r>
+              <a:rPr lang="tr-TR" dirty="0" err="1"/>
+              <a:t>Dıp</a:t>
+            </a:r>
+            <a:r>
+              <a:rPr lang="tr-TR" dirty="0"/>
+              <a:t> versiyonu internette bulunmuyor.</a:t>
+            </a:r>
+          </a:p>
+          <a:p>
+            <a:endParaRPr lang="tr-TR" dirty="0"/>
+          </a:p>
+          <a:p>
+            <a:endParaRPr lang="tr-TR" dirty="0"/>
+          </a:p>
+          <a:p>
+            <a:endParaRPr lang="tr-TR" dirty="0"/>
+          </a:p>
+        </p:txBody>
+      </p:sp>
+    </p:spTree>
+    <p:extLst>
+      <p:ext uri="{BB962C8B-B14F-4D97-AF65-F5344CB8AC3E}">
+        <p14:creationId xmlns:p14="http://schemas.microsoft.com/office/powerpoint/2010/main" val="4246654775"/>
+      </p:ext>
+    </p:extLst>
+  </p:cSld>
+  <p:clrMapOvr>
+    <a:masterClrMapping/>
+  </p:clrMapOvr>
+</p:sld>
+</file>
+
+<file path=ppt/slides/slide21.xml><?xml version="1.0" encoding="utf-8"?>
+<p:sld xmlns:a="http://schemas.openxmlformats.org/drawingml/2006/main" xmlns:r="http://schemas.openxmlformats.org/officeDocument/2006/relationships" xmlns:p="http://schemas.openxmlformats.org/presentationml/2006/main">
+  <p:cSld>
+    <p:spTree>
+      <p:nvGrpSpPr>
+        <p:cNvPr id="1" name=""/>
+        <p:cNvGrpSpPr/>
+        <p:nvPr/>
+      </p:nvGrpSpPr>
+      <p:grpSpPr>
+        <a:xfrm>
+          <a:off x="0" y="0"/>
+          <a:ext cx="0" cy="0"/>
+          <a:chOff x="0" y="0"/>
+          <a:chExt cx="0" cy="0"/>
+        </a:xfrm>
+      </p:grpSpPr>
+      <p:sp>
+        <p:nvSpPr>
+          <p:cNvPr id="2" name="Başlık 1">
+            <a:extLst>
+              <a:ext uri="{FF2B5EF4-FFF2-40B4-BE49-F238E27FC236}">
+                <a16:creationId xmlns:a16="http://schemas.microsoft.com/office/drawing/2014/main" id="{4048EB88-8EFD-B648-A4AF-8B54F7C959A8}"/>
+              </a:ext>
+            </a:extLst>
+          </p:cNvPr>
+          <p:cNvSpPr>
+            <a:spLocks noGrp="1"/>
+          </p:cNvSpPr>
+          <p:nvPr>
+            <p:ph type="title"/>
+          </p:nvPr>
+        </p:nvSpPr>
+        <p:spPr>
+          <a:xfrm>
+            <a:off x="1141413" y="214661"/>
+            <a:ext cx="9905998" cy="1905000"/>
+          </a:xfrm>
+        </p:spPr>
+        <p:txBody>
+          <a:bodyPr/>
+          <a:lstStyle/>
+          <a:p>
+            <a:r>
+              <a:rPr lang="tr-TR" dirty="0"/>
+              <a:t>Diğer </a:t>
+            </a:r>
+            <a:r>
+              <a:rPr lang="tr-TR" dirty="0" err="1"/>
+              <a:t>arduinolar</a:t>
+            </a:r>
+            <a:endParaRPr lang="tr-TR" dirty="0"/>
+          </a:p>
+        </p:txBody>
+      </p:sp>
+      <p:sp>
+        <p:nvSpPr>
+          <p:cNvPr id="3" name="İçerik Yer Tutucusu 2">
+            <a:extLst>
+              <a:ext uri="{FF2B5EF4-FFF2-40B4-BE49-F238E27FC236}">
+                <a16:creationId xmlns:a16="http://schemas.microsoft.com/office/drawing/2014/main" id="{78DE35FB-A2F2-CD44-911A-8B60A886DC12}"/>
+              </a:ext>
+            </a:extLst>
+          </p:cNvPr>
+          <p:cNvSpPr>
+            <a:spLocks noGrp="1"/>
+          </p:cNvSpPr>
+          <p:nvPr>
+            <p:ph idx="1"/>
+          </p:nvPr>
+        </p:nvSpPr>
+        <p:spPr>
+          <a:xfrm>
+            <a:off x="1141413" y="2566638"/>
+            <a:ext cx="9905998" cy="3124201"/>
+          </a:xfrm>
+        </p:spPr>
+        <p:txBody>
+          <a:bodyPr/>
+          <a:lstStyle/>
+          <a:p>
+            <a:r>
+              <a:rPr lang="tr-TR" dirty="0"/>
+              <a:t>Bu kartların haricinde iki model mikro yani </a:t>
+            </a:r>
+            <a:r>
+              <a:rPr lang="tr-TR" dirty="0" err="1"/>
+              <a:t>nano</a:t>
+            </a:r>
+            <a:r>
+              <a:rPr lang="tr-TR" dirty="0"/>
+              <a:t> </a:t>
+            </a:r>
+            <a:r>
+              <a:rPr lang="tr-TR" dirty="0" err="1"/>
+              <a:t>nun</a:t>
+            </a:r>
+            <a:r>
+              <a:rPr lang="tr-TR" dirty="0"/>
+              <a:t> boyutundan da küçük olan iki kart </a:t>
+            </a:r>
+            <a:r>
+              <a:rPr lang="tr-TR" dirty="0" err="1"/>
+              <a:t>bulunuyor.Bunların</a:t>
+            </a:r>
+            <a:r>
+              <a:rPr lang="tr-TR" dirty="0"/>
+              <a:t> biraz daha küçük işlevsel şeylerde kullanılması öneriliyor.</a:t>
+            </a:r>
+          </a:p>
+          <a:p>
+            <a:r>
+              <a:rPr lang="tr-TR" dirty="0"/>
+              <a:t>En son olarak Leonardo  kartı bulunuyor. Bu kart </a:t>
+            </a:r>
+            <a:r>
+              <a:rPr lang="tr-TR" dirty="0" err="1"/>
+              <a:t>uno</a:t>
+            </a:r>
+            <a:r>
+              <a:rPr lang="tr-TR" dirty="0"/>
+              <a:t> </a:t>
+            </a:r>
+            <a:r>
+              <a:rPr lang="tr-TR" dirty="0" err="1"/>
+              <a:t>nun</a:t>
+            </a:r>
+            <a:r>
+              <a:rPr lang="tr-TR" dirty="0"/>
+              <a:t> özelliklerini kapsıyor fakat ayrı olarak haberleşmeyi sağlayan </a:t>
+            </a:r>
+            <a:r>
+              <a:rPr lang="tr-TR" dirty="0" err="1"/>
+              <a:t>chip</a:t>
+            </a:r>
+            <a:r>
+              <a:rPr lang="tr-TR" dirty="0"/>
+              <a:t> bulunmamakta. Yani bu da klavye , fare yapımı gibi projelerde daha çok kullanılıyor.</a:t>
+            </a:r>
+          </a:p>
+          <a:p>
+            <a:r>
+              <a:rPr lang="tr-TR" dirty="0"/>
+              <a:t>Daha birçok kart bulunmakta ama şuan </a:t>
+            </a:r>
+            <a:r>
+              <a:rPr lang="tr-TR" dirty="0" err="1"/>
+              <a:t>popüler,işlevselleri</a:t>
+            </a:r>
+            <a:r>
+              <a:rPr lang="tr-TR" dirty="0"/>
+              <a:t> yüksek ve bize uygun olan kartlar sunuma koyulmuştur.</a:t>
+            </a:r>
+          </a:p>
+        </p:txBody>
+      </p:sp>
+    </p:spTree>
+    <p:extLst>
+      <p:ext uri="{BB962C8B-B14F-4D97-AF65-F5344CB8AC3E}">
+        <p14:creationId xmlns:p14="http://schemas.microsoft.com/office/powerpoint/2010/main" val="1884108884"/>
+      </p:ext>
+    </p:extLst>
+  </p:cSld>
+  <p:clrMapOvr>
+    <a:masterClrMapping/>
+  </p:clrMapOvr>
+</p:sld>
+</file>
+
+<file path=ppt/slides/slide22.xml><?xml version="1.0" encoding="utf-8"?>
+<p:sld xmlns:a="http://schemas.openxmlformats.org/drawingml/2006/main" xmlns:r="http://schemas.openxmlformats.org/officeDocument/2006/relationships" xmlns:p="http://schemas.openxmlformats.org/presentationml/2006/main">
+  <p:cSld>
+    <p:spTree>
+      <p:nvGrpSpPr>
+        <p:cNvPr id="1" name=""/>
+        <p:cNvGrpSpPr/>
+        <p:nvPr/>
+      </p:nvGrpSpPr>
+      <p:grpSpPr>
+        <a:xfrm>
+          <a:off x="0" y="0"/>
+          <a:ext cx="0" cy="0"/>
+          <a:chOff x="0" y="0"/>
+          <a:chExt cx="0" cy="0"/>
+        </a:xfrm>
+      </p:grpSpPr>
+      <p:pic>
+        <p:nvPicPr>
+          <p:cNvPr id="6" name="Resim 5">
+            <a:extLst>
+              <a:ext uri="{FF2B5EF4-FFF2-40B4-BE49-F238E27FC236}">
+                <a16:creationId xmlns:a16="http://schemas.microsoft.com/office/drawing/2014/main" id="{5E5EEFFD-5CBA-4940-B155-C7A3F0388D25}"/>
+              </a:ext>
+            </a:extLst>
+          </p:cNvPr>
+          <p:cNvPicPr>
+            <a:picLocks noChangeAspect="1"/>
+          </p:cNvPicPr>
+          <p:nvPr/>
+        </p:nvPicPr>
+        <p:blipFill>
+          <a:blip r:embed="rId2"/>
+          <a:stretch>
+            <a:fillRect/>
+          </a:stretch>
+        </p:blipFill>
+        <p:spPr>
+          <a:xfrm>
+            <a:off x="3622576" y="0"/>
+            <a:ext cx="3541796" cy="6858000"/>
+          </a:xfrm>
+          <a:prstGeom prst="rect">
+            <a:avLst/>
+          </a:prstGeom>
+        </p:spPr>
+      </p:pic>
+      <p:pic>
+        <p:nvPicPr>
+          <p:cNvPr id="8" name="Resim 7">
+            <a:extLst>
+              <a:ext uri="{FF2B5EF4-FFF2-40B4-BE49-F238E27FC236}">
+                <a16:creationId xmlns:a16="http://schemas.microsoft.com/office/drawing/2014/main" id="{02AA25AE-08EA-E749-9C22-AE61A436C477}"/>
+              </a:ext>
+            </a:extLst>
+          </p:cNvPr>
+          <p:cNvPicPr>
+            <a:picLocks noChangeAspect="1"/>
+          </p:cNvPicPr>
+          <p:nvPr/>
+        </p:nvPicPr>
+        <p:blipFill>
+          <a:blip r:embed="rId3"/>
+          <a:stretch>
+            <a:fillRect/>
+          </a:stretch>
+        </p:blipFill>
+        <p:spPr>
+          <a:xfrm>
+            <a:off x="7725564" y="0"/>
+            <a:ext cx="4466436" cy="6858000"/>
+          </a:xfrm>
+          <a:prstGeom prst="rect">
+            <a:avLst/>
+          </a:prstGeom>
+        </p:spPr>
+      </p:pic>
+      <p:sp>
+        <p:nvSpPr>
+          <p:cNvPr id="9" name="Metin kutusu 8">
+            <a:extLst>
+              <a:ext uri="{FF2B5EF4-FFF2-40B4-BE49-F238E27FC236}">
+                <a16:creationId xmlns:a16="http://schemas.microsoft.com/office/drawing/2014/main" id="{8776B972-BEBF-C842-9CFB-8373C63EF577}"/>
+              </a:ext>
+            </a:extLst>
+          </p:cNvPr>
+          <p:cNvSpPr txBox="1"/>
+          <p:nvPr/>
+        </p:nvSpPr>
+        <p:spPr>
+          <a:xfrm>
+            <a:off x="0" y="200722"/>
+            <a:ext cx="2980303" cy="954107"/>
+          </a:xfrm>
+          <a:prstGeom prst="rect">
+            <a:avLst/>
+          </a:prstGeom>
+          <a:noFill/>
+        </p:spPr>
+        <p:txBody>
+          <a:bodyPr wrap="none" rtlCol="0">
+            <a:spAutoFit/>
+          </a:bodyPr>
+          <a:lstStyle/>
+          <a:p>
+            <a:r>
+              <a:rPr lang="tr-TR" sz="2800" b="1" dirty="0"/>
+              <a:t>-KARŞILAŞTIRMA</a:t>
+            </a:r>
+          </a:p>
+          <a:p>
+            <a:r>
+              <a:rPr lang="tr-TR" sz="2800" b="1" dirty="0"/>
+              <a:t>TABLOSU</a:t>
+            </a:r>
+          </a:p>
+        </p:txBody>
+      </p:sp>
+    </p:spTree>
+    <p:extLst>
+      <p:ext uri="{BB962C8B-B14F-4D97-AF65-F5344CB8AC3E}">
+        <p14:creationId xmlns:p14="http://schemas.microsoft.com/office/powerpoint/2010/main" val="3932509273"/>
+      </p:ext>
+    </p:extLst>
+  </p:cSld>
+  <p:clrMapOvr>
+    <a:masterClrMapping/>
+  </p:clrMapOvr>
+</p:sld>
+</file>
+
+<file path=ppt/slides/slide23.xml><?xml version="1.0" encoding="utf-8"?>
+<p:sld xmlns:a="http://schemas.openxmlformats.org/drawingml/2006/main" xmlns:r="http://schemas.openxmlformats.org/officeDocument/2006/relationships" xmlns:p="http://schemas.openxmlformats.org/presentationml/2006/main">
+  <p:cSld>
+    <p:spTree>
+      <p:nvGrpSpPr>
+        <p:cNvPr id="1" name=""/>
+        <p:cNvGrpSpPr/>
+        <p:nvPr/>
+      </p:nvGrpSpPr>
+      <p:grpSpPr>
+        <a:xfrm>
+          <a:off x="0" y="0"/>
+          <a:ext cx="0" cy="0"/>
+          <a:chOff x="0" y="0"/>
+          <a:chExt cx="0" cy="0"/>
+        </a:xfrm>
+      </p:grpSpPr>
+      <p:sp>
+        <p:nvSpPr>
+          <p:cNvPr id="2" name="Başlık 1">
+            <a:extLst>
+              <a:ext uri="{FF2B5EF4-FFF2-40B4-BE49-F238E27FC236}">
+                <a16:creationId xmlns:a16="http://schemas.microsoft.com/office/drawing/2014/main" id="{25F17852-5B86-E547-9D9F-31A59472B8E7}"/>
+              </a:ext>
+            </a:extLst>
+          </p:cNvPr>
+          <p:cNvSpPr>
+            <a:spLocks noGrp="1"/>
+          </p:cNvSpPr>
+          <p:nvPr>
+            <p:ph type="title"/>
+          </p:nvPr>
+        </p:nvSpPr>
+        <p:spPr>
+          <a:xfrm>
+            <a:off x="4313799" y="0"/>
+            <a:ext cx="3564402" cy="1905000"/>
+          </a:xfrm>
+        </p:spPr>
+        <p:txBody>
+          <a:bodyPr/>
+          <a:lstStyle/>
+          <a:p>
+            <a:r>
+              <a:rPr lang="tr-TR" dirty="0"/>
+              <a:t>BOYUT FARKLARI</a:t>
+            </a:r>
+          </a:p>
+        </p:txBody>
+      </p:sp>
+      <p:pic>
+        <p:nvPicPr>
+          <p:cNvPr id="4" name="İçerik Yer Tutucusu 3">
+            <a:extLst>
+              <a:ext uri="{FF2B5EF4-FFF2-40B4-BE49-F238E27FC236}">
+                <a16:creationId xmlns:a16="http://schemas.microsoft.com/office/drawing/2014/main" id="{78FA3DD7-1833-F54D-BE67-7F7EBAB5CD5B}"/>
+              </a:ext>
+            </a:extLst>
+          </p:cNvPr>
+          <p:cNvPicPr>
+            <a:picLocks noGrp="1" noChangeAspect="1"/>
+          </p:cNvPicPr>
+          <p:nvPr>
+            <p:ph idx="1"/>
+          </p:nvPr>
+        </p:nvPicPr>
+        <p:blipFill>
+          <a:blip r:embed="rId2"/>
+          <a:stretch>
+            <a:fillRect/>
+          </a:stretch>
+        </p:blipFill>
+        <p:spPr>
+          <a:xfrm>
+            <a:off x="144966" y="2294770"/>
+            <a:ext cx="6169993" cy="4097261"/>
+          </a:xfrm>
+          <a:prstGeom prst="rect">
+            <a:avLst/>
+          </a:prstGeom>
+        </p:spPr>
+      </p:pic>
+      <p:sp>
+        <p:nvSpPr>
+          <p:cNvPr id="5" name="Metin kutusu 4">
+            <a:extLst>
+              <a:ext uri="{FF2B5EF4-FFF2-40B4-BE49-F238E27FC236}">
+                <a16:creationId xmlns:a16="http://schemas.microsoft.com/office/drawing/2014/main" id="{9D3FF497-3625-2441-BCD5-728F6A40DEF8}"/>
+              </a:ext>
+            </a:extLst>
+          </p:cNvPr>
+          <p:cNvSpPr txBox="1"/>
+          <p:nvPr/>
+        </p:nvSpPr>
+        <p:spPr>
+          <a:xfrm>
+            <a:off x="635619" y="3059668"/>
+            <a:ext cx="893193" cy="369332"/>
+          </a:xfrm>
+          <a:prstGeom prst="rect">
+            <a:avLst/>
+          </a:prstGeom>
+          <a:noFill/>
+        </p:spPr>
+        <p:txBody>
+          <a:bodyPr wrap="none" rtlCol="0">
+            <a:spAutoFit/>
+          </a:bodyPr>
+          <a:lstStyle/>
+          <a:p>
+            <a:r>
+              <a:rPr lang="tr-TR" dirty="0"/>
+              <a:t>MEGA</a:t>
+            </a:r>
+          </a:p>
+        </p:txBody>
+      </p:sp>
+      <p:sp>
+        <p:nvSpPr>
+          <p:cNvPr id="6" name="Metin kutusu 5">
+            <a:extLst>
+              <a:ext uri="{FF2B5EF4-FFF2-40B4-BE49-F238E27FC236}">
+                <a16:creationId xmlns:a16="http://schemas.microsoft.com/office/drawing/2014/main" id="{4055AEFB-B709-B246-8B99-88DC4B26B318}"/>
+              </a:ext>
+            </a:extLst>
+          </p:cNvPr>
+          <p:cNvSpPr txBox="1"/>
+          <p:nvPr/>
+        </p:nvSpPr>
+        <p:spPr>
+          <a:xfrm>
+            <a:off x="747131" y="5196468"/>
+            <a:ext cx="707245" cy="369332"/>
+          </a:xfrm>
+          <a:prstGeom prst="rect">
+            <a:avLst/>
+          </a:prstGeom>
+          <a:noFill/>
+        </p:spPr>
+        <p:txBody>
+          <a:bodyPr wrap="none" rtlCol="0">
+            <a:spAutoFit/>
+          </a:bodyPr>
+          <a:lstStyle/>
+          <a:p>
+            <a:r>
+              <a:rPr lang="tr-TR" dirty="0"/>
+              <a:t>UNO</a:t>
+            </a:r>
+          </a:p>
+        </p:txBody>
+      </p:sp>
+      <p:sp>
+        <p:nvSpPr>
+          <p:cNvPr id="7" name="Metin kutusu 6">
+            <a:extLst>
+              <a:ext uri="{FF2B5EF4-FFF2-40B4-BE49-F238E27FC236}">
+                <a16:creationId xmlns:a16="http://schemas.microsoft.com/office/drawing/2014/main" id="{789AF0F9-4B2D-2644-9A81-02CE143ABF11}"/>
+              </a:ext>
+            </a:extLst>
+          </p:cNvPr>
+          <p:cNvSpPr txBox="1"/>
+          <p:nvPr/>
+        </p:nvSpPr>
+        <p:spPr>
+          <a:xfrm>
+            <a:off x="4984594" y="5114170"/>
+            <a:ext cx="899605" cy="369332"/>
+          </a:xfrm>
+          <a:prstGeom prst="rect">
+            <a:avLst/>
+          </a:prstGeom>
+          <a:noFill/>
+        </p:spPr>
+        <p:txBody>
+          <a:bodyPr wrap="none" rtlCol="0">
+            <a:spAutoFit/>
+          </a:bodyPr>
+          <a:lstStyle/>
+          <a:p>
+            <a:r>
+              <a:rPr lang="tr-TR" dirty="0"/>
+              <a:t>NANO</a:t>
+            </a:r>
+          </a:p>
+        </p:txBody>
+      </p:sp>
+      <p:pic>
+        <p:nvPicPr>
+          <p:cNvPr id="9" name="Resim 8">
+            <a:extLst>
+              <a:ext uri="{FF2B5EF4-FFF2-40B4-BE49-F238E27FC236}">
+                <a16:creationId xmlns:a16="http://schemas.microsoft.com/office/drawing/2014/main" id="{5E016AFD-715E-A142-A371-BA4F910EE643}"/>
+              </a:ext>
+            </a:extLst>
+          </p:cNvPr>
+          <p:cNvPicPr>
+            <a:picLocks noChangeAspect="1"/>
+          </p:cNvPicPr>
+          <p:nvPr/>
+        </p:nvPicPr>
+        <p:blipFill>
+          <a:blip r:embed="rId3"/>
+          <a:stretch>
+            <a:fillRect/>
+          </a:stretch>
+        </p:blipFill>
+        <p:spPr>
+          <a:xfrm>
+            <a:off x="6805613" y="2396991"/>
+            <a:ext cx="3996008" cy="1985438"/>
+          </a:xfrm>
+          <a:prstGeom prst="rect">
+            <a:avLst/>
+          </a:prstGeom>
+        </p:spPr>
+      </p:pic>
+      <p:sp>
+        <p:nvSpPr>
+          <p:cNvPr id="10" name="Metin kutusu 9">
+            <a:extLst>
+              <a:ext uri="{FF2B5EF4-FFF2-40B4-BE49-F238E27FC236}">
+                <a16:creationId xmlns:a16="http://schemas.microsoft.com/office/drawing/2014/main" id="{39653E9A-C1EF-9949-8E4E-7C076DD24727}"/>
+              </a:ext>
+            </a:extLst>
+          </p:cNvPr>
+          <p:cNvSpPr txBox="1"/>
+          <p:nvPr/>
+        </p:nvSpPr>
+        <p:spPr>
+          <a:xfrm>
+            <a:off x="7428398" y="4325634"/>
+            <a:ext cx="899605" cy="369332"/>
+          </a:xfrm>
+          <a:prstGeom prst="rect">
+            <a:avLst/>
+          </a:prstGeom>
+          <a:noFill/>
+        </p:spPr>
+        <p:txBody>
+          <a:bodyPr wrap="none" rtlCol="0">
+            <a:spAutoFit/>
+          </a:bodyPr>
+          <a:lstStyle/>
+          <a:p>
+            <a:r>
+              <a:rPr lang="tr-TR" dirty="0"/>
+              <a:t>NANO</a:t>
+            </a:r>
+          </a:p>
+        </p:txBody>
+      </p:sp>
+      <p:sp>
+        <p:nvSpPr>
+          <p:cNvPr id="11" name="Metin kutusu 10">
+            <a:extLst>
+              <a:ext uri="{FF2B5EF4-FFF2-40B4-BE49-F238E27FC236}">
+                <a16:creationId xmlns:a16="http://schemas.microsoft.com/office/drawing/2014/main" id="{DA9D4023-E958-4B43-9BF1-C7E3E5BF4448}"/>
+              </a:ext>
+            </a:extLst>
+          </p:cNvPr>
+          <p:cNvSpPr txBox="1"/>
+          <p:nvPr/>
+        </p:nvSpPr>
+        <p:spPr>
+          <a:xfrm>
+            <a:off x="9441442" y="4325634"/>
+            <a:ext cx="630301" cy="369332"/>
+          </a:xfrm>
+          <a:prstGeom prst="rect">
+            <a:avLst/>
+          </a:prstGeom>
+          <a:noFill/>
+        </p:spPr>
+        <p:txBody>
+          <a:bodyPr wrap="none" rtlCol="0">
+            <a:spAutoFit/>
+          </a:bodyPr>
+          <a:lstStyle/>
+          <a:p>
+            <a:r>
+              <a:rPr lang="tr-TR" dirty="0"/>
+              <a:t>DUE</a:t>
+            </a:r>
+          </a:p>
+        </p:txBody>
+      </p:sp>
+      <p:sp>
+        <p:nvSpPr>
+          <p:cNvPr id="12" name="Metin kutusu 11">
+            <a:extLst>
+              <a:ext uri="{FF2B5EF4-FFF2-40B4-BE49-F238E27FC236}">
+                <a16:creationId xmlns:a16="http://schemas.microsoft.com/office/drawing/2014/main" id="{F11B9E73-2027-3241-9001-3E1407053113}"/>
+              </a:ext>
+            </a:extLst>
+          </p:cNvPr>
+          <p:cNvSpPr txBox="1"/>
+          <p:nvPr/>
+        </p:nvSpPr>
+        <p:spPr>
+          <a:xfrm>
+            <a:off x="9363773" y="2084454"/>
+            <a:ext cx="707245" cy="369332"/>
+          </a:xfrm>
+          <a:prstGeom prst="rect">
+            <a:avLst/>
+          </a:prstGeom>
+          <a:noFill/>
+        </p:spPr>
+        <p:txBody>
+          <a:bodyPr wrap="none" rtlCol="0">
+            <a:spAutoFit/>
+          </a:bodyPr>
+          <a:lstStyle/>
+          <a:p>
+            <a:r>
+              <a:rPr lang="tr-TR" dirty="0"/>
+              <a:t>UNO</a:t>
+            </a:r>
+          </a:p>
+        </p:txBody>
+      </p:sp>
+      <p:sp>
+        <p:nvSpPr>
+          <p:cNvPr id="13" name="Metin kutusu 12">
+            <a:extLst>
+              <a:ext uri="{FF2B5EF4-FFF2-40B4-BE49-F238E27FC236}">
+                <a16:creationId xmlns:a16="http://schemas.microsoft.com/office/drawing/2014/main" id="{5D6EB502-3A1C-6F44-BA79-7240DF47078D}"/>
+              </a:ext>
+            </a:extLst>
+          </p:cNvPr>
+          <p:cNvSpPr txBox="1"/>
+          <p:nvPr/>
+        </p:nvSpPr>
+        <p:spPr>
+          <a:xfrm>
+            <a:off x="7392769" y="2110104"/>
+            <a:ext cx="893193" cy="369332"/>
+          </a:xfrm>
+          <a:prstGeom prst="rect">
+            <a:avLst/>
+          </a:prstGeom>
+          <a:noFill/>
+        </p:spPr>
+        <p:txBody>
+          <a:bodyPr wrap="none" rtlCol="0">
+            <a:spAutoFit/>
+          </a:bodyPr>
+          <a:lstStyle/>
+          <a:p>
+            <a:r>
+              <a:rPr lang="tr-TR" dirty="0"/>
+              <a:t>MEGA</a:t>
+            </a:r>
+          </a:p>
+        </p:txBody>
+      </p:sp>
+    </p:spTree>
+    <p:extLst>
+      <p:ext uri="{BB962C8B-B14F-4D97-AF65-F5344CB8AC3E}">
+        <p14:creationId xmlns:p14="http://schemas.microsoft.com/office/powerpoint/2010/main" val="1896615299"/>
+      </p:ext>
+    </p:extLst>
+  </p:cSld>
+  <p:clrMapOvr>
+    <a:masterClrMapping/>
+  </p:clrMapOvr>
+</p:sld>
+</file>
+
+<file path=ppt/slides/slide24.xml><?xml version="1.0" encoding="utf-8"?>
+<p:sld xmlns:a="http://schemas.openxmlformats.org/drawingml/2006/main" xmlns:r="http://schemas.openxmlformats.org/officeDocument/2006/relationships" xmlns:p="http://schemas.openxmlformats.org/presentationml/2006/main">
+  <p:cSld>
+    <p:spTree>
+      <p:nvGrpSpPr>
+        <p:cNvPr id="1" name=""/>
+        <p:cNvGrpSpPr/>
+        <p:nvPr/>
+      </p:nvGrpSpPr>
+      <p:grpSpPr>
+        <a:xfrm>
+          <a:off x="0" y="0"/>
+          <a:ext cx="0" cy="0"/>
+          <a:chOff x="0" y="0"/>
+          <a:chExt cx="0" cy="0"/>
+        </a:xfrm>
+      </p:grpSpPr>
+      <p:sp>
+        <p:nvSpPr>
+          <p:cNvPr id="2" name="Başlık 1">
+            <a:extLst>
+              <a:ext uri="{FF2B5EF4-FFF2-40B4-BE49-F238E27FC236}">
+                <a16:creationId xmlns:a16="http://schemas.microsoft.com/office/drawing/2014/main" id="{82EA816A-884F-4744-B4DF-80F3A5F351C4}"/>
+              </a:ext>
+            </a:extLst>
+          </p:cNvPr>
+          <p:cNvSpPr>
+            <a:spLocks noGrp="1"/>
+          </p:cNvSpPr>
+          <p:nvPr>
+            <p:ph type="title"/>
+          </p:nvPr>
+        </p:nvSpPr>
+        <p:spPr/>
+        <p:txBody>
+          <a:bodyPr/>
+          <a:lstStyle/>
+          <a:p>
+            <a:r>
+              <a:rPr lang="tr-TR" dirty="0"/>
+              <a:t>Bilgisayar için araştırılan kaynaklar</a:t>
+            </a:r>
+          </a:p>
+        </p:txBody>
+      </p:sp>
+      <p:sp>
+        <p:nvSpPr>
+          <p:cNvPr id="3" name="İçerik Yer Tutucusu 2">
+            <a:extLst>
+              <a:ext uri="{FF2B5EF4-FFF2-40B4-BE49-F238E27FC236}">
+                <a16:creationId xmlns:a16="http://schemas.microsoft.com/office/drawing/2014/main" id="{403CC034-9093-1A43-BEB9-8D361EB09E77}"/>
+              </a:ext>
+            </a:extLst>
+          </p:cNvPr>
+          <p:cNvSpPr>
+            <a:spLocks noGrp="1"/>
+          </p:cNvSpPr>
+          <p:nvPr>
+            <p:ph idx="1"/>
+          </p:nvPr>
+        </p:nvSpPr>
+        <p:spPr/>
+        <p:txBody>
+          <a:bodyPr/>
+          <a:lstStyle/>
+          <a:p>
+            <a:r>
+              <a:rPr lang="tr-TR" dirty="0">
+                <a:hlinkClick r:id="rId2"/>
+              </a:rPr>
+              <a:t>https://maker.pro/arduino/tutorial/a-comparison-of-popular-arduino-boards</a:t>
+            </a:r>
+            <a:endParaRPr lang="tr-TR" dirty="0"/>
+          </a:p>
+          <a:p>
+            <a:r>
+              <a:rPr lang="tr-TR" dirty="0">
+                <a:hlinkClick r:id="rId3"/>
+              </a:rPr>
+              <a:t>https://diyot.net/arduino-kartlarin-temel-ozelliklerinin-karsilastirilmasi/</a:t>
+            </a:r>
+            <a:endParaRPr lang="tr-TR" dirty="0"/>
+          </a:p>
+          <a:p>
+            <a:r>
+              <a:rPr lang="tr-TR" dirty="0" err="1"/>
+              <a:t>https</a:t>
+            </a:r>
+            <a:r>
+              <a:rPr lang="tr-TR" dirty="0"/>
+              <a:t>://</a:t>
+            </a:r>
+            <a:r>
+              <a:rPr lang="tr-TR" dirty="0" err="1"/>
+              <a:t>geekhack.org</a:t>
+            </a:r>
+            <a:r>
+              <a:rPr lang="tr-TR" dirty="0"/>
+              <a:t>/</a:t>
+            </a:r>
+            <a:r>
+              <a:rPr lang="tr-TR" dirty="0" err="1"/>
+              <a:t>index.php?topic</a:t>
+            </a:r>
+            <a:r>
+              <a:rPr lang="tr-TR"/>
+              <a:t>=83238.0</a:t>
+            </a:r>
+            <a:endParaRPr lang="tr-TR" dirty="0"/>
+          </a:p>
+        </p:txBody>
+      </p:sp>
+    </p:spTree>
+    <p:extLst>
+      <p:ext uri="{BB962C8B-B14F-4D97-AF65-F5344CB8AC3E}">
+        <p14:creationId xmlns:p14="http://schemas.microsoft.com/office/powerpoint/2010/main" val="770590499"/>
+      </p:ext>
+    </p:extLst>
+  </p:cSld>
+  <p:clrMapOvr>
+    <a:masterClrMapping/>
+  </p:clrMapOvr>
+</p:sld>
+</file>
+
 <file path=ppt/slides/slide3.xml><?xml version="1.0" encoding="utf-8"?>
 <p:sld xmlns:a="http://schemas.openxmlformats.org/drawingml/2006/main" xmlns:r="http://schemas.openxmlformats.org/officeDocument/2006/relationships" xmlns:p="http://schemas.openxmlformats.org/presentationml/2006/main">
   <p:cSld>
@@ -6353,8 +9334,8 @@
         </p:nvSpPr>
         <p:spPr>
           <a:xfrm>
-            <a:off x="1143001" y="2476500"/>
-            <a:ext cx="9905998" cy="1905000"/>
+            <a:off x="699739" y="2476500"/>
+            <a:ext cx="10792521" cy="1905000"/>
           </a:xfrm>
         </p:spPr>
         <p:txBody>
@@ -6364,7 +9345,7 @@
             <a:pPr algn="ctr"/>
             <a:r>
               <a:rPr lang="tr-TR" dirty="0"/>
-              <a:t>PCB için kullanılması gereken uygulamalar</a:t>
+              <a:t>PCB çizmek kullanılan popüler uygulamalar</a:t>
             </a:r>
           </a:p>
         </p:txBody>
@@ -6692,7 +9673,7 @@
           <a:p>
             <a:r>
               <a:rPr lang="tr-TR" dirty="0"/>
-              <a:t>Simülasyon özelliği olduğu için bu çok büyük bir artıdır.</a:t>
+              <a:t>Simülasyon özelliği ek bir artıdır.</a:t>
             </a:r>
           </a:p>
           <a:p>

--- a/presentations/avionic selector.pptx
+++ b/presentations/avionic selector.pptx
@@ -20,15 +20,19 @@
     <p:sldId id="273" r:id="rId14"/>
     <p:sldId id="274" r:id="rId15"/>
     <p:sldId id="276" r:id="rId16"/>
-    <p:sldId id="268" r:id="rId17"/>
-    <p:sldId id="269" r:id="rId18"/>
-    <p:sldId id="271" r:id="rId19"/>
-    <p:sldId id="277" r:id="rId20"/>
-    <p:sldId id="275" r:id="rId21"/>
-    <p:sldId id="278" r:id="rId22"/>
-    <p:sldId id="279" r:id="rId23"/>
-    <p:sldId id="270" r:id="rId24"/>
-    <p:sldId id="272" r:id="rId25"/>
+    <p:sldId id="282" r:id="rId17"/>
+    <p:sldId id="283" r:id="rId18"/>
+    <p:sldId id="268" r:id="rId19"/>
+    <p:sldId id="269" r:id="rId20"/>
+    <p:sldId id="271" r:id="rId21"/>
+    <p:sldId id="277" r:id="rId22"/>
+    <p:sldId id="275" r:id="rId23"/>
+    <p:sldId id="278" r:id="rId24"/>
+    <p:sldId id="279" r:id="rId25"/>
+    <p:sldId id="270" r:id="rId26"/>
+    <p:sldId id="280" r:id="rId27"/>
+    <p:sldId id="281" r:id="rId28"/>
+    <p:sldId id="272" r:id="rId29"/>
   </p:sldIdLst>
   <p:sldSz cx="12192000" cy="6858000"/>
   <p:notesSz cx="6858000" cy="9144000"/>
@@ -349,7 +353,7 @@
             <a:fld id="{B61BEF0D-F0BB-DE4B-95CE-6DB70DBA9567}" type="datetimeFigureOut">
               <a:rPr lang="en-US" dirty="0"/>
               <a:pPr/>
-              <a:t>9/15/21</a:t>
+              <a:t>9/19/21</a:t>
             </a:fld>
             <a:endParaRPr lang="en-US" dirty="0"/>
           </a:p>
@@ -637,7 +641,7 @@
             <a:fld id="{B61BEF0D-F0BB-DE4B-95CE-6DB70DBA9567}" type="datetimeFigureOut">
               <a:rPr lang="en-US" dirty="0"/>
               <a:pPr/>
-              <a:t>9/15/21</a:t>
+              <a:t>9/19/21</a:t>
             </a:fld>
             <a:endParaRPr lang="en-US" dirty="0"/>
           </a:p>
@@ -893,7 +897,7 @@
             <a:fld id="{B61BEF0D-F0BB-DE4B-95CE-6DB70DBA9567}" type="datetimeFigureOut">
               <a:rPr lang="en-US" dirty="0"/>
               <a:pPr/>
-              <a:t>9/15/21</a:t>
+              <a:t>9/19/21</a:t>
             </a:fld>
             <a:endParaRPr lang="en-US" dirty="0"/>
           </a:p>
@@ -1359,7 +1363,7 @@
             <a:fld id="{B61BEF0D-F0BB-DE4B-95CE-6DB70DBA9567}" type="datetimeFigureOut">
               <a:rPr lang="en-US" dirty="0"/>
               <a:pPr/>
-              <a:t>9/15/21</a:t>
+              <a:t>9/19/21</a:t>
             </a:fld>
             <a:endParaRPr lang="en-US" dirty="0"/>
           </a:p>
@@ -1536,7 +1540,7 @@
             <a:fld id="{B61BEF0D-F0BB-DE4B-95CE-6DB70DBA9567}" type="datetimeFigureOut">
               <a:rPr lang="en-US" dirty="0"/>
               <a:pPr/>
-              <a:t>9/15/21</a:t>
+              <a:t>9/19/21</a:t>
             </a:fld>
             <a:endParaRPr lang="en-US" dirty="0"/>
           </a:p>
@@ -2109,7 +2113,7 @@
             <a:fld id="{B61BEF0D-F0BB-DE4B-95CE-6DB70DBA9567}" type="datetimeFigureOut">
               <a:rPr lang="en-US" dirty="0"/>
               <a:pPr/>
-              <a:t>9/15/21</a:t>
+              <a:t>9/19/21</a:t>
             </a:fld>
             <a:endParaRPr lang="en-US" dirty="0"/>
           </a:p>
@@ -2438,7 +2442,7 @@
             <a:fld id="{B61BEF0D-F0BB-DE4B-95CE-6DB70DBA9567}" type="datetimeFigureOut">
               <a:rPr lang="en-US" dirty="0"/>
               <a:pPr/>
-              <a:t>9/15/21</a:t>
+              <a:t>9/19/21</a:t>
             </a:fld>
             <a:endParaRPr lang="en-US" dirty="0"/>
           </a:p>
@@ -2610,7 +2614,7 @@
             <a:fld id="{B61BEF0D-F0BB-DE4B-95CE-6DB70DBA9567}" type="datetimeFigureOut">
               <a:rPr lang="en-US" dirty="0"/>
               <a:pPr/>
-              <a:t>9/15/21</a:t>
+              <a:t>9/19/21</a:t>
             </a:fld>
             <a:endParaRPr lang="en-US" dirty="0"/>
           </a:p>
@@ -2787,7 +2791,7 @@
             <a:fld id="{B61BEF0D-F0BB-DE4B-95CE-6DB70DBA9567}" type="datetimeFigureOut">
               <a:rPr lang="en-US" dirty="0"/>
               <a:pPr/>
-              <a:t>9/15/21</a:t>
+              <a:t>9/19/21</a:t>
             </a:fld>
             <a:endParaRPr lang="en-US" dirty="0"/>
           </a:p>
@@ -2954,7 +2958,7 @@
             <a:fld id="{B61BEF0D-F0BB-DE4B-95CE-6DB70DBA9567}" type="datetimeFigureOut">
               <a:rPr lang="en-US" dirty="0"/>
               <a:pPr/>
-              <a:t>9/15/21</a:t>
+              <a:t>9/19/21</a:t>
             </a:fld>
             <a:endParaRPr lang="en-US" dirty="0"/>
           </a:p>
@@ -3208,7 +3212,7 @@
             <a:fld id="{B61BEF0D-F0BB-DE4B-95CE-6DB70DBA9567}" type="datetimeFigureOut">
               <a:rPr lang="en-US" dirty="0"/>
               <a:pPr/>
-              <a:t>9/15/21</a:t>
+              <a:t>9/19/21</a:t>
             </a:fld>
             <a:endParaRPr lang="en-US" dirty="0"/>
           </a:p>
@@ -3497,7 +3501,7 @@
             <a:fld id="{B61BEF0D-F0BB-DE4B-95CE-6DB70DBA9567}" type="datetimeFigureOut">
               <a:rPr lang="en-US" dirty="0"/>
               <a:pPr/>
-              <a:t>9/15/21</a:t>
+              <a:t>9/19/21</a:t>
             </a:fld>
             <a:endParaRPr lang="en-US" dirty="0"/>
           </a:p>
@@ -3924,7 +3928,7 @@
             <a:fld id="{B61BEF0D-F0BB-DE4B-95CE-6DB70DBA9567}" type="datetimeFigureOut">
               <a:rPr lang="en-US" dirty="0"/>
               <a:pPr/>
-              <a:t>9/15/21</a:t>
+              <a:t>9/19/21</a:t>
             </a:fld>
             <a:endParaRPr lang="en-US" dirty="0"/>
           </a:p>
@@ -4039,7 +4043,7 @@
             <a:fld id="{B61BEF0D-F0BB-DE4B-95CE-6DB70DBA9567}" type="datetimeFigureOut">
               <a:rPr lang="en-US" dirty="0"/>
               <a:pPr/>
-              <a:t>9/15/21</a:t>
+              <a:t>9/19/21</a:t>
             </a:fld>
             <a:endParaRPr lang="en-US" dirty="0"/>
           </a:p>
@@ -4131,7 +4135,7 @@
             <a:fld id="{B61BEF0D-F0BB-DE4B-95CE-6DB70DBA9567}" type="datetimeFigureOut">
               <a:rPr lang="en-US" dirty="0"/>
               <a:pPr/>
-              <a:t>9/15/21</a:t>
+              <a:t>9/19/21</a:t>
             </a:fld>
             <a:endParaRPr lang="en-US" dirty="0"/>
           </a:p>
@@ -4411,7 +4415,7 @@
             <a:fld id="{B61BEF0D-F0BB-DE4B-95CE-6DB70DBA9567}" type="datetimeFigureOut">
               <a:rPr lang="en-US" dirty="0"/>
               <a:pPr/>
-              <a:t>9/15/21</a:t>
+              <a:t>9/19/21</a:t>
             </a:fld>
             <a:endParaRPr lang="en-US" dirty="0"/>
           </a:p>
@@ -4699,7 +4703,7 @@
             <a:fld id="{B61BEF0D-F0BB-DE4B-95CE-6DB70DBA9567}" type="datetimeFigureOut">
               <a:rPr lang="en-US" dirty="0"/>
               <a:pPr/>
-              <a:t>9/15/21</a:t>
+              <a:t>9/19/21</a:t>
             </a:fld>
             <a:endParaRPr lang="en-US" dirty="0"/>
           </a:p>
@@ -4927,7 +4931,7 @@
             <a:fld id="{B61BEF0D-F0BB-DE4B-95CE-6DB70DBA9567}" type="datetimeFigureOut">
               <a:rPr lang="en-US" dirty="0"/>
               <a:pPr/>
-              <a:t>9/15/21</a:t>
+              <a:t>9/19/21</a:t>
             </a:fld>
             <a:endParaRPr lang="en-US" dirty="0"/>
           </a:p>
@@ -6814,7 +6818,7 @@
         </p:nvSpPr>
         <p:spPr>
           <a:xfrm>
-            <a:off x="0" y="4953000"/>
+            <a:off x="0" y="2109439"/>
             <a:ext cx="9905998" cy="1905000"/>
           </a:xfrm>
         </p:spPr>
@@ -7062,6 +7066,647 @@
           <p:cNvPr id="2" name="Başlık 1">
             <a:extLst>
               <a:ext uri="{FF2B5EF4-FFF2-40B4-BE49-F238E27FC236}">
+                <a16:creationId xmlns:a16="http://schemas.microsoft.com/office/drawing/2014/main" id="{38639BE7-3BD1-9E42-B478-416EF956BC4D}"/>
+              </a:ext>
+            </a:extLst>
+          </p:cNvPr>
+          <p:cNvSpPr>
+            <a:spLocks noGrp="1"/>
+          </p:cNvSpPr>
+          <p:nvPr>
+            <p:ph type="title"/>
+          </p:nvPr>
+        </p:nvSpPr>
+        <p:spPr>
+          <a:xfrm>
+            <a:off x="0" y="-193288"/>
+            <a:ext cx="9905998" cy="1905000"/>
+          </a:xfrm>
+        </p:spPr>
+        <p:txBody>
+          <a:bodyPr/>
+          <a:lstStyle/>
+          <a:p>
+            <a:r>
+              <a:rPr lang="tr-TR" dirty="0" err="1">
+                <a:effectLst/>
+              </a:rPr>
+              <a:t>Mikroislemci</a:t>
+            </a:r>
+            <a:r>
+              <a:rPr lang="tr-TR" dirty="0">
+                <a:effectLst/>
+              </a:rPr>
+              <a:t> ile </a:t>
+            </a:r>
+            <a:r>
+              <a:rPr lang="tr-TR" dirty="0" err="1">
+                <a:effectLst/>
+              </a:rPr>
+              <a:t>Mikrodenetleyici</a:t>
+            </a:r>
+            <a:r>
+              <a:rPr lang="tr-TR" dirty="0">
+                <a:effectLst/>
+              </a:rPr>
+              <a:t> Nedir ?</a:t>
+            </a:r>
+            <a:br>
+              <a:rPr lang="tr-TR" dirty="0">
+                <a:effectLst/>
+              </a:rPr>
+            </a:br>
+            <a:endParaRPr lang="tr-TR" dirty="0"/>
+          </a:p>
+        </p:txBody>
+      </p:sp>
+      <p:sp>
+        <p:nvSpPr>
+          <p:cNvPr id="3" name="İçerik Yer Tutucusu 2">
+            <a:extLst>
+              <a:ext uri="{FF2B5EF4-FFF2-40B4-BE49-F238E27FC236}">
+                <a16:creationId xmlns:a16="http://schemas.microsoft.com/office/drawing/2014/main" id="{7295503B-0DE8-DD4C-B1D7-295913B49E03}"/>
+              </a:ext>
+            </a:extLst>
+          </p:cNvPr>
+          <p:cNvSpPr>
+            <a:spLocks noGrp="1"/>
+          </p:cNvSpPr>
+          <p:nvPr>
+            <p:ph idx="1"/>
+          </p:nvPr>
+        </p:nvSpPr>
+        <p:spPr>
+          <a:xfrm>
+            <a:off x="0" y="2377067"/>
+            <a:ext cx="9905998" cy="3124201"/>
+          </a:xfrm>
+        </p:spPr>
+        <p:txBody>
+          <a:bodyPr>
+            <a:noAutofit/>
+          </a:bodyPr>
+          <a:lstStyle/>
+          <a:p>
+            <a:r>
+              <a:rPr lang="tr-TR" sz="1200" b="1" dirty="0">
+                <a:effectLst/>
+              </a:rPr>
+              <a:t>Mikroişlemci nedir?</a:t>
+            </a:r>
+          </a:p>
+          <a:p>
+            <a:r>
+              <a:rPr lang="tr-TR" sz="1200" dirty="0">
+                <a:effectLst/>
+              </a:rPr>
+              <a:t>Yapısında bir CPU (Central </a:t>
+            </a:r>
+            <a:r>
+              <a:rPr lang="tr-TR" sz="1200" dirty="0" err="1">
+                <a:effectLst/>
+              </a:rPr>
+              <a:t>Processing</a:t>
+            </a:r>
+            <a:r>
+              <a:rPr lang="tr-TR" sz="1200" dirty="0">
+                <a:effectLst/>
+              </a:rPr>
+              <a:t> </a:t>
+            </a:r>
+            <a:r>
+              <a:rPr lang="tr-TR" sz="1200" dirty="0" err="1">
+                <a:effectLst/>
+              </a:rPr>
+              <a:t>Unit</a:t>
+            </a:r>
+            <a:r>
+              <a:rPr lang="tr-TR" sz="1200" dirty="0">
+                <a:effectLst/>
+              </a:rPr>
+              <a:t>/Merkezi İşlem Birimi), ön bellek ve </a:t>
+            </a:r>
+            <a:r>
+              <a:rPr lang="tr-TR" sz="1200" dirty="0" err="1">
+                <a:effectLst/>
+              </a:rPr>
+              <a:t>input</a:t>
+            </a:r>
+            <a:r>
+              <a:rPr lang="tr-TR" sz="1200" dirty="0">
+                <a:effectLst/>
+              </a:rPr>
+              <a:t>/</a:t>
+            </a:r>
+            <a:r>
+              <a:rPr lang="tr-TR" sz="1200" dirty="0" err="1">
+                <a:effectLst/>
+              </a:rPr>
+              <a:t>output</a:t>
+            </a:r>
+            <a:r>
+              <a:rPr lang="tr-TR" sz="1200" dirty="0">
+                <a:effectLst/>
+              </a:rPr>
+              <a:t> (giriş/çıkış) birimleri bulunan devrelere mikroişlemci denir. Özetle mikroişlemci, bilgisayardır. Mikroişlemciler, bulundukları elektronik yapıların beynidir. Bağlı oldukları mekanizmanın kontrolünü sağlarlar.</a:t>
+            </a:r>
+          </a:p>
+          <a:p>
+            <a:r>
+              <a:rPr lang="tr-TR" sz="1200" b="1" dirty="0" err="1">
+                <a:effectLst/>
+              </a:rPr>
+              <a:t>Mikrodenetleyici</a:t>
+            </a:r>
+            <a:r>
+              <a:rPr lang="tr-TR" sz="1200" b="1" dirty="0">
+                <a:effectLst/>
+              </a:rPr>
+              <a:t> nedir?</a:t>
+            </a:r>
+          </a:p>
+          <a:p>
+            <a:r>
+              <a:rPr lang="tr-TR" sz="1200" dirty="0" err="1">
+                <a:effectLst/>
+              </a:rPr>
+              <a:t>Mikrodenetleyici</a:t>
+            </a:r>
+            <a:r>
+              <a:rPr lang="tr-TR" sz="1200" dirty="0">
+                <a:effectLst/>
+              </a:rPr>
+              <a:t>, dışarıdan gelen bir veriyi (programı) hafızasına alan, derleyen ve sonucunda da çıktı elde eden bir bilgisayardır. </a:t>
+            </a:r>
+            <a:r>
+              <a:rPr lang="tr-TR" sz="1200" dirty="0" err="1">
+                <a:effectLst/>
+              </a:rPr>
+              <a:t>Mikrodenetleyicinin</a:t>
+            </a:r>
+            <a:r>
+              <a:rPr lang="tr-TR" sz="1200" dirty="0">
+                <a:effectLst/>
+              </a:rPr>
+              <a:t> yapısında:</a:t>
+            </a:r>
+          </a:p>
+          <a:p>
+            <a:r>
+              <a:rPr lang="tr-TR" sz="1200" dirty="0">
+                <a:effectLst/>
+              </a:rPr>
+              <a:t>CPU</a:t>
+            </a:r>
+          </a:p>
+          <a:p>
+            <a:r>
+              <a:rPr lang="tr-TR" sz="1200" dirty="0">
+                <a:effectLst/>
+              </a:rPr>
+              <a:t>RAM</a:t>
+            </a:r>
+          </a:p>
+          <a:p>
+            <a:r>
+              <a:rPr lang="tr-TR" sz="1200" dirty="0">
+                <a:effectLst/>
+              </a:rPr>
+              <a:t>ROM</a:t>
+            </a:r>
+          </a:p>
+          <a:p>
+            <a:r>
+              <a:rPr lang="tr-TR" sz="1200" dirty="0">
+                <a:effectLst/>
+              </a:rPr>
+              <a:t>I/O Portları</a:t>
+            </a:r>
+          </a:p>
+          <a:p>
+            <a:r>
+              <a:rPr lang="tr-TR" sz="1200" dirty="0">
+                <a:effectLst/>
+              </a:rPr>
+              <a:t>Seri ve Paralel Portlar</a:t>
+            </a:r>
+          </a:p>
+          <a:p>
+            <a:r>
+              <a:rPr lang="tr-TR" sz="1200" dirty="0">
+                <a:effectLst/>
+              </a:rPr>
+              <a:t>Sayıcılar</a:t>
+            </a:r>
+          </a:p>
+          <a:p>
+            <a:r>
+              <a:rPr lang="tr-TR" sz="1200" dirty="0">
+                <a:effectLst/>
+              </a:rPr>
+              <a:t>Bazılarında da A/D (Analog </a:t>
+            </a:r>
+            <a:r>
+              <a:rPr lang="tr-TR" sz="1200" dirty="0" err="1">
+                <a:effectLst/>
+              </a:rPr>
+              <a:t>to</a:t>
+            </a:r>
+            <a:r>
+              <a:rPr lang="tr-TR" sz="1200" dirty="0">
+                <a:effectLst/>
+              </a:rPr>
+              <a:t> </a:t>
+            </a:r>
+            <a:r>
+              <a:rPr lang="tr-TR" sz="1200" dirty="0" err="1">
+                <a:effectLst/>
+              </a:rPr>
+              <a:t>Digital</a:t>
+            </a:r>
+            <a:r>
+              <a:rPr lang="tr-TR" sz="1200" dirty="0">
+                <a:effectLst/>
+              </a:rPr>
+              <a:t>) ve D/A (</a:t>
+            </a:r>
+            <a:r>
+              <a:rPr lang="tr-TR" sz="1200" dirty="0" err="1">
+                <a:effectLst/>
+              </a:rPr>
+              <a:t>Digital</a:t>
+            </a:r>
+            <a:r>
+              <a:rPr lang="tr-TR" sz="1200" dirty="0">
+                <a:effectLst/>
+              </a:rPr>
+              <a:t> </a:t>
+            </a:r>
+            <a:r>
+              <a:rPr lang="tr-TR" sz="1200" dirty="0" err="1">
+                <a:effectLst/>
+              </a:rPr>
+              <a:t>to</a:t>
+            </a:r>
+            <a:r>
+              <a:rPr lang="tr-TR" sz="1200" dirty="0">
+                <a:effectLst/>
+              </a:rPr>
+              <a:t> Analog) çeviriciler bulunur.</a:t>
+            </a:r>
+          </a:p>
+          <a:p>
+            <a:r>
+              <a:rPr lang="tr-TR" sz="1200" b="1" u="sng" dirty="0" err="1">
+                <a:effectLst/>
+              </a:rPr>
+              <a:t>Mikrodenetleyici</a:t>
+            </a:r>
+            <a:r>
+              <a:rPr lang="tr-TR" sz="1200" b="1" u="sng" dirty="0">
+                <a:effectLst/>
+              </a:rPr>
+              <a:t> ve Mikroişlemci Arasındaki Farklar Nelerdir?</a:t>
+            </a:r>
+            <a:endParaRPr lang="tr-TR" sz="1200" dirty="0">
+              <a:effectLst/>
+            </a:endParaRPr>
+          </a:p>
+          <a:p>
+            <a:r>
+              <a:rPr lang="tr-TR" sz="1200" dirty="0">
+                <a:effectLst/>
+              </a:rPr>
+              <a:t>Mikroişlemci ile </a:t>
+            </a:r>
+            <a:r>
+              <a:rPr lang="tr-TR" sz="1200" dirty="0" err="1">
+                <a:effectLst/>
+              </a:rPr>
+              <a:t>mikrodenetleyici</a:t>
+            </a:r>
+            <a:r>
+              <a:rPr lang="tr-TR" sz="1200" dirty="0">
+                <a:effectLst/>
+              </a:rPr>
+              <a:t> birbirine karıştırılmamalıdır. </a:t>
+            </a:r>
+            <a:r>
+              <a:rPr lang="tr-TR" sz="1200" dirty="0" err="1">
+                <a:effectLst/>
+              </a:rPr>
+              <a:t>Mikrodenetleyiciler</a:t>
+            </a:r>
+            <a:r>
+              <a:rPr lang="tr-TR" sz="1200" dirty="0">
+                <a:effectLst/>
+              </a:rPr>
+              <a:t>, yapılarında mikroişlemcileri de içermektedir. Mikroişlemcilerin yapısında CPU, ön bellek ve I/O portları olmasına karşın </a:t>
+            </a:r>
+            <a:r>
+              <a:rPr lang="tr-TR" sz="1200" dirty="0" err="1">
+                <a:effectLst/>
+              </a:rPr>
+              <a:t>mikrodenetleyicilerde</a:t>
+            </a:r>
+            <a:r>
+              <a:rPr lang="tr-TR" sz="1200" dirty="0">
+                <a:effectLst/>
+              </a:rPr>
+              <a:t> ayrıca seri ve paralel portlar, sayıcılar ve çeviriciler (</a:t>
+            </a:r>
+            <a:r>
+              <a:rPr lang="tr-TR" sz="1200" dirty="0" err="1">
+                <a:effectLst/>
+              </a:rPr>
+              <a:t>converter</a:t>
+            </a:r>
+            <a:r>
+              <a:rPr lang="tr-TR" sz="1200" dirty="0">
+                <a:effectLst/>
+              </a:rPr>
+              <a:t>) de bulunmaktadır. </a:t>
+            </a:r>
+            <a:r>
+              <a:rPr lang="tr-TR" sz="1200" dirty="0" err="1">
+                <a:effectLst/>
+              </a:rPr>
+              <a:t>Mikrodenetleyiciler</a:t>
+            </a:r>
+            <a:r>
+              <a:rPr lang="tr-TR" sz="1200" dirty="0">
+                <a:effectLst/>
+              </a:rPr>
+              <a:t>, gerçek zamanlı uygulamalarda daha başarılı çalışmaktadırlar. </a:t>
+            </a:r>
+            <a:r>
+              <a:rPr lang="tr-TR" sz="1200" dirty="0" err="1">
+                <a:effectLst/>
+              </a:rPr>
+              <a:t>Mikrodenetleyiciler</a:t>
+            </a:r>
+            <a:r>
+              <a:rPr lang="tr-TR" sz="1200" dirty="0">
+                <a:effectLst/>
+              </a:rPr>
+              <a:t> bu işi çok küçük boyutlarda ve daha az enerji harcayarak yapabilmektedirler. Bunun </a:t>
+            </a:r>
+            <a:r>
+              <a:rPr lang="tr-TR" sz="1200" dirty="0" err="1">
+                <a:effectLst/>
+              </a:rPr>
+              <a:t>yanısıra</a:t>
+            </a:r>
+            <a:r>
+              <a:rPr lang="tr-TR" sz="1200" dirty="0">
+                <a:effectLst/>
+              </a:rPr>
+              <a:t> mikroişlemciler aynı anda çoklu işlem yapabilirken </a:t>
+            </a:r>
+            <a:r>
+              <a:rPr lang="tr-TR" sz="1200" dirty="0" err="1">
+                <a:effectLst/>
+              </a:rPr>
+              <a:t>mikrodenetleyiciler</a:t>
+            </a:r>
+            <a:r>
+              <a:rPr lang="tr-TR" sz="1200" dirty="0">
+                <a:effectLst/>
+              </a:rPr>
+              <a:t> aynı anda tek bir iş yapabilmektedir.</a:t>
+            </a:r>
+            <a:endParaRPr lang="tr-TR" sz="1200" dirty="0"/>
+          </a:p>
+        </p:txBody>
+      </p:sp>
+    </p:spTree>
+    <p:extLst>
+      <p:ext uri="{BB962C8B-B14F-4D97-AF65-F5344CB8AC3E}">
+        <p14:creationId xmlns:p14="http://schemas.microsoft.com/office/powerpoint/2010/main" val="1332010293"/>
+      </p:ext>
+    </p:extLst>
+  </p:cSld>
+  <p:clrMapOvr>
+    <a:masterClrMapping/>
+  </p:clrMapOvr>
+</p:sld>
+</file>
+
+<file path=ppt/slides/slide17.xml><?xml version="1.0" encoding="utf-8"?>
+<p:sld xmlns:a="http://schemas.openxmlformats.org/drawingml/2006/main" xmlns:r="http://schemas.openxmlformats.org/officeDocument/2006/relationships" xmlns:p="http://schemas.openxmlformats.org/presentationml/2006/main">
+  <p:cSld>
+    <p:spTree>
+      <p:nvGrpSpPr>
+        <p:cNvPr id="1" name=""/>
+        <p:cNvGrpSpPr/>
+        <p:nvPr/>
+      </p:nvGrpSpPr>
+      <p:grpSpPr>
+        <a:xfrm>
+          <a:off x="0" y="0"/>
+          <a:ext cx="0" cy="0"/>
+          <a:chOff x="0" y="0"/>
+          <a:chExt cx="0" cy="0"/>
+        </a:xfrm>
+      </p:grpSpPr>
+      <p:sp>
+        <p:nvSpPr>
+          <p:cNvPr id="2" name="Başlık 1">
+            <a:extLst>
+              <a:ext uri="{FF2B5EF4-FFF2-40B4-BE49-F238E27FC236}">
+                <a16:creationId xmlns:a16="http://schemas.microsoft.com/office/drawing/2014/main" id="{8DCAEFA5-84BC-3D4D-8739-A1647AD6C0E5}"/>
+              </a:ext>
+            </a:extLst>
+          </p:cNvPr>
+          <p:cNvSpPr>
+            <a:spLocks noGrp="1"/>
+          </p:cNvSpPr>
+          <p:nvPr>
+            <p:ph type="title"/>
+          </p:nvPr>
+        </p:nvSpPr>
+        <p:spPr/>
+        <p:txBody>
+          <a:bodyPr/>
+          <a:lstStyle/>
+          <a:p>
+            <a:r>
+              <a:rPr lang="tr-TR" dirty="0"/>
+              <a:t>Nasıl kodlanır ?</a:t>
+            </a:r>
+          </a:p>
+        </p:txBody>
+      </p:sp>
+      <p:sp>
+        <p:nvSpPr>
+          <p:cNvPr id="3" name="İçerik Yer Tutucusu 2">
+            <a:extLst>
+              <a:ext uri="{FF2B5EF4-FFF2-40B4-BE49-F238E27FC236}">
+                <a16:creationId xmlns:a16="http://schemas.microsoft.com/office/drawing/2014/main" id="{9267D752-AF26-5242-B227-43CB4E66144A}"/>
+              </a:ext>
+            </a:extLst>
+          </p:cNvPr>
+          <p:cNvSpPr>
+            <a:spLocks noGrp="1"/>
+          </p:cNvSpPr>
+          <p:nvPr>
+            <p:ph idx="1"/>
+          </p:nvPr>
+        </p:nvSpPr>
+        <p:spPr/>
+        <p:txBody>
+          <a:bodyPr>
+            <a:normAutofit lnSpcReduction="10000"/>
+          </a:bodyPr>
+          <a:lstStyle/>
+          <a:p>
+            <a:r>
+              <a:rPr lang="tr-TR" b="1" u="sng" dirty="0" err="1">
+                <a:effectLst/>
+              </a:rPr>
+              <a:t>Mikrodenetleyici</a:t>
+            </a:r>
+            <a:r>
+              <a:rPr lang="tr-TR" b="1" u="sng" dirty="0">
+                <a:effectLst/>
+              </a:rPr>
+              <a:t> Programlama Nasıl Yapılır?</a:t>
+            </a:r>
+            <a:endParaRPr lang="tr-TR" dirty="0">
+              <a:effectLst/>
+            </a:endParaRPr>
+          </a:p>
+          <a:p>
+            <a:r>
+              <a:rPr lang="tr-TR" dirty="0" err="1">
+                <a:effectLst/>
+              </a:rPr>
+              <a:t>Mikrodenetleyicilerin</a:t>
+            </a:r>
+            <a:r>
+              <a:rPr lang="tr-TR" dirty="0">
+                <a:effectLst/>
+              </a:rPr>
+              <a:t> programlanabilmesi için komut satırlarından oluşan bir yazılıma ihtiyaç vardır. Her </a:t>
+            </a:r>
+            <a:r>
+              <a:rPr lang="tr-TR" dirty="0" err="1">
+                <a:effectLst/>
+              </a:rPr>
+              <a:t>mikrodenetleyici</a:t>
+            </a:r>
+            <a:r>
+              <a:rPr lang="tr-TR" dirty="0">
+                <a:effectLst/>
+              </a:rPr>
+              <a:t> için farklı bir derleyici, derlenen programın aktarılması için farklı programlar vardır. Örneğin aşağıdaki örnekte verildiği gibi, </a:t>
+            </a:r>
+            <a:r>
+              <a:rPr lang="tr-TR" dirty="0" err="1">
+                <a:effectLst/>
+              </a:rPr>
+              <a:t>Mikrochip</a:t>
+            </a:r>
+            <a:r>
+              <a:rPr lang="tr-TR" dirty="0">
+                <a:effectLst/>
+              </a:rPr>
+              <a:t> firmasının ürünü olan PIC ailesindeki </a:t>
+            </a:r>
+            <a:r>
+              <a:rPr lang="tr-TR" dirty="0" err="1">
+                <a:effectLst/>
+              </a:rPr>
+              <a:t>mikrodenetleyiciler</a:t>
+            </a:r>
+            <a:r>
+              <a:rPr lang="tr-TR" dirty="0">
+                <a:effectLst/>
+              </a:rPr>
+              <a:t> için özel programlama kartları bulunmaktadır. </a:t>
+            </a:r>
+            <a:r>
+              <a:rPr lang="tr-TR" dirty="0" err="1">
+                <a:effectLst/>
+              </a:rPr>
+              <a:t>Mikrodenetleyicinin</a:t>
+            </a:r>
+            <a:r>
+              <a:rPr lang="tr-TR" dirty="0">
+                <a:effectLst/>
+              </a:rPr>
+              <a:t> programlanabilmesi için karta sabitlenmesi, kartın da bilgisayara bağlanması gerekmektedir. Bilgisayardaki yazılım makine diline derlendikten sonra </a:t>
+            </a:r>
+            <a:r>
+              <a:rPr lang="tr-TR" dirty="0" err="1">
+                <a:effectLst/>
+              </a:rPr>
+              <a:t>mikrodenetleyici</a:t>
+            </a:r>
+            <a:r>
+              <a:rPr lang="tr-TR" dirty="0">
+                <a:effectLst/>
+              </a:rPr>
+              <a:t> tipi seçilerek yazılım karta aktarılır. Bu şekilde karta sabitlenen </a:t>
+            </a:r>
+            <a:r>
+              <a:rPr lang="tr-TR" dirty="0" err="1">
+                <a:effectLst/>
+              </a:rPr>
+              <a:t>mikrodenetleyici</a:t>
+            </a:r>
+            <a:r>
+              <a:rPr lang="tr-TR" dirty="0">
+                <a:effectLst/>
+              </a:rPr>
+              <a:t> programlanmış olur.</a:t>
+            </a:r>
+          </a:p>
+          <a:p>
+            <a:endParaRPr lang="tr-TR" dirty="0">
+              <a:effectLst/>
+            </a:endParaRPr>
+          </a:p>
+          <a:p>
+            <a:endParaRPr lang="tr-TR" dirty="0"/>
+          </a:p>
+        </p:txBody>
+      </p:sp>
+    </p:spTree>
+    <p:extLst>
+      <p:ext uri="{BB962C8B-B14F-4D97-AF65-F5344CB8AC3E}">
+        <p14:creationId xmlns:p14="http://schemas.microsoft.com/office/powerpoint/2010/main" val="440308409"/>
+      </p:ext>
+    </p:extLst>
+  </p:cSld>
+  <p:clrMapOvr>
+    <a:masterClrMapping/>
+  </p:clrMapOvr>
+</p:sld>
+</file>
+
+<file path=ppt/slides/slide18.xml><?xml version="1.0" encoding="utf-8"?>
+<p:sld xmlns:a="http://schemas.openxmlformats.org/drawingml/2006/main" xmlns:r="http://schemas.openxmlformats.org/officeDocument/2006/relationships" xmlns:p="http://schemas.openxmlformats.org/presentationml/2006/main">
+  <p:cSld>
+    <p:spTree>
+      <p:nvGrpSpPr>
+        <p:cNvPr id="1" name=""/>
+        <p:cNvGrpSpPr/>
+        <p:nvPr/>
+      </p:nvGrpSpPr>
+      <p:grpSpPr>
+        <a:xfrm>
+          <a:off x="0" y="0"/>
+          <a:ext cx="0" cy="0"/>
+          <a:chOff x="0" y="0"/>
+          <a:chExt cx="0" cy="0"/>
+        </a:xfrm>
+      </p:grpSpPr>
+      <p:sp>
+        <p:nvSpPr>
+          <p:cNvPr id="2" name="Başlık 1">
+            <a:extLst>
+              <a:ext uri="{FF2B5EF4-FFF2-40B4-BE49-F238E27FC236}">
                 <a16:creationId xmlns:a16="http://schemas.microsoft.com/office/drawing/2014/main" id="{4526E937-CBD4-294E-A60A-337A00A9FB87}"/>
               </a:ext>
             </a:extLst>
@@ -7175,7 +7820,7 @@
 </p:sld>
 </file>
 
-<file path=ppt/slides/slide17.xml><?xml version="1.0" encoding="utf-8"?>
+<file path=ppt/slides/slide19.xml><?xml version="1.0" encoding="utf-8"?>
 <p:sld xmlns:a="http://schemas.openxmlformats.org/drawingml/2006/main" xmlns:r="http://schemas.openxmlformats.org/officeDocument/2006/relationships" xmlns:p="http://schemas.openxmlformats.org/presentationml/2006/main">
   <p:cSld>
     <p:spTree>
@@ -7385,649 +8030,6 @@
     <p:extLst>
       <p:ext uri="{BB962C8B-B14F-4D97-AF65-F5344CB8AC3E}">
         <p14:creationId xmlns:p14="http://schemas.microsoft.com/office/powerpoint/2010/main" val="3938621325"/>
-      </p:ext>
-    </p:extLst>
-  </p:cSld>
-  <p:clrMapOvr>
-    <a:masterClrMapping/>
-  </p:clrMapOvr>
-</p:sld>
-</file>
-
-<file path=ppt/slides/slide18.xml><?xml version="1.0" encoding="utf-8"?>
-<p:sld xmlns:a="http://schemas.openxmlformats.org/drawingml/2006/main" xmlns:r="http://schemas.openxmlformats.org/officeDocument/2006/relationships" xmlns:p="http://schemas.openxmlformats.org/presentationml/2006/main">
-  <p:cSld>
-    <p:spTree>
-      <p:nvGrpSpPr>
-        <p:cNvPr id="1" name=""/>
-        <p:cNvGrpSpPr/>
-        <p:nvPr/>
-      </p:nvGrpSpPr>
-      <p:grpSpPr>
-        <a:xfrm>
-          <a:off x="0" y="0"/>
-          <a:ext cx="0" cy="0"/>
-          <a:chOff x="0" y="0"/>
-          <a:chExt cx="0" cy="0"/>
-        </a:xfrm>
-      </p:grpSpPr>
-      <p:sp>
-        <p:nvSpPr>
-          <p:cNvPr id="2" name="Başlık 1">
-            <a:extLst>
-              <a:ext uri="{FF2B5EF4-FFF2-40B4-BE49-F238E27FC236}">
-                <a16:creationId xmlns:a16="http://schemas.microsoft.com/office/drawing/2014/main" id="{689C6F26-9335-684F-85C6-5A8A78D84E77}"/>
-              </a:ext>
-            </a:extLst>
-          </p:cNvPr>
-          <p:cNvSpPr>
-            <a:spLocks noGrp="1"/>
-          </p:cNvSpPr>
-          <p:nvPr>
-            <p:ph type="title"/>
-          </p:nvPr>
-        </p:nvSpPr>
-        <p:spPr/>
-        <p:txBody>
-          <a:bodyPr/>
-          <a:lstStyle/>
-          <a:p>
-            <a:r>
-              <a:rPr lang="tr-TR" dirty="0"/>
-              <a:t>ARDUİNO NANO</a:t>
-            </a:r>
-          </a:p>
-        </p:txBody>
-      </p:sp>
-      <p:sp>
-        <p:nvSpPr>
-          <p:cNvPr id="3" name="İçerik Yer Tutucusu 2">
-            <a:extLst>
-              <a:ext uri="{FF2B5EF4-FFF2-40B4-BE49-F238E27FC236}">
-                <a16:creationId xmlns:a16="http://schemas.microsoft.com/office/drawing/2014/main" id="{F29ED5B3-CBFC-2B40-A187-5ECD39A1E32D}"/>
-              </a:ext>
-            </a:extLst>
-          </p:cNvPr>
-          <p:cNvSpPr>
-            <a:spLocks noGrp="1"/>
-          </p:cNvSpPr>
-          <p:nvPr>
-            <p:ph idx="1"/>
-          </p:nvPr>
-        </p:nvSpPr>
-        <p:spPr/>
-        <p:txBody>
-          <a:bodyPr>
-            <a:normAutofit fontScale="85000" lnSpcReduction="20000"/>
-          </a:bodyPr>
-          <a:lstStyle/>
-          <a:p>
-            <a:r>
-              <a:rPr lang="tr-TR" dirty="0" err="1">
-                <a:effectLst/>
-              </a:rPr>
-              <a:t>Arduino</a:t>
-            </a:r>
-            <a:r>
-              <a:rPr lang="tr-TR" dirty="0">
-                <a:effectLst/>
-              </a:rPr>
-              <a:t> </a:t>
-            </a:r>
-            <a:r>
-              <a:rPr lang="tr-TR" dirty="0" err="1">
-                <a:effectLst/>
-              </a:rPr>
-              <a:t>Nano</a:t>
-            </a:r>
-            <a:r>
-              <a:rPr lang="tr-TR" dirty="0">
-                <a:effectLst/>
-              </a:rPr>
-              <a:t> esasen çok küçük bir profile küçültülmüş bir </a:t>
-            </a:r>
-            <a:r>
-              <a:rPr lang="tr-TR" dirty="0" err="1">
-                <a:effectLst/>
-              </a:rPr>
-              <a:t>Arduino</a:t>
-            </a:r>
-            <a:r>
-              <a:rPr lang="tr-TR" dirty="0">
-                <a:effectLst/>
-              </a:rPr>
-              <a:t> UNO'dur, bu da onu dar alanlar ve mümkün olan her yerde ağırlığı azaltması gerekebilecek projeler için çok uygun hale getirir.</a:t>
-            </a:r>
-          </a:p>
-          <a:p>
-            <a:r>
-              <a:rPr lang="tr-TR" dirty="0">
-                <a:effectLst/>
-              </a:rPr>
-              <a:t>UNO gibi, </a:t>
-            </a:r>
-            <a:r>
-              <a:rPr lang="tr-TR" dirty="0" err="1">
-                <a:effectLst/>
-              </a:rPr>
-              <a:t>Nano</a:t>
-            </a:r>
-            <a:r>
-              <a:rPr lang="tr-TR" dirty="0">
-                <a:effectLst/>
-              </a:rPr>
-              <a:t> da 16MHz'de çalışan bir Atmega328 işlemci tarafından destekleniyor, 32KB program belleği, 1KB EEPROM, 2KB RAM, 14 dijital I/O, 6 analog giriş ve hem 5V hem de 3.3V güç raylarına sahip.</a:t>
-            </a:r>
-          </a:p>
-          <a:p>
-            <a:r>
-              <a:rPr lang="tr-TR" dirty="0">
-                <a:effectLst/>
-              </a:rPr>
-              <a:t>(Not - V3.0'dan önceki </a:t>
-            </a:r>
-            <a:r>
-              <a:rPr lang="tr-TR" dirty="0" err="1">
-                <a:effectLst/>
-              </a:rPr>
-              <a:t>Arduino</a:t>
-            </a:r>
-            <a:r>
-              <a:rPr lang="tr-TR" dirty="0">
-                <a:effectLst/>
-              </a:rPr>
-              <a:t> </a:t>
-            </a:r>
-            <a:r>
-              <a:rPr lang="tr-TR" dirty="0" err="1">
-                <a:effectLst/>
-              </a:rPr>
-              <a:t>Nano</a:t>
-            </a:r>
-            <a:r>
-              <a:rPr lang="tr-TR" dirty="0">
-                <a:effectLst/>
-              </a:rPr>
-              <a:t> kartları, esasen özelliklerin yarısına sahip olan ATmega168'i kullandı.)</a:t>
-            </a:r>
-          </a:p>
-          <a:p>
-            <a:r>
-              <a:rPr lang="tr-TR" dirty="0">
-                <a:effectLst/>
-              </a:rPr>
-              <a:t>Klon(</a:t>
-            </a:r>
-            <a:r>
-              <a:rPr lang="tr-TR" dirty="0" err="1">
-                <a:effectLst/>
-              </a:rPr>
-              <a:t>smd</a:t>
-            </a:r>
-            <a:r>
-              <a:rPr lang="tr-TR" dirty="0">
-                <a:effectLst/>
-              </a:rPr>
-              <a:t>) = 30-40 TL</a:t>
-            </a:r>
-          </a:p>
-          <a:p>
-            <a:r>
-              <a:rPr lang="tr-TR" dirty="0">
-                <a:effectLst/>
-              </a:rPr>
-              <a:t>Orijinal(</a:t>
-            </a:r>
-            <a:r>
-              <a:rPr lang="tr-TR" dirty="0" err="1">
-                <a:effectLst/>
-              </a:rPr>
-              <a:t>smd</a:t>
-            </a:r>
-            <a:r>
-              <a:rPr lang="tr-TR" dirty="0">
-                <a:effectLst/>
-              </a:rPr>
-              <a:t>) = 130-200 TL</a:t>
-            </a:r>
-          </a:p>
-          <a:p>
-            <a:r>
-              <a:rPr lang="tr-TR" dirty="0">
-                <a:effectLst/>
-              </a:rPr>
-              <a:t>*</a:t>
-            </a:r>
-            <a:r>
-              <a:rPr lang="tr-TR" dirty="0" err="1">
-                <a:effectLst/>
-              </a:rPr>
-              <a:t>dıp</a:t>
-            </a:r>
-            <a:r>
-              <a:rPr lang="tr-TR" dirty="0">
-                <a:effectLst/>
-              </a:rPr>
-              <a:t> yani işlemcisi tak çıkar şeklinde olanlardan yok.</a:t>
-            </a:r>
-          </a:p>
-          <a:p>
-            <a:pPr marL="0" indent="0">
-              <a:buNone/>
-            </a:pPr>
-            <a:endParaRPr lang="tr-TR" dirty="0">
-              <a:effectLst/>
-            </a:endParaRPr>
-          </a:p>
-          <a:p>
-            <a:endParaRPr lang="tr-TR" dirty="0">
-              <a:effectLst/>
-            </a:endParaRPr>
-          </a:p>
-          <a:p>
-            <a:endParaRPr lang="tr-TR" dirty="0">
-              <a:effectLst/>
-            </a:endParaRPr>
-          </a:p>
-          <a:p>
-            <a:endParaRPr lang="tr-TR" dirty="0"/>
-          </a:p>
-        </p:txBody>
-      </p:sp>
-      <p:pic>
-        <p:nvPicPr>
-          <p:cNvPr id="4" name="İçerik Yer Tutucusu 3">
-            <a:extLst>
-              <a:ext uri="{FF2B5EF4-FFF2-40B4-BE49-F238E27FC236}">
-                <a16:creationId xmlns:a16="http://schemas.microsoft.com/office/drawing/2014/main" id="{D939DB5F-AE89-F24C-A8AE-68A1FAF3EC87}"/>
-              </a:ext>
-            </a:extLst>
-          </p:cNvPr>
-          <p:cNvPicPr>
-            <a:picLocks noChangeAspect="1"/>
-          </p:cNvPicPr>
-          <p:nvPr/>
-        </p:nvPicPr>
-        <p:blipFill rotWithShape="1">
-          <a:blip r:embed="rId2"/>
-          <a:srcRect l="59279" t="47415" r="21383" b="6317"/>
-          <a:stretch/>
-        </p:blipFill>
-        <p:spPr>
-          <a:xfrm>
-            <a:off x="9854230" y="118946"/>
-            <a:ext cx="1193181" cy="1895708"/>
-          </a:xfrm>
-          <a:prstGeom prst="rect">
-            <a:avLst/>
-          </a:prstGeom>
-        </p:spPr>
-      </p:pic>
-    </p:spTree>
-    <p:extLst>
-      <p:ext uri="{BB962C8B-B14F-4D97-AF65-F5344CB8AC3E}">
-        <p14:creationId xmlns:p14="http://schemas.microsoft.com/office/powerpoint/2010/main" val="1624559626"/>
-      </p:ext>
-    </p:extLst>
-  </p:cSld>
-  <p:clrMapOvr>
-    <a:masterClrMapping/>
-  </p:clrMapOvr>
-</p:sld>
-</file>
-
-<file path=ppt/slides/slide19.xml><?xml version="1.0" encoding="utf-8"?>
-<p:sld xmlns:a="http://schemas.openxmlformats.org/drawingml/2006/main" xmlns:r="http://schemas.openxmlformats.org/officeDocument/2006/relationships" xmlns:p="http://schemas.openxmlformats.org/presentationml/2006/main">
-  <p:cSld>
-    <p:spTree>
-      <p:nvGrpSpPr>
-        <p:cNvPr id="1" name=""/>
-        <p:cNvGrpSpPr/>
-        <p:nvPr/>
-      </p:nvGrpSpPr>
-      <p:grpSpPr>
-        <a:xfrm>
-          <a:off x="0" y="0"/>
-          <a:ext cx="0" cy="0"/>
-          <a:chOff x="0" y="0"/>
-          <a:chExt cx="0" cy="0"/>
-        </a:xfrm>
-      </p:grpSpPr>
-      <p:sp>
-        <p:nvSpPr>
-          <p:cNvPr id="2" name="Başlık 1">
-            <a:extLst>
-              <a:ext uri="{FF2B5EF4-FFF2-40B4-BE49-F238E27FC236}">
-                <a16:creationId xmlns:a16="http://schemas.microsoft.com/office/drawing/2014/main" id="{3AD266B6-ED86-C440-8DD1-28878F005EDE}"/>
-              </a:ext>
-            </a:extLst>
-          </p:cNvPr>
-          <p:cNvSpPr>
-            <a:spLocks noGrp="1"/>
-          </p:cNvSpPr>
-          <p:nvPr>
-            <p:ph type="title"/>
-          </p:nvPr>
-        </p:nvSpPr>
-        <p:spPr>
-          <a:xfrm>
-            <a:off x="316222" y="173120"/>
-            <a:ext cx="9905998" cy="1171874"/>
-          </a:xfrm>
-        </p:spPr>
-        <p:txBody>
-          <a:bodyPr/>
-          <a:lstStyle/>
-          <a:p>
-            <a:r>
-              <a:rPr lang="tr-TR" dirty="0" err="1"/>
-              <a:t>Arduino</a:t>
-            </a:r>
-            <a:r>
-              <a:rPr lang="tr-TR" dirty="0"/>
-              <a:t> </a:t>
-            </a:r>
-            <a:r>
-              <a:rPr lang="tr-TR" dirty="0" err="1"/>
-              <a:t>dUE</a:t>
-            </a:r>
-            <a:endParaRPr lang="tr-TR" dirty="0"/>
-          </a:p>
-        </p:txBody>
-      </p:sp>
-      <p:sp>
-        <p:nvSpPr>
-          <p:cNvPr id="7" name="Metin kutusu 6">
-            <a:extLst>
-              <a:ext uri="{FF2B5EF4-FFF2-40B4-BE49-F238E27FC236}">
-                <a16:creationId xmlns:a16="http://schemas.microsoft.com/office/drawing/2014/main" id="{C82C8EA7-FCC0-154F-82A1-2DDD1FCCCEAF}"/>
-              </a:ext>
-            </a:extLst>
-          </p:cNvPr>
-          <p:cNvSpPr txBox="1"/>
-          <p:nvPr/>
-        </p:nvSpPr>
-        <p:spPr>
-          <a:xfrm>
-            <a:off x="316222" y="1081170"/>
-            <a:ext cx="10210528" cy="6186309"/>
-          </a:xfrm>
-          <a:prstGeom prst="rect">
-            <a:avLst/>
-          </a:prstGeom>
-          <a:noFill/>
-        </p:spPr>
-        <p:txBody>
-          <a:bodyPr wrap="square" rtlCol="0">
-            <a:spAutoFit/>
-          </a:bodyPr>
-          <a:lstStyle/>
-          <a:p>
-            <a:endParaRPr lang="tr-TR" dirty="0"/>
-          </a:p>
-          <a:p>
-            <a:endParaRPr lang="tr-TR" dirty="0"/>
-          </a:p>
-          <a:p>
-            <a:r>
-              <a:rPr lang="tr-TR" dirty="0"/>
-              <a:t>*</a:t>
-            </a:r>
-            <a:r>
-              <a:rPr lang="tr-TR" dirty="0" err="1"/>
-              <a:t>Arduino</a:t>
-            </a:r>
-            <a:r>
-              <a:rPr lang="tr-TR" dirty="0"/>
-              <a:t> </a:t>
-            </a:r>
-            <a:r>
-              <a:rPr lang="tr-TR" dirty="0" err="1"/>
-              <a:t>Due</a:t>
-            </a:r>
-            <a:r>
-              <a:rPr lang="tr-TR" dirty="0"/>
-              <a:t>, daha büyük kartlardan biridir ve aynı zamanda bir ARM işlemci tarafından desteklenen ilk </a:t>
-            </a:r>
-            <a:r>
-              <a:rPr lang="tr-TR" dirty="0" err="1"/>
-              <a:t>Arduino</a:t>
-            </a:r>
-            <a:r>
-              <a:rPr lang="tr-TR" dirty="0"/>
-              <a:t> kartıdır.</a:t>
-            </a:r>
-          </a:p>
-          <a:p>
-            <a:endParaRPr lang="tr-TR" dirty="0"/>
-          </a:p>
-          <a:p>
-            <a:endParaRPr lang="tr-TR" dirty="0"/>
-          </a:p>
-          <a:p>
-            <a:r>
-              <a:rPr lang="tr-TR" dirty="0"/>
-              <a:t>*UNO ve </a:t>
-            </a:r>
-            <a:r>
-              <a:rPr lang="tr-TR" dirty="0" err="1"/>
-              <a:t>Nano</a:t>
-            </a:r>
-            <a:r>
-              <a:rPr lang="tr-TR" dirty="0"/>
-              <a:t> 5V'da çalışırken, </a:t>
-            </a:r>
-            <a:r>
-              <a:rPr lang="tr-TR" dirty="0" err="1"/>
-              <a:t>Due</a:t>
-            </a:r>
-            <a:r>
-              <a:rPr lang="tr-TR" dirty="0"/>
-              <a:t> 3,3V'da çalışır—bunun dikkate alınması önemlidir, çünkü aşırı voltaj karta onarılamaz bir şekilde zarar verir. 84MHz'de çalışan bir ATSAM3X8E Cortex-M3 ile güçlendirilen </a:t>
-            </a:r>
-            <a:r>
-              <a:rPr lang="tr-TR" dirty="0" err="1"/>
-              <a:t>Due</a:t>
-            </a:r>
-            <a:r>
-              <a:rPr lang="tr-TR" dirty="0"/>
-              <a:t>, 512KB ROM ve 96KB RAM, 54 dijital I/O </a:t>
-            </a:r>
-            <a:r>
-              <a:rPr lang="tr-TR" dirty="0" err="1"/>
-              <a:t>pini</a:t>
-            </a:r>
-            <a:r>
-              <a:rPr lang="tr-TR" dirty="0"/>
-              <a:t>, 12 PWM kanalı, 12 analog giriş ve 2 analog çıkışa sahiptir. </a:t>
-            </a:r>
-          </a:p>
-          <a:p>
-            <a:endParaRPr lang="tr-TR" dirty="0"/>
-          </a:p>
-          <a:p>
-            <a:endParaRPr lang="tr-TR" dirty="0"/>
-          </a:p>
-          <a:p>
-            <a:r>
-              <a:rPr lang="tr-TR" dirty="0"/>
-              <a:t>*</a:t>
-            </a:r>
-            <a:r>
-              <a:rPr lang="tr-TR" dirty="0" err="1"/>
-              <a:t>Due</a:t>
-            </a:r>
-            <a:r>
-              <a:rPr lang="tr-TR" dirty="0"/>
-              <a:t>, yerleşik </a:t>
-            </a:r>
-            <a:r>
-              <a:rPr lang="tr-TR" dirty="0" err="1"/>
-              <a:t>EEPROM'a</a:t>
-            </a:r>
-            <a:r>
-              <a:rPr lang="tr-TR" dirty="0"/>
-              <a:t> sahip değildir ve daha pahalı </a:t>
-            </a:r>
-            <a:r>
-              <a:rPr lang="tr-TR" dirty="0" err="1"/>
-              <a:t>Arduino</a:t>
-            </a:r>
-            <a:r>
-              <a:rPr lang="tr-TR" dirty="0"/>
-              <a:t> kartlarından biridir. </a:t>
-            </a:r>
-            <a:r>
-              <a:rPr lang="tr-TR" dirty="0" err="1"/>
-              <a:t>Due</a:t>
-            </a:r>
-            <a:r>
-              <a:rPr lang="tr-TR" dirty="0"/>
-              <a:t>, birçok dijital I/O'ya bağlanmak için çok sayıda </a:t>
-            </a:r>
-            <a:r>
-              <a:rPr lang="tr-TR" dirty="0" err="1"/>
-              <a:t>pin</a:t>
-            </a:r>
-            <a:r>
-              <a:rPr lang="tr-TR" dirty="0"/>
-              <a:t> başlığına sahip olsa da, standart </a:t>
-            </a:r>
-            <a:r>
-              <a:rPr lang="tr-TR" dirty="0" err="1"/>
-              <a:t>Arduino</a:t>
-            </a:r>
-            <a:r>
-              <a:rPr lang="tr-TR" dirty="0"/>
-              <a:t> kalkanlarıyla </a:t>
-            </a:r>
-            <a:r>
-              <a:rPr lang="tr-TR" dirty="0" err="1"/>
-              <a:t>pin</a:t>
-            </a:r>
-            <a:r>
-              <a:rPr lang="tr-TR" dirty="0"/>
-              <a:t> uyumludur. </a:t>
-            </a:r>
-            <a:r>
-              <a:rPr lang="tr-TR" dirty="0" err="1">
-                <a:solidFill>
-                  <a:srgbClr val="FF0000"/>
-                </a:solidFill>
-              </a:rPr>
-              <a:t>Due</a:t>
-            </a:r>
-            <a:r>
-              <a:rPr lang="tr-TR" dirty="0">
-                <a:solidFill>
-                  <a:srgbClr val="FF0000"/>
-                </a:solidFill>
-              </a:rPr>
-              <a:t> ile yazılım uyumluluğu garanti edilemez.</a:t>
-            </a:r>
-          </a:p>
-          <a:p>
-            <a:endParaRPr lang="tr-TR" dirty="0">
-              <a:solidFill>
-                <a:srgbClr val="FF0000"/>
-              </a:solidFill>
-            </a:endParaRPr>
-          </a:p>
-          <a:p>
-            <a:r>
-              <a:rPr lang="tr-TR" dirty="0"/>
-              <a:t>Klon(</a:t>
-            </a:r>
-            <a:r>
-              <a:rPr lang="tr-TR" dirty="0" err="1"/>
-              <a:t>smd</a:t>
-            </a:r>
-            <a:r>
-              <a:rPr lang="tr-TR" dirty="0"/>
-              <a:t>) = 200-250 TL</a:t>
-            </a:r>
-          </a:p>
-          <a:p>
-            <a:r>
-              <a:rPr lang="tr-TR" dirty="0"/>
-              <a:t>Orijinal(</a:t>
-            </a:r>
-            <a:r>
-              <a:rPr lang="tr-TR" dirty="0" err="1"/>
-              <a:t>smd</a:t>
-            </a:r>
-            <a:r>
-              <a:rPr lang="tr-TR" dirty="0"/>
-              <a:t>) = 450-550 TL</a:t>
-            </a:r>
-          </a:p>
-          <a:p>
-            <a:r>
-              <a:rPr lang="tr-TR" dirty="0"/>
-              <a:t>*</a:t>
-            </a:r>
-            <a:r>
-              <a:rPr lang="tr-TR" dirty="0" err="1"/>
-              <a:t>Dıp</a:t>
-            </a:r>
-            <a:r>
-              <a:rPr lang="tr-TR" dirty="0"/>
-              <a:t> versiyonu internette bulunmuyor.</a:t>
-            </a:r>
-          </a:p>
-          <a:p>
-            <a:endParaRPr lang="tr-TR" dirty="0">
-              <a:solidFill>
-                <a:srgbClr val="FF0000"/>
-              </a:solidFill>
-            </a:endParaRPr>
-          </a:p>
-          <a:p>
-            <a:endParaRPr lang="tr-TR" dirty="0">
-              <a:solidFill>
-                <a:srgbClr val="FF0000"/>
-              </a:solidFill>
-            </a:endParaRPr>
-          </a:p>
-          <a:p>
-            <a:endParaRPr lang="tr-TR" dirty="0"/>
-          </a:p>
-        </p:txBody>
-      </p:sp>
-      <p:pic>
-        <p:nvPicPr>
-          <p:cNvPr id="11" name="Resim 10">
-            <a:extLst>
-              <a:ext uri="{FF2B5EF4-FFF2-40B4-BE49-F238E27FC236}">
-                <a16:creationId xmlns:a16="http://schemas.microsoft.com/office/drawing/2014/main" id="{10C9074F-479F-EC42-8EF7-E6527621DDE2}"/>
-              </a:ext>
-            </a:extLst>
-          </p:cNvPr>
-          <p:cNvPicPr>
-            <a:picLocks noChangeAspect="1"/>
-          </p:cNvPicPr>
-          <p:nvPr/>
-        </p:nvPicPr>
-        <p:blipFill>
-          <a:blip r:embed="rId2"/>
-          <a:stretch>
-            <a:fillRect/>
-          </a:stretch>
-        </p:blipFill>
-        <p:spPr>
-          <a:xfrm>
-            <a:off x="9119740" y="173120"/>
-            <a:ext cx="2509490" cy="1476778"/>
-          </a:xfrm>
-          <a:prstGeom prst="rect">
-            <a:avLst/>
-          </a:prstGeom>
-        </p:spPr>
-      </p:pic>
-    </p:spTree>
-    <p:extLst>
-      <p:ext uri="{BB962C8B-B14F-4D97-AF65-F5344CB8AC3E}">
-        <p14:creationId xmlns:p14="http://schemas.microsoft.com/office/powerpoint/2010/main" val="3973838415"/>
       </p:ext>
     </p:extLst>
   </p:cSld>
@@ -8158,7 +8160,7 @@
           <p:cNvPr id="2" name="Başlık 1">
             <a:extLst>
               <a:ext uri="{FF2B5EF4-FFF2-40B4-BE49-F238E27FC236}">
-                <a16:creationId xmlns:a16="http://schemas.microsoft.com/office/drawing/2014/main" id="{3AD266B6-ED86-C440-8DD1-28878F005EDE}"/>
+                <a16:creationId xmlns:a16="http://schemas.microsoft.com/office/drawing/2014/main" id="{689C6F26-9335-684F-85C6-5A8A78D84E77}"/>
               </a:ext>
             </a:extLst>
           </p:cNvPr>
@@ -8169,241 +8171,246 @@
             <p:ph type="title"/>
           </p:nvPr>
         </p:nvSpPr>
-        <p:spPr>
-          <a:xfrm>
-            <a:off x="1144589" y="-257474"/>
-            <a:ext cx="9905998" cy="1905000"/>
-          </a:xfrm>
-        </p:spPr>
+        <p:spPr/>
         <p:txBody>
           <a:bodyPr/>
           <a:lstStyle/>
           <a:p>
             <a:r>
-              <a:rPr lang="tr-TR" dirty="0" err="1"/>
+              <a:rPr lang="tr-TR" dirty="0"/>
+              <a:t>ARDUİNO NANO</a:t>
+            </a:r>
+          </a:p>
+        </p:txBody>
+      </p:sp>
+      <p:sp>
+        <p:nvSpPr>
+          <p:cNvPr id="3" name="İçerik Yer Tutucusu 2">
+            <a:extLst>
+              <a:ext uri="{FF2B5EF4-FFF2-40B4-BE49-F238E27FC236}">
+                <a16:creationId xmlns:a16="http://schemas.microsoft.com/office/drawing/2014/main" id="{F29ED5B3-CBFC-2B40-A187-5ECD39A1E32D}"/>
+              </a:ext>
+            </a:extLst>
+          </p:cNvPr>
+          <p:cNvSpPr>
+            <a:spLocks noGrp="1"/>
+          </p:cNvSpPr>
+          <p:nvPr>
+            <p:ph idx="1"/>
+          </p:nvPr>
+        </p:nvSpPr>
+        <p:spPr/>
+        <p:txBody>
+          <a:bodyPr>
+            <a:normAutofit fontScale="85000" lnSpcReduction="20000"/>
+          </a:bodyPr>
+          <a:lstStyle/>
+          <a:p>
+            <a:r>
+              <a:rPr lang="tr-TR" dirty="0" err="1">
+                <a:effectLst/>
+              </a:rPr>
               <a:t>Arduino</a:t>
             </a:r>
             <a:r>
-              <a:rPr lang="tr-TR" dirty="0"/>
-              <a:t> mega</a:t>
-            </a:r>
+              <a:rPr lang="tr-TR" dirty="0">
+                <a:effectLst/>
+              </a:rPr>
+              <a:t> </a:t>
+            </a:r>
+            <a:r>
+              <a:rPr lang="tr-TR" dirty="0" err="1">
+                <a:effectLst/>
+              </a:rPr>
+              <a:t>Nano</a:t>
+            </a:r>
+            <a:r>
+              <a:rPr lang="tr-TR" dirty="0">
+                <a:effectLst/>
+              </a:rPr>
+              <a:t> esasen çok küçük bir profile küçültülmüş bir </a:t>
+            </a:r>
+            <a:r>
+              <a:rPr lang="tr-TR" dirty="0" err="1">
+                <a:effectLst/>
+              </a:rPr>
+              <a:t>Arduino</a:t>
+            </a:r>
+            <a:r>
+              <a:rPr lang="tr-TR" dirty="0">
+                <a:effectLst/>
+              </a:rPr>
+              <a:t> UNO'dur, bu da onu dar alanlar ve mümkün olan her yerde ağırlığı azaltması gerekebilecek projeler için çok uygun hale getirir.</a:t>
+            </a:r>
+          </a:p>
+          <a:p>
+            <a:r>
+              <a:rPr lang="tr-TR" dirty="0">
+                <a:effectLst/>
+              </a:rPr>
+              <a:t>UNO gibi, </a:t>
+            </a:r>
+            <a:r>
+              <a:rPr lang="tr-TR" dirty="0" err="1">
+                <a:effectLst/>
+              </a:rPr>
+              <a:t>Nano</a:t>
+            </a:r>
+            <a:r>
+              <a:rPr lang="tr-TR" dirty="0">
+                <a:effectLst/>
+              </a:rPr>
+              <a:t> da 16MHz'de çalışan bir Atmega328 işlemci tarafından destekleniyor, 32KB program belleği, 1KB EEPROM, 2KB RAM, 14 dijital I/O, 6 analog giriş ve hem 5V hem de 3.3V güç raylarına sahip.</a:t>
+            </a:r>
+          </a:p>
+          <a:p>
+            <a:r>
+              <a:rPr lang="tr-TR" dirty="0">
+                <a:effectLst/>
+              </a:rPr>
+              <a:t>(Not - V3.0'dan önceki </a:t>
+            </a:r>
+            <a:r>
+              <a:rPr lang="tr-TR" dirty="0" err="1">
+                <a:effectLst/>
+              </a:rPr>
+              <a:t>Arduino</a:t>
+            </a:r>
+            <a:r>
+              <a:rPr lang="tr-TR" dirty="0">
+                <a:effectLst/>
+              </a:rPr>
+              <a:t> </a:t>
+            </a:r>
+            <a:r>
+              <a:rPr lang="tr-TR" dirty="0" err="1">
+                <a:effectLst/>
+              </a:rPr>
+              <a:t>Nano</a:t>
+            </a:r>
+            <a:r>
+              <a:rPr lang="tr-TR" dirty="0">
+                <a:effectLst/>
+              </a:rPr>
+              <a:t> kartları, esasen özelliklerin yarısına sahip olan ATmega168'i kullandı.)</a:t>
+            </a:r>
+          </a:p>
+          <a:p>
+            <a:r>
+              <a:rPr lang="tr-TR" dirty="0">
+                <a:effectLst/>
+              </a:rPr>
+              <a:t>Klon(</a:t>
+            </a:r>
+            <a:r>
+              <a:rPr lang="tr-TR" dirty="0" err="1">
+                <a:effectLst/>
+              </a:rPr>
+              <a:t>smd</a:t>
+            </a:r>
+            <a:r>
+              <a:rPr lang="tr-TR" dirty="0">
+                <a:effectLst/>
+              </a:rPr>
+              <a:t>) = 30-40 TL</a:t>
+            </a:r>
+          </a:p>
+          <a:p>
+            <a:r>
+              <a:rPr lang="tr-TR" dirty="0">
+                <a:effectLst/>
+              </a:rPr>
+              <a:t>Orijinal(</a:t>
+            </a:r>
+            <a:r>
+              <a:rPr lang="tr-TR" dirty="0" err="1">
+                <a:effectLst/>
+              </a:rPr>
+              <a:t>smd</a:t>
+            </a:r>
+            <a:r>
+              <a:rPr lang="tr-TR" dirty="0">
+                <a:effectLst/>
+              </a:rPr>
+              <a:t>) = 130-200 TL</a:t>
+            </a:r>
+          </a:p>
+          <a:p>
+            <a:r>
+              <a:rPr lang="tr-TR" dirty="0">
+                <a:effectLst/>
+              </a:rPr>
+              <a:t>*</a:t>
+            </a:r>
+            <a:r>
+              <a:rPr lang="tr-TR" dirty="0" err="1">
+                <a:effectLst/>
+              </a:rPr>
+              <a:t>dıp</a:t>
+            </a:r>
+            <a:r>
+              <a:rPr lang="tr-TR" dirty="0">
+                <a:effectLst/>
+              </a:rPr>
+              <a:t> yani işlemcisi tak çıkar şeklinde olanlardan yok.</a:t>
+            </a:r>
+          </a:p>
+          <a:p>
+            <a:pPr marL="0" indent="0">
+              <a:buNone/>
+            </a:pPr>
+            <a:endParaRPr lang="tr-TR" dirty="0">
+              <a:effectLst/>
+            </a:endParaRPr>
+          </a:p>
+          <a:p>
+            <a:endParaRPr lang="tr-TR" dirty="0">
+              <a:effectLst/>
+            </a:endParaRPr>
+          </a:p>
+          <a:p>
+            <a:endParaRPr lang="tr-TR" dirty="0">
+              <a:effectLst/>
+            </a:endParaRPr>
+          </a:p>
+          <a:p>
+            <a:endParaRPr lang="tr-TR" dirty="0"/>
           </a:p>
         </p:txBody>
       </p:sp>
       <p:pic>
         <p:nvPicPr>
-          <p:cNvPr id="5" name="İçerik Yer Tutucusu 4">
+          <p:cNvPr id="4" name="İçerik Yer Tutucusu 3">
             <a:extLst>
               <a:ext uri="{FF2B5EF4-FFF2-40B4-BE49-F238E27FC236}">
-                <a16:creationId xmlns:a16="http://schemas.microsoft.com/office/drawing/2014/main" id="{F916D71A-360A-544F-AC95-7ECB01D6D28F}"/>
+                <a16:creationId xmlns:a16="http://schemas.microsoft.com/office/drawing/2014/main" id="{D939DB5F-AE89-F24C-A8AE-68A1FAF3EC87}"/>
               </a:ext>
             </a:extLst>
           </p:cNvPr>
           <p:cNvPicPr>
-            <a:picLocks noGrp="1" noChangeAspect="1"/>
+            <a:picLocks noChangeAspect="1"/>
           </p:cNvPicPr>
-          <p:nvPr>
-            <p:ph idx="1"/>
-          </p:nvPr>
+          <p:nvPr/>
         </p:nvPicPr>
-        <p:blipFill>
+        <p:blipFill rotWithShape="1">
           <a:blip r:embed="rId2"/>
-          <a:stretch>
-            <a:fillRect/>
-          </a:stretch>
+          <a:srcRect l="59279" t="47415" r="21383" b="6317"/>
+          <a:stretch/>
         </p:blipFill>
         <p:spPr>
-          <a:xfrm rot="5400000">
-            <a:off x="8910478" y="2879545"/>
-            <a:ext cx="3698106" cy="1791629"/>
-          </a:xfrm>
-        </p:spPr>
-      </p:pic>
-      <p:sp>
-        <p:nvSpPr>
-          <p:cNvPr id="7" name="Metin kutusu 6">
-            <a:extLst>
-              <a:ext uri="{FF2B5EF4-FFF2-40B4-BE49-F238E27FC236}">
-                <a16:creationId xmlns:a16="http://schemas.microsoft.com/office/drawing/2014/main" id="{C82C8EA7-FCC0-154F-82A1-2DDD1FCCCEAF}"/>
-              </a:ext>
-            </a:extLst>
-          </p:cNvPr>
-          <p:cNvSpPr txBox="1"/>
-          <p:nvPr/>
-        </p:nvSpPr>
-        <p:spPr>
           <a:xfrm>
-            <a:off x="1141413" y="1386745"/>
-            <a:ext cx="7694342" cy="5909310"/>
+            <a:off x="9854230" y="118946"/>
+            <a:ext cx="1193181" cy="1895708"/>
           </a:xfrm>
           <a:prstGeom prst="rect">
             <a:avLst/>
           </a:prstGeom>
-          <a:noFill/>
         </p:spPr>
-        <p:txBody>
-          <a:bodyPr wrap="square" rtlCol="0">
-            <a:spAutoFit/>
-          </a:bodyPr>
-          <a:lstStyle/>
-          <a:p>
-            <a:r>
-              <a:rPr lang="tr-TR" dirty="0"/>
-              <a:t>*</a:t>
-            </a:r>
-            <a:r>
-              <a:rPr lang="tr-TR" dirty="0" err="1"/>
-              <a:t>Arduino</a:t>
-            </a:r>
-            <a:r>
-              <a:rPr lang="tr-TR" dirty="0"/>
-              <a:t> Mega, 54 I/O'ya sahip olması nedeniyle </a:t>
-            </a:r>
-            <a:r>
-              <a:rPr lang="tr-TR" dirty="0" err="1"/>
-              <a:t>Due'a</a:t>
-            </a:r>
-            <a:r>
-              <a:rPr lang="tr-TR" dirty="0"/>
-              <a:t> biraz benzer. Bununla birlikte, bir ARM çekirdeği tarafından desteklenmek yerine, bunun yerine bir ATmega2560 kullanır.</a:t>
-            </a:r>
-          </a:p>
-          <a:p>
-            <a:endParaRPr lang="tr-TR" dirty="0"/>
-          </a:p>
-          <a:p>
-            <a:endParaRPr lang="tr-TR" dirty="0"/>
-          </a:p>
-          <a:p>
-            <a:r>
-              <a:rPr lang="tr-TR" dirty="0"/>
-              <a:t>*CPU 16MHz'de saat hızına sahiptir ve 256KB ROM, 8KB RAM, 4KB EEPROM içerir ve 5V'ta çalışır ve bu sayede hobi dostu elektroniklerin çoğuyla kullanımı kolaylaştırır. </a:t>
-            </a:r>
-          </a:p>
-          <a:p>
-            <a:endParaRPr lang="tr-TR" dirty="0"/>
-          </a:p>
-          <a:p>
-            <a:endParaRPr lang="tr-TR" dirty="0"/>
-          </a:p>
-          <a:p>
-            <a:r>
-              <a:rPr lang="tr-TR" dirty="0"/>
-              <a:t>*</a:t>
-            </a:r>
-            <a:r>
-              <a:rPr lang="tr-TR" dirty="0" err="1"/>
-              <a:t>Arduino</a:t>
-            </a:r>
-            <a:r>
-              <a:rPr lang="tr-TR" dirty="0"/>
-              <a:t> Mega, 16 analog girişe, 15 PWM kanalına, </a:t>
-            </a:r>
-            <a:r>
-              <a:rPr lang="tr-TR" dirty="0" err="1"/>
-              <a:t>Due'a</a:t>
-            </a:r>
-            <a:r>
-              <a:rPr lang="tr-TR" dirty="0"/>
-              <a:t> benzer bir </a:t>
-            </a:r>
-            <a:r>
-              <a:rPr lang="tr-TR" dirty="0" err="1"/>
-              <a:t>pin</a:t>
-            </a:r>
-            <a:r>
-              <a:rPr lang="tr-TR" dirty="0"/>
-              <a:t> çıkışına sahiptir ve </a:t>
-            </a:r>
-            <a:r>
-              <a:rPr lang="tr-TR" dirty="0" err="1"/>
-              <a:t>Arduino</a:t>
-            </a:r>
-            <a:r>
-              <a:rPr lang="tr-TR" dirty="0"/>
-              <a:t> kalkanları ile donanım uyumludur. </a:t>
-            </a:r>
-            <a:r>
-              <a:rPr lang="tr-TR" dirty="0" err="1">
-                <a:solidFill>
-                  <a:srgbClr val="FF0000"/>
-                </a:solidFill>
-              </a:rPr>
-              <a:t>Due</a:t>
-            </a:r>
-            <a:r>
-              <a:rPr lang="tr-TR" dirty="0">
-                <a:solidFill>
-                  <a:srgbClr val="FF0000"/>
-                </a:solidFill>
-              </a:rPr>
-              <a:t> gibi, Mega ile yazılım uyumluluğu her zaman garanti edilemez.</a:t>
-            </a:r>
-          </a:p>
-          <a:p>
-            <a:endParaRPr lang="tr-TR" dirty="0">
-              <a:solidFill>
-                <a:srgbClr val="FF0000"/>
-              </a:solidFill>
-            </a:endParaRPr>
-          </a:p>
-          <a:p>
-            <a:r>
-              <a:rPr lang="tr-TR" dirty="0"/>
-              <a:t>Klon(</a:t>
-            </a:r>
-            <a:r>
-              <a:rPr lang="tr-TR" dirty="0" err="1"/>
-              <a:t>smd</a:t>
-            </a:r>
-            <a:r>
-              <a:rPr lang="tr-TR" dirty="0"/>
-              <a:t>) = 80-100 TL</a:t>
-            </a:r>
-          </a:p>
-          <a:p>
-            <a:r>
-              <a:rPr lang="tr-TR" dirty="0"/>
-              <a:t>Orijinal(</a:t>
-            </a:r>
-            <a:r>
-              <a:rPr lang="tr-TR" dirty="0" err="1"/>
-              <a:t>smd</a:t>
-            </a:r>
-            <a:r>
-              <a:rPr lang="tr-TR" dirty="0"/>
-              <a:t>) = 350-450 TL</a:t>
-            </a:r>
-          </a:p>
-          <a:p>
-            <a:r>
-              <a:rPr lang="tr-TR" dirty="0"/>
-              <a:t>*</a:t>
-            </a:r>
-            <a:r>
-              <a:rPr lang="tr-TR" dirty="0" err="1"/>
-              <a:t>Dıp</a:t>
-            </a:r>
-            <a:r>
-              <a:rPr lang="tr-TR" dirty="0"/>
-              <a:t> versiyonu internette bulunmuyor.</a:t>
-            </a:r>
-          </a:p>
-          <a:p>
-            <a:endParaRPr lang="tr-TR" dirty="0"/>
-          </a:p>
-          <a:p>
-            <a:endParaRPr lang="tr-TR" dirty="0"/>
-          </a:p>
-          <a:p>
-            <a:endParaRPr lang="tr-TR" dirty="0"/>
-          </a:p>
-        </p:txBody>
-      </p:sp>
+      </p:pic>
     </p:spTree>
     <p:extLst>
       <p:ext uri="{BB962C8B-B14F-4D97-AF65-F5344CB8AC3E}">
-        <p14:creationId xmlns:p14="http://schemas.microsoft.com/office/powerpoint/2010/main" val="4246654775"/>
+        <p14:creationId xmlns:p14="http://schemas.microsoft.com/office/powerpoint/2010/main" val="1624559626"/>
       </p:ext>
     </p:extLst>
   </p:cSld>
@@ -8435,6 +8442,644 @@
           <p:cNvPr id="2" name="Başlık 1">
             <a:extLst>
               <a:ext uri="{FF2B5EF4-FFF2-40B4-BE49-F238E27FC236}">
+                <a16:creationId xmlns:a16="http://schemas.microsoft.com/office/drawing/2014/main" id="{3AD266B6-ED86-C440-8DD1-28878F005EDE}"/>
+              </a:ext>
+            </a:extLst>
+          </p:cNvPr>
+          <p:cNvSpPr>
+            <a:spLocks noGrp="1"/>
+          </p:cNvSpPr>
+          <p:nvPr>
+            <p:ph type="title"/>
+          </p:nvPr>
+        </p:nvSpPr>
+        <p:spPr>
+          <a:xfrm>
+            <a:off x="316222" y="173120"/>
+            <a:ext cx="9905998" cy="1171874"/>
+          </a:xfrm>
+        </p:spPr>
+        <p:txBody>
+          <a:bodyPr/>
+          <a:lstStyle/>
+          <a:p>
+            <a:r>
+              <a:rPr lang="tr-TR" dirty="0" err="1"/>
+              <a:t>Arduino</a:t>
+            </a:r>
+            <a:r>
+              <a:rPr lang="tr-TR" dirty="0"/>
+              <a:t> </a:t>
+            </a:r>
+            <a:r>
+              <a:rPr lang="tr-TR" dirty="0" err="1"/>
+              <a:t>dUE</a:t>
+            </a:r>
+            <a:endParaRPr lang="tr-TR" dirty="0"/>
+          </a:p>
+        </p:txBody>
+      </p:sp>
+      <p:sp>
+        <p:nvSpPr>
+          <p:cNvPr id="7" name="Metin kutusu 6">
+            <a:extLst>
+              <a:ext uri="{FF2B5EF4-FFF2-40B4-BE49-F238E27FC236}">
+                <a16:creationId xmlns:a16="http://schemas.microsoft.com/office/drawing/2014/main" id="{C82C8EA7-FCC0-154F-82A1-2DDD1FCCCEAF}"/>
+              </a:ext>
+            </a:extLst>
+          </p:cNvPr>
+          <p:cNvSpPr txBox="1"/>
+          <p:nvPr/>
+        </p:nvSpPr>
+        <p:spPr>
+          <a:xfrm>
+            <a:off x="316222" y="1081170"/>
+            <a:ext cx="10210528" cy="6186309"/>
+          </a:xfrm>
+          <a:prstGeom prst="rect">
+            <a:avLst/>
+          </a:prstGeom>
+          <a:noFill/>
+        </p:spPr>
+        <p:txBody>
+          <a:bodyPr wrap="square" rtlCol="0">
+            <a:spAutoFit/>
+          </a:bodyPr>
+          <a:lstStyle/>
+          <a:p>
+            <a:endParaRPr lang="tr-TR" dirty="0"/>
+          </a:p>
+          <a:p>
+            <a:endParaRPr lang="tr-TR" dirty="0"/>
+          </a:p>
+          <a:p>
+            <a:r>
+              <a:rPr lang="tr-TR" dirty="0"/>
+              <a:t>*</a:t>
+            </a:r>
+            <a:r>
+              <a:rPr lang="tr-TR" dirty="0" err="1"/>
+              <a:t>Arduino</a:t>
+            </a:r>
+            <a:r>
+              <a:rPr lang="tr-TR" dirty="0"/>
+              <a:t> </a:t>
+            </a:r>
+            <a:r>
+              <a:rPr lang="tr-TR" dirty="0" err="1"/>
+              <a:t>Due</a:t>
+            </a:r>
+            <a:r>
+              <a:rPr lang="tr-TR" dirty="0"/>
+              <a:t>, daha büyük kartlardan biridir ve aynı zamanda bir ARM işlemci tarafından desteklenen ilk </a:t>
+            </a:r>
+            <a:r>
+              <a:rPr lang="tr-TR" dirty="0" err="1"/>
+              <a:t>Arduino</a:t>
+            </a:r>
+            <a:r>
+              <a:rPr lang="tr-TR" dirty="0"/>
+              <a:t> kartıdır.</a:t>
+            </a:r>
+          </a:p>
+          <a:p>
+            <a:endParaRPr lang="tr-TR" dirty="0"/>
+          </a:p>
+          <a:p>
+            <a:endParaRPr lang="tr-TR" dirty="0"/>
+          </a:p>
+          <a:p>
+            <a:r>
+              <a:rPr lang="tr-TR" dirty="0"/>
+              <a:t>*UNO ve </a:t>
+            </a:r>
+            <a:r>
+              <a:rPr lang="tr-TR" dirty="0" err="1"/>
+              <a:t>Nano</a:t>
+            </a:r>
+            <a:r>
+              <a:rPr lang="tr-TR" dirty="0"/>
+              <a:t> 5V'da çalışırken, </a:t>
+            </a:r>
+            <a:r>
+              <a:rPr lang="tr-TR" dirty="0" err="1"/>
+              <a:t>Due</a:t>
+            </a:r>
+            <a:r>
+              <a:rPr lang="tr-TR" dirty="0"/>
+              <a:t> 3,3V'da çalışır—bunun dikkate alınması önemlidir, çünkü aşırı voltaj karta onarılamaz bir şekilde zarar verir. 84MHz'de çalışan bir ATSAM3X8E Cortex-M3 ile güçlendirilen </a:t>
+            </a:r>
+            <a:r>
+              <a:rPr lang="tr-TR" dirty="0" err="1"/>
+              <a:t>Due</a:t>
+            </a:r>
+            <a:r>
+              <a:rPr lang="tr-TR" dirty="0"/>
+              <a:t>, 512KB ROM ve 96KB RAM, 54 dijital I/O </a:t>
+            </a:r>
+            <a:r>
+              <a:rPr lang="tr-TR" dirty="0" err="1"/>
+              <a:t>pini</a:t>
+            </a:r>
+            <a:r>
+              <a:rPr lang="tr-TR" dirty="0"/>
+              <a:t>, 12 PWM kanalı, 12 analog giriş ve 2 analog çıkışa sahiptir. </a:t>
+            </a:r>
+          </a:p>
+          <a:p>
+            <a:endParaRPr lang="tr-TR" dirty="0"/>
+          </a:p>
+          <a:p>
+            <a:endParaRPr lang="tr-TR" dirty="0"/>
+          </a:p>
+          <a:p>
+            <a:r>
+              <a:rPr lang="tr-TR" dirty="0"/>
+              <a:t>*</a:t>
+            </a:r>
+            <a:r>
+              <a:rPr lang="tr-TR" dirty="0" err="1"/>
+              <a:t>Due</a:t>
+            </a:r>
+            <a:r>
+              <a:rPr lang="tr-TR" dirty="0"/>
+              <a:t>, yerleşik </a:t>
+            </a:r>
+            <a:r>
+              <a:rPr lang="tr-TR" dirty="0" err="1"/>
+              <a:t>EEPROM'a</a:t>
+            </a:r>
+            <a:r>
+              <a:rPr lang="tr-TR" dirty="0"/>
+              <a:t> sahip değildir ve daha pahalı </a:t>
+            </a:r>
+            <a:r>
+              <a:rPr lang="tr-TR" dirty="0" err="1"/>
+              <a:t>Arduino</a:t>
+            </a:r>
+            <a:r>
+              <a:rPr lang="tr-TR" dirty="0"/>
+              <a:t> kartlarından biridir. </a:t>
+            </a:r>
+            <a:r>
+              <a:rPr lang="tr-TR" dirty="0" err="1"/>
+              <a:t>Due</a:t>
+            </a:r>
+            <a:r>
+              <a:rPr lang="tr-TR" dirty="0"/>
+              <a:t>, birçok dijital I/O'ya bağlanmak için çok sayıda </a:t>
+            </a:r>
+            <a:r>
+              <a:rPr lang="tr-TR" dirty="0" err="1"/>
+              <a:t>pin</a:t>
+            </a:r>
+            <a:r>
+              <a:rPr lang="tr-TR" dirty="0"/>
+              <a:t> başlığına sahip olsa da, standart </a:t>
+            </a:r>
+            <a:r>
+              <a:rPr lang="tr-TR" dirty="0" err="1"/>
+              <a:t>Arduino</a:t>
+            </a:r>
+            <a:r>
+              <a:rPr lang="tr-TR" dirty="0"/>
+              <a:t> kalkanlarıyla </a:t>
+            </a:r>
+            <a:r>
+              <a:rPr lang="tr-TR" dirty="0" err="1"/>
+              <a:t>pin</a:t>
+            </a:r>
+            <a:r>
+              <a:rPr lang="tr-TR" dirty="0"/>
+              <a:t> uyumludur. </a:t>
+            </a:r>
+            <a:r>
+              <a:rPr lang="tr-TR" dirty="0" err="1">
+                <a:solidFill>
+                  <a:srgbClr val="FF0000"/>
+                </a:solidFill>
+              </a:rPr>
+              <a:t>Due</a:t>
+            </a:r>
+            <a:r>
+              <a:rPr lang="tr-TR" dirty="0">
+                <a:solidFill>
+                  <a:srgbClr val="FF0000"/>
+                </a:solidFill>
+              </a:rPr>
+              <a:t> ile yazılım uyumluluğu garanti edilemez.</a:t>
+            </a:r>
+          </a:p>
+          <a:p>
+            <a:endParaRPr lang="tr-TR" dirty="0">
+              <a:solidFill>
+                <a:srgbClr val="FF0000"/>
+              </a:solidFill>
+            </a:endParaRPr>
+          </a:p>
+          <a:p>
+            <a:r>
+              <a:rPr lang="tr-TR" dirty="0"/>
+              <a:t>Klon(</a:t>
+            </a:r>
+            <a:r>
+              <a:rPr lang="tr-TR" dirty="0" err="1"/>
+              <a:t>smd</a:t>
+            </a:r>
+            <a:r>
+              <a:rPr lang="tr-TR" dirty="0"/>
+              <a:t>) = 200-250 TL</a:t>
+            </a:r>
+          </a:p>
+          <a:p>
+            <a:r>
+              <a:rPr lang="tr-TR" dirty="0"/>
+              <a:t>Orijinal(</a:t>
+            </a:r>
+            <a:r>
+              <a:rPr lang="tr-TR" dirty="0" err="1"/>
+              <a:t>smd</a:t>
+            </a:r>
+            <a:r>
+              <a:rPr lang="tr-TR" dirty="0"/>
+              <a:t>) = 450-550 TL</a:t>
+            </a:r>
+          </a:p>
+          <a:p>
+            <a:r>
+              <a:rPr lang="tr-TR" dirty="0"/>
+              <a:t>*</a:t>
+            </a:r>
+            <a:r>
+              <a:rPr lang="tr-TR" dirty="0" err="1"/>
+              <a:t>Dıp</a:t>
+            </a:r>
+            <a:r>
+              <a:rPr lang="tr-TR" dirty="0"/>
+              <a:t> versiyonu internette bulunmuyor.</a:t>
+            </a:r>
+          </a:p>
+          <a:p>
+            <a:endParaRPr lang="tr-TR" dirty="0">
+              <a:solidFill>
+                <a:srgbClr val="FF0000"/>
+              </a:solidFill>
+            </a:endParaRPr>
+          </a:p>
+          <a:p>
+            <a:endParaRPr lang="tr-TR" dirty="0">
+              <a:solidFill>
+                <a:srgbClr val="FF0000"/>
+              </a:solidFill>
+            </a:endParaRPr>
+          </a:p>
+          <a:p>
+            <a:endParaRPr lang="tr-TR" dirty="0"/>
+          </a:p>
+        </p:txBody>
+      </p:sp>
+      <p:pic>
+        <p:nvPicPr>
+          <p:cNvPr id="11" name="Resim 10">
+            <a:extLst>
+              <a:ext uri="{FF2B5EF4-FFF2-40B4-BE49-F238E27FC236}">
+                <a16:creationId xmlns:a16="http://schemas.microsoft.com/office/drawing/2014/main" id="{10C9074F-479F-EC42-8EF7-E6527621DDE2}"/>
+              </a:ext>
+            </a:extLst>
+          </p:cNvPr>
+          <p:cNvPicPr>
+            <a:picLocks noChangeAspect="1"/>
+          </p:cNvPicPr>
+          <p:nvPr/>
+        </p:nvPicPr>
+        <p:blipFill>
+          <a:blip r:embed="rId2"/>
+          <a:stretch>
+            <a:fillRect/>
+          </a:stretch>
+        </p:blipFill>
+        <p:spPr>
+          <a:xfrm>
+            <a:off x="9119740" y="173120"/>
+            <a:ext cx="2509490" cy="1476778"/>
+          </a:xfrm>
+          <a:prstGeom prst="rect">
+            <a:avLst/>
+          </a:prstGeom>
+        </p:spPr>
+      </p:pic>
+    </p:spTree>
+    <p:extLst>
+      <p:ext uri="{BB962C8B-B14F-4D97-AF65-F5344CB8AC3E}">
+        <p14:creationId xmlns:p14="http://schemas.microsoft.com/office/powerpoint/2010/main" val="3973838415"/>
+      </p:ext>
+    </p:extLst>
+  </p:cSld>
+  <p:clrMapOvr>
+    <a:masterClrMapping/>
+  </p:clrMapOvr>
+</p:sld>
+</file>
+
+<file path=ppt/slides/slide22.xml><?xml version="1.0" encoding="utf-8"?>
+<p:sld xmlns:a="http://schemas.openxmlformats.org/drawingml/2006/main" xmlns:r="http://schemas.openxmlformats.org/officeDocument/2006/relationships" xmlns:p="http://schemas.openxmlformats.org/presentationml/2006/main">
+  <p:cSld>
+    <p:spTree>
+      <p:nvGrpSpPr>
+        <p:cNvPr id="1" name=""/>
+        <p:cNvGrpSpPr/>
+        <p:nvPr/>
+      </p:nvGrpSpPr>
+      <p:grpSpPr>
+        <a:xfrm>
+          <a:off x="0" y="0"/>
+          <a:ext cx="0" cy="0"/>
+          <a:chOff x="0" y="0"/>
+          <a:chExt cx="0" cy="0"/>
+        </a:xfrm>
+      </p:grpSpPr>
+      <p:sp>
+        <p:nvSpPr>
+          <p:cNvPr id="2" name="Başlık 1">
+            <a:extLst>
+              <a:ext uri="{FF2B5EF4-FFF2-40B4-BE49-F238E27FC236}">
+                <a16:creationId xmlns:a16="http://schemas.microsoft.com/office/drawing/2014/main" id="{3AD266B6-ED86-C440-8DD1-28878F005EDE}"/>
+              </a:ext>
+            </a:extLst>
+          </p:cNvPr>
+          <p:cNvSpPr>
+            <a:spLocks noGrp="1"/>
+          </p:cNvSpPr>
+          <p:nvPr>
+            <p:ph type="title"/>
+          </p:nvPr>
+        </p:nvSpPr>
+        <p:spPr>
+          <a:xfrm>
+            <a:off x="1144589" y="-257474"/>
+            <a:ext cx="9905998" cy="1905000"/>
+          </a:xfrm>
+        </p:spPr>
+        <p:txBody>
+          <a:bodyPr/>
+          <a:lstStyle/>
+          <a:p>
+            <a:r>
+              <a:rPr lang="tr-TR" dirty="0" err="1"/>
+              <a:t>Arduino</a:t>
+            </a:r>
+            <a:r>
+              <a:rPr lang="tr-TR" dirty="0"/>
+              <a:t> mega</a:t>
+            </a:r>
+          </a:p>
+        </p:txBody>
+      </p:sp>
+      <p:pic>
+        <p:nvPicPr>
+          <p:cNvPr id="5" name="İçerik Yer Tutucusu 4">
+            <a:extLst>
+              <a:ext uri="{FF2B5EF4-FFF2-40B4-BE49-F238E27FC236}">
+                <a16:creationId xmlns:a16="http://schemas.microsoft.com/office/drawing/2014/main" id="{F916D71A-360A-544F-AC95-7ECB01D6D28F}"/>
+              </a:ext>
+            </a:extLst>
+          </p:cNvPr>
+          <p:cNvPicPr>
+            <a:picLocks noGrp="1" noChangeAspect="1"/>
+          </p:cNvPicPr>
+          <p:nvPr>
+            <p:ph idx="1"/>
+          </p:nvPr>
+        </p:nvPicPr>
+        <p:blipFill>
+          <a:blip r:embed="rId2"/>
+          <a:stretch>
+            <a:fillRect/>
+          </a:stretch>
+        </p:blipFill>
+        <p:spPr>
+          <a:xfrm rot="5400000">
+            <a:off x="8910478" y="2879545"/>
+            <a:ext cx="3698106" cy="1791629"/>
+          </a:xfrm>
+        </p:spPr>
+      </p:pic>
+      <p:sp>
+        <p:nvSpPr>
+          <p:cNvPr id="7" name="Metin kutusu 6">
+            <a:extLst>
+              <a:ext uri="{FF2B5EF4-FFF2-40B4-BE49-F238E27FC236}">
+                <a16:creationId xmlns:a16="http://schemas.microsoft.com/office/drawing/2014/main" id="{C82C8EA7-FCC0-154F-82A1-2DDD1FCCCEAF}"/>
+              </a:ext>
+            </a:extLst>
+          </p:cNvPr>
+          <p:cNvSpPr txBox="1"/>
+          <p:nvPr/>
+        </p:nvSpPr>
+        <p:spPr>
+          <a:xfrm>
+            <a:off x="1141413" y="1386745"/>
+            <a:ext cx="7694342" cy="5909310"/>
+          </a:xfrm>
+          <a:prstGeom prst="rect">
+            <a:avLst/>
+          </a:prstGeom>
+          <a:noFill/>
+        </p:spPr>
+        <p:txBody>
+          <a:bodyPr wrap="square" rtlCol="0">
+            <a:spAutoFit/>
+          </a:bodyPr>
+          <a:lstStyle/>
+          <a:p>
+            <a:r>
+              <a:rPr lang="tr-TR" dirty="0"/>
+              <a:t>*</a:t>
+            </a:r>
+            <a:r>
+              <a:rPr lang="tr-TR" dirty="0" err="1"/>
+              <a:t>Arduino</a:t>
+            </a:r>
+            <a:r>
+              <a:rPr lang="tr-TR" dirty="0"/>
+              <a:t> Mega, 54 I/O'ya sahip olması nedeniyle </a:t>
+            </a:r>
+            <a:r>
+              <a:rPr lang="tr-TR" dirty="0" err="1"/>
+              <a:t>Due'a</a:t>
+            </a:r>
+            <a:r>
+              <a:rPr lang="tr-TR" dirty="0"/>
+              <a:t> biraz benzer. Bununla birlikte, bir ARM çekirdeği tarafından desteklenmek yerine, bunun yerine bir ATmega2560 kullanır.</a:t>
+            </a:r>
+          </a:p>
+          <a:p>
+            <a:endParaRPr lang="tr-TR" dirty="0"/>
+          </a:p>
+          <a:p>
+            <a:endParaRPr lang="tr-TR" dirty="0"/>
+          </a:p>
+          <a:p>
+            <a:r>
+              <a:rPr lang="tr-TR" dirty="0"/>
+              <a:t>*CPU 16MHz'de saat hızına sahiptir ve 256KB ROM, 8KB RAM, 4KB EEPROM içerir ve 5V'ta çalışır ve bu sayede hobi dostu elektroniklerin çoğuyla kullanımı kolaylaştırır. </a:t>
+            </a:r>
+          </a:p>
+          <a:p>
+            <a:endParaRPr lang="tr-TR" dirty="0"/>
+          </a:p>
+          <a:p>
+            <a:endParaRPr lang="tr-TR" dirty="0"/>
+          </a:p>
+          <a:p>
+            <a:r>
+              <a:rPr lang="tr-TR" dirty="0"/>
+              <a:t>*</a:t>
+            </a:r>
+            <a:r>
+              <a:rPr lang="tr-TR" dirty="0" err="1"/>
+              <a:t>Arduino</a:t>
+            </a:r>
+            <a:r>
+              <a:rPr lang="tr-TR" dirty="0"/>
+              <a:t> Mega, 16 analog girişe, 15 PWM kanalına, </a:t>
+            </a:r>
+            <a:r>
+              <a:rPr lang="tr-TR" dirty="0" err="1"/>
+              <a:t>Due'a</a:t>
+            </a:r>
+            <a:r>
+              <a:rPr lang="tr-TR" dirty="0"/>
+              <a:t> benzer bir </a:t>
+            </a:r>
+            <a:r>
+              <a:rPr lang="tr-TR" dirty="0" err="1"/>
+              <a:t>pin</a:t>
+            </a:r>
+            <a:r>
+              <a:rPr lang="tr-TR" dirty="0"/>
+              <a:t> çıkışına sahiptir ve </a:t>
+            </a:r>
+            <a:r>
+              <a:rPr lang="tr-TR" dirty="0" err="1"/>
+              <a:t>Arduino</a:t>
+            </a:r>
+            <a:r>
+              <a:rPr lang="tr-TR" dirty="0"/>
+              <a:t> kalkanları ile donanım uyumludur. </a:t>
+            </a:r>
+            <a:r>
+              <a:rPr lang="tr-TR" dirty="0" err="1">
+                <a:solidFill>
+                  <a:srgbClr val="FF0000"/>
+                </a:solidFill>
+              </a:rPr>
+              <a:t>Due</a:t>
+            </a:r>
+            <a:r>
+              <a:rPr lang="tr-TR" dirty="0">
+                <a:solidFill>
+                  <a:srgbClr val="FF0000"/>
+                </a:solidFill>
+              </a:rPr>
+              <a:t> gibi, Mega ile yazılım uyumluluğu her zaman garanti edilemez.</a:t>
+            </a:r>
+          </a:p>
+          <a:p>
+            <a:endParaRPr lang="tr-TR" dirty="0">
+              <a:solidFill>
+                <a:srgbClr val="FF0000"/>
+              </a:solidFill>
+            </a:endParaRPr>
+          </a:p>
+          <a:p>
+            <a:r>
+              <a:rPr lang="tr-TR" dirty="0"/>
+              <a:t>Klon(</a:t>
+            </a:r>
+            <a:r>
+              <a:rPr lang="tr-TR" dirty="0" err="1"/>
+              <a:t>smd</a:t>
+            </a:r>
+            <a:r>
+              <a:rPr lang="tr-TR" dirty="0"/>
+              <a:t>) = 80-100 TL</a:t>
+            </a:r>
+          </a:p>
+          <a:p>
+            <a:r>
+              <a:rPr lang="tr-TR" dirty="0"/>
+              <a:t>Orijinal(</a:t>
+            </a:r>
+            <a:r>
+              <a:rPr lang="tr-TR" dirty="0" err="1"/>
+              <a:t>smd</a:t>
+            </a:r>
+            <a:r>
+              <a:rPr lang="tr-TR" dirty="0"/>
+              <a:t>) = 350-450 TL</a:t>
+            </a:r>
+          </a:p>
+          <a:p>
+            <a:r>
+              <a:rPr lang="tr-TR" dirty="0"/>
+              <a:t>*</a:t>
+            </a:r>
+            <a:r>
+              <a:rPr lang="tr-TR" dirty="0" err="1"/>
+              <a:t>Dıp</a:t>
+            </a:r>
+            <a:r>
+              <a:rPr lang="tr-TR" dirty="0"/>
+              <a:t> versiyonu internette bulunmuyor.</a:t>
+            </a:r>
+          </a:p>
+          <a:p>
+            <a:endParaRPr lang="tr-TR" dirty="0"/>
+          </a:p>
+          <a:p>
+            <a:endParaRPr lang="tr-TR" dirty="0"/>
+          </a:p>
+          <a:p>
+            <a:endParaRPr lang="tr-TR" dirty="0"/>
+          </a:p>
+        </p:txBody>
+      </p:sp>
+    </p:spTree>
+    <p:extLst>
+      <p:ext uri="{BB962C8B-B14F-4D97-AF65-F5344CB8AC3E}">
+        <p14:creationId xmlns:p14="http://schemas.microsoft.com/office/powerpoint/2010/main" val="4246654775"/>
+      </p:ext>
+    </p:extLst>
+  </p:cSld>
+  <p:clrMapOvr>
+    <a:masterClrMapping/>
+  </p:clrMapOvr>
+</p:sld>
+</file>
+
+<file path=ppt/slides/slide23.xml><?xml version="1.0" encoding="utf-8"?>
+<p:sld xmlns:a="http://schemas.openxmlformats.org/drawingml/2006/main" xmlns:r="http://schemas.openxmlformats.org/officeDocument/2006/relationships" xmlns:p="http://schemas.openxmlformats.org/presentationml/2006/main">
+  <p:cSld>
+    <p:spTree>
+      <p:nvGrpSpPr>
+        <p:cNvPr id="1" name=""/>
+        <p:cNvGrpSpPr/>
+        <p:nvPr/>
+      </p:nvGrpSpPr>
+      <p:grpSpPr>
+        <a:xfrm>
+          <a:off x="0" y="0"/>
+          <a:ext cx="0" cy="0"/>
+          <a:chOff x="0" y="0"/>
+          <a:chExt cx="0" cy="0"/>
+        </a:xfrm>
+      </p:grpSpPr>
+      <p:sp>
+        <p:nvSpPr>
+          <p:cNvPr id="2" name="Başlık 1">
+            <a:extLst>
+              <a:ext uri="{FF2B5EF4-FFF2-40B4-BE49-F238E27FC236}">
                 <a16:creationId xmlns:a16="http://schemas.microsoft.com/office/drawing/2014/main" id="{4048EB88-8EFD-B648-A4AF-8B54F7C959A8}"/>
               </a:ext>
             </a:extLst>
@@ -8582,7 +9227,7 @@
 </p:sld>
 </file>
 
-<file path=ppt/slides/slide22.xml><?xml version="1.0" encoding="utf-8"?>
+<file path=ppt/slides/slide24.xml><?xml version="1.0" encoding="utf-8"?>
 <p:sld xmlns:a="http://schemas.openxmlformats.org/drawingml/2006/main" xmlns:r="http://schemas.openxmlformats.org/officeDocument/2006/relationships" xmlns:p="http://schemas.openxmlformats.org/presentationml/2006/main">
   <p:cSld>
     <p:spTree>
@@ -8713,7 +9358,7 @@
 </p:sld>
 </file>
 
-<file path=ppt/slides/slide23.xml><?xml version="1.0" encoding="utf-8"?>
+<file path=ppt/slides/slide25.xml><?xml version="1.0" encoding="utf-8"?>
 <p:sld xmlns:a="http://schemas.openxmlformats.org/drawingml/2006/main" xmlns:r="http://schemas.openxmlformats.org/officeDocument/2006/relationships" xmlns:p="http://schemas.openxmlformats.org/presentationml/2006/main">
   <p:cSld>
     <p:spTree>
@@ -9083,7 +9728,7 @@
 </p:sld>
 </file>
 
-<file path=ppt/slides/slide24.xml><?xml version="1.0" encoding="utf-8"?>
+<file path=ppt/slides/slide26.xml><?xml version="1.0" encoding="utf-8"?>
 <p:sld xmlns:a="http://schemas.openxmlformats.org/drawingml/2006/main" xmlns:r="http://schemas.openxmlformats.org/officeDocument/2006/relationships" xmlns:p="http://schemas.openxmlformats.org/presentationml/2006/main">
   <p:cSld>
     <p:spTree>
@@ -9105,6 +9750,232 @@
           <p:cNvPr id="2" name="Başlık 1">
             <a:extLst>
               <a:ext uri="{FF2B5EF4-FFF2-40B4-BE49-F238E27FC236}">
+                <a16:creationId xmlns:a16="http://schemas.microsoft.com/office/drawing/2014/main" id="{4355E14D-EB4F-7642-BF40-7ABA3ED4C9BB}"/>
+              </a:ext>
+            </a:extLst>
+          </p:cNvPr>
+          <p:cNvSpPr>
+            <a:spLocks noGrp="1"/>
+          </p:cNvSpPr>
+          <p:nvPr>
+            <p:ph type="title"/>
+          </p:nvPr>
+        </p:nvSpPr>
+        <p:spPr/>
+        <p:txBody>
+          <a:bodyPr/>
+          <a:lstStyle/>
+          <a:p>
+            <a:r>
+              <a:rPr lang="tr-TR" dirty="0"/>
+              <a:t>Diğer takımların(derece takımlarının) kullandığı bilgisayarlar</a:t>
+            </a:r>
+          </a:p>
+        </p:txBody>
+      </p:sp>
+      <p:sp>
+        <p:nvSpPr>
+          <p:cNvPr id="3" name="İçerik Yer Tutucusu 2">
+            <a:extLst>
+              <a:ext uri="{FF2B5EF4-FFF2-40B4-BE49-F238E27FC236}">
+                <a16:creationId xmlns:a16="http://schemas.microsoft.com/office/drawing/2014/main" id="{F4C5D284-7AC6-7A4C-8FBB-AECBE43137FE}"/>
+              </a:ext>
+            </a:extLst>
+          </p:cNvPr>
+          <p:cNvSpPr>
+            <a:spLocks noGrp="1"/>
+          </p:cNvSpPr>
+          <p:nvPr>
+            <p:ph idx="1"/>
+          </p:nvPr>
+        </p:nvSpPr>
+        <p:spPr/>
+        <p:txBody>
+          <a:bodyPr>
+            <a:normAutofit fontScale="85000" lnSpcReduction="20000"/>
+          </a:bodyPr>
+          <a:lstStyle/>
+          <a:p>
+            <a:r>
+              <a:rPr lang="tr-TR" dirty="0"/>
+              <a:t>Örneğin </a:t>
+            </a:r>
+          </a:p>
+          <a:p>
+            <a:r>
+              <a:rPr lang="tr-TR" dirty="0"/>
+              <a:t>orta irtifa</a:t>
+            </a:r>
+          </a:p>
+          <a:p>
+            <a:r>
+              <a:rPr lang="tr-TR" dirty="0"/>
+              <a:t>Hazar = </a:t>
+            </a:r>
+            <a:r>
+              <a:rPr lang="tr-TR" dirty="0" err="1"/>
+              <a:t>arduino</a:t>
+            </a:r>
+            <a:endParaRPr lang="tr-TR" dirty="0"/>
+          </a:p>
+          <a:p>
+            <a:r>
+              <a:rPr lang="tr-TR" dirty="0"/>
+              <a:t>Şahin = </a:t>
+            </a:r>
+            <a:r>
+              <a:rPr lang="tr-TR" dirty="0" err="1"/>
+              <a:t>teensy</a:t>
+            </a:r>
+            <a:endParaRPr lang="tr-TR" dirty="0"/>
+          </a:p>
+          <a:p>
+            <a:r>
+              <a:rPr lang="tr-TR" dirty="0"/>
+              <a:t>Toplam </a:t>
+            </a:r>
+            <a:r>
+              <a:rPr lang="tr-TR" dirty="0" err="1"/>
+              <a:t>arduino</a:t>
+            </a:r>
+            <a:r>
+              <a:rPr lang="tr-TR" dirty="0"/>
+              <a:t> 1 </a:t>
+            </a:r>
+            <a:r>
+              <a:rPr lang="tr-TR" dirty="0" err="1"/>
+              <a:t>teensy</a:t>
+            </a:r>
+            <a:r>
+              <a:rPr lang="tr-TR" dirty="0"/>
+              <a:t> 1</a:t>
+            </a:r>
+          </a:p>
+          <a:p>
+            <a:r>
+              <a:rPr lang="tr-TR" dirty="0"/>
+              <a:t>Yüksek irtifa</a:t>
+            </a:r>
+          </a:p>
+          <a:p>
+            <a:r>
+              <a:rPr lang="tr-TR" dirty="0"/>
+              <a:t>…</a:t>
+            </a:r>
+          </a:p>
+          <a:p>
+            <a:r>
+              <a:rPr lang="tr-TR" dirty="0"/>
+              <a:t>..</a:t>
+            </a:r>
+          </a:p>
+          <a:p>
+            <a:r>
+              <a:rPr lang="tr-TR" dirty="0"/>
+              <a:t>..</a:t>
+            </a:r>
+          </a:p>
+          <a:p>
+            <a:endParaRPr lang="tr-TR" dirty="0"/>
+          </a:p>
+        </p:txBody>
+      </p:sp>
+    </p:spTree>
+    <p:extLst>
+      <p:ext uri="{BB962C8B-B14F-4D97-AF65-F5344CB8AC3E}">
+        <p14:creationId xmlns:p14="http://schemas.microsoft.com/office/powerpoint/2010/main" val="1004829226"/>
+      </p:ext>
+    </p:extLst>
+  </p:cSld>
+  <p:clrMapOvr>
+    <a:masterClrMapping/>
+  </p:clrMapOvr>
+</p:sld>
+</file>
+
+<file path=ppt/slides/slide27.xml><?xml version="1.0" encoding="utf-8"?>
+<p:sld xmlns:a="http://schemas.openxmlformats.org/drawingml/2006/main" xmlns:r="http://schemas.openxmlformats.org/officeDocument/2006/relationships" xmlns:p="http://schemas.openxmlformats.org/presentationml/2006/main">
+  <p:cSld>
+    <p:spTree>
+      <p:nvGrpSpPr>
+        <p:cNvPr id="1" name=""/>
+        <p:cNvGrpSpPr/>
+        <p:nvPr/>
+      </p:nvGrpSpPr>
+      <p:grpSpPr>
+        <a:xfrm>
+          <a:off x="0" y="0"/>
+          <a:ext cx="0" cy="0"/>
+          <a:chOff x="0" y="0"/>
+          <a:chExt cx="0" cy="0"/>
+        </a:xfrm>
+      </p:grpSpPr>
+      <p:sp>
+        <p:nvSpPr>
+          <p:cNvPr id="2" name="Başlık 1">
+            <a:extLst>
+              <a:ext uri="{FF2B5EF4-FFF2-40B4-BE49-F238E27FC236}">
+                <a16:creationId xmlns:a16="http://schemas.microsoft.com/office/drawing/2014/main" id="{CAEC5790-4C20-5A4C-9B5D-94B6DFB8BE31}"/>
+              </a:ext>
+            </a:extLst>
+          </p:cNvPr>
+          <p:cNvSpPr>
+            <a:spLocks noGrp="1"/>
+          </p:cNvSpPr>
+          <p:nvPr>
+            <p:ph type="title"/>
+          </p:nvPr>
+        </p:nvSpPr>
+        <p:spPr/>
+        <p:txBody>
+          <a:bodyPr>
+            <a:normAutofit/>
+          </a:bodyPr>
+          <a:lstStyle/>
+          <a:p>
+            <a:pPr algn="ctr"/>
+            <a:r>
+              <a:rPr lang="tr-TR" sz="6000" b="1" dirty="0"/>
+              <a:t>HABERLEŞME MODÜLLERİ</a:t>
+            </a:r>
+          </a:p>
+        </p:txBody>
+      </p:sp>
+    </p:spTree>
+    <p:extLst>
+      <p:ext uri="{BB962C8B-B14F-4D97-AF65-F5344CB8AC3E}">
+        <p14:creationId xmlns:p14="http://schemas.microsoft.com/office/powerpoint/2010/main" val="2490706861"/>
+      </p:ext>
+    </p:extLst>
+  </p:cSld>
+  <p:clrMapOvr>
+    <a:masterClrMapping/>
+  </p:clrMapOvr>
+</p:sld>
+</file>
+
+<file path=ppt/slides/slide28.xml><?xml version="1.0" encoding="utf-8"?>
+<p:sld xmlns:a="http://schemas.openxmlformats.org/drawingml/2006/main" xmlns:r="http://schemas.openxmlformats.org/officeDocument/2006/relationships" xmlns:p="http://schemas.openxmlformats.org/presentationml/2006/main">
+  <p:cSld>
+    <p:spTree>
+      <p:nvGrpSpPr>
+        <p:cNvPr id="1" name=""/>
+        <p:cNvGrpSpPr/>
+        <p:nvPr/>
+      </p:nvGrpSpPr>
+      <p:grpSpPr>
+        <a:xfrm>
+          <a:off x="0" y="0"/>
+          <a:ext cx="0" cy="0"/>
+          <a:chOff x="0" y="0"/>
+          <a:chExt cx="0" cy="0"/>
+        </a:xfrm>
+      </p:grpSpPr>
+      <p:sp>
+        <p:nvSpPr>
+          <p:cNvPr id="2" name="Başlık 1">
+            <a:extLst>
+              <a:ext uri="{FF2B5EF4-FFF2-40B4-BE49-F238E27FC236}">
                 <a16:creationId xmlns:a16="http://schemas.microsoft.com/office/drawing/2014/main" id="{82EA816A-884F-4744-B4DF-80F3A5F351C4}"/>
               </a:ext>
             </a:extLst>
@@ -9168,30 +10039,26 @@
           </a:p>
           <a:p>
             <a:r>
+              <a:rPr lang="tr-TR" dirty="0">
+                <a:hlinkClick r:id="rId4"/>
+              </a:rPr>
+              <a:t>https://geekhack.org/index.php?topic=83238.0</a:t>
+            </a:r>
+            <a:endParaRPr lang="tr-TR" dirty="0"/>
+          </a:p>
+          <a:p>
+            <a:r>
+              <a:rPr lang="tr-TR" dirty="0"/>
+              <a:t>http://</a:t>
+            </a:r>
+            <a:r>
               <a:rPr lang="tr-TR" dirty="0" err="1"/>
-              <a:t>https</a:t>
-            </a:r>
-            <a:r>
-              <a:rPr lang="tr-TR" dirty="0"/>
-              <a:t>://</a:t>
-            </a:r>
-            <a:r>
-              <a:rPr lang="tr-TR" dirty="0" err="1"/>
-              <a:t>geekhack.org</a:t>
-            </a:r>
-            <a:r>
-              <a:rPr lang="tr-TR" dirty="0"/>
-              <a:t>/</a:t>
-            </a:r>
-            <a:r>
-              <a:rPr lang="tr-TR" dirty="0" err="1"/>
-              <a:t>index.php?topic</a:t>
-            </a:r>
-            <a:r>
-              <a:rPr lang="tr-TR"/>
-              <a:t>=83238.0</a:t>
-            </a:r>
-            <a:endParaRPr lang="tr-TR" dirty="0"/>
+              <a:t>www.robotik.cc</a:t>
+            </a:r>
+            <a:r>
+              <a:rPr lang="tr-TR" dirty="0"/>
+              <a:t>/mikroislemciler-ile-mikrodenetleyicileri-arasindaki-farklar-nelerdir/</a:t>
+            </a:r>
           </a:p>
         </p:txBody>
       </p:sp>
